--- a/KnightBites Presentation.pptx
+++ b/KnightBites Presentation.pptx
@@ -23,24 +23,23 @@
     <p:sldId id="268" r:id="rId18"/>
     <p:sldId id="269" r:id="rId19"/>
     <p:sldId id="270" r:id="rId20"/>
-    <p:sldId id="271" r:id="rId21"/>
   </p:sldIdLst>
   <p:sldSz cy="5143500" cx="9144000"/>
   <p:notesSz cx="6858000" cy="9144000"/>
   <p:embeddedFontLst>
     <p:embeddedFont>
       <p:font typeface="Playfair Display"/>
-      <p:regular r:id="rId22"/>
-      <p:bold r:id="rId23"/>
-      <p:italic r:id="rId24"/>
-      <p:boldItalic r:id="rId25"/>
+      <p:regular r:id="rId21"/>
+      <p:bold r:id="rId22"/>
+      <p:italic r:id="rId23"/>
+      <p:boldItalic r:id="rId24"/>
     </p:embeddedFont>
     <p:embeddedFont>
       <p:font typeface="Lato"/>
-      <p:regular r:id="rId26"/>
-      <p:bold r:id="rId27"/>
-      <p:italic r:id="rId28"/>
-      <p:boldItalic r:id="rId29"/>
+      <p:regular r:id="rId25"/>
+      <p:bold r:id="rId26"/>
+      <p:italic r:id="rId27"/>
+      <p:boldItalic r:id="rId28"/>
     </p:embeddedFont>
   </p:embeddedFontLst>
   <p:defaultTextStyle>
@@ -803,7 +802,7 @@
             </a:pPr>
             <a:r>
               <a:rPr lang="en"/>
-              <a:t>David</a:t>
+              <a:t>Peter (Slides)</a:t>
             </a:r>
             <a:endParaRPr/>
           </a:p>
@@ -822,7 +821,7 @@
   <p:cSld>
     <p:spTree>
       <p:nvGrpSpPr>
-        <p:cNvPr id="111" name="Shape 111"/>
+        <p:cNvPr id="114" name="Shape 114"/>
         <p:cNvGrpSpPr/>
         <p:nvPr/>
       </p:nvGrpSpPr>
@@ -836,7 +835,7 @@
       </p:grpSpPr>
       <p:sp>
         <p:nvSpPr>
-          <p:cNvPr id="112" name="Google Shape;112;g325e1d52a29_0_21:notes"/>
+          <p:cNvPr id="115" name="Google Shape;115;g314c99d6003_1_27:notes"/>
           <p:cNvSpPr/>
           <p:nvPr>
             <p:ph idx="2" type="sldImg"/>
@@ -871,7 +870,7 @@
       </p:sp>
       <p:sp>
         <p:nvSpPr>
-          <p:cNvPr id="113" name="Google Shape;113;g325e1d52a29_0_21:notes"/>
+          <p:cNvPr id="116" name="Google Shape;116;g314c99d6003_1_27:notes"/>
           <p:cNvSpPr txBox="1"/>
           <p:nvPr>
             <p:ph idx="1" type="body"/>
@@ -902,7 +901,8 @@
               <a:buNone/>
             </a:pPr>
             <a:r>
-              <a:t/>
+              <a:rPr lang="en"/>
+              <a:t>Jacob</a:t>
             </a:r>
             <a:endParaRPr/>
           </a:p>
@@ -921,7 +921,7 @@
   <p:cSld>
     <p:spTree>
       <p:nvGrpSpPr>
-        <p:cNvPr id="118" name="Shape 118"/>
+        <p:cNvPr id="119" name="Shape 119"/>
         <p:cNvGrpSpPr/>
         <p:nvPr/>
       </p:nvGrpSpPr>
@@ -935,7 +935,7 @@
       </p:grpSpPr>
       <p:sp>
         <p:nvSpPr>
-          <p:cNvPr id="119" name="Google Shape;119;g314c99d6003_1_27:notes"/>
+          <p:cNvPr id="120" name="Google Shape;120;g314c99d6003_1_36:notes"/>
           <p:cNvSpPr/>
           <p:nvPr>
             <p:ph idx="2" type="sldImg"/>
@@ -970,7 +970,7 @@
       </p:sp>
       <p:sp>
         <p:nvSpPr>
-          <p:cNvPr id="120" name="Google Shape;120;g314c99d6003_1_27:notes"/>
+          <p:cNvPr id="121" name="Google Shape;121;g314c99d6003_1_36:notes"/>
           <p:cNvSpPr txBox="1"/>
           <p:nvPr>
             <p:ph idx="1" type="body"/>
@@ -991,6 +991,22 @@
           </a:bodyPr>
           <a:lstStyle/>
           <a:p>
+            <a:pPr indent="0" lvl="0" marL="0" rtl="0" algn="l">
+              <a:spcBef>
+                <a:spcPts val="0"/>
+              </a:spcBef>
+              <a:spcAft>
+                <a:spcPts val="0"/>
+              </a:spcAft>
+              <a:buNone/>
+            </a:pPr>
+            <a:r>
+              <a:rPr lang="en"/>
+              <a:t>Strengths:</a:t>
+            </a:r>
+            <a:endParaRPr/>
+          </a:p>
+          <a:p>
             <a:pPr indent="-298450" lvl="0" marL="457200" rtl="0" algn="l">
               <a:spcBef>
                 <a:spcPts val="0"/>
@@ -999,11 +1015,248 @@
                 <a:spcPts val="0"/>
               </a:spcAft>
               <a:buSzPts val="1100"/>
-              <a:buChar char="●"/>
+              <a:buChar char="-"/>
             </a:pPr>
             <a:r>
               <a:rPr lang="en"/>
-              <a:t>Lily</a:t>
+              <a:t>Strong data &amp; service</a:t>
+            </a:r>
+            <a:endParaRPr/>
+          </a:p>
+          <a:p>
+            <a:pPr indent="-298450" lvl="1" marL="914400" rtl="0" algn="l">
+              <a:spcBef>
+                <a:spcPts val="0"/>
+              </a:spcBef>
+              <a:spcAft>
+                <a:spcPts val="0"/>
+              </a:spcAft>
+              <a:buSzPts val="1100"/>
+              <a:buChar char="-"/>
+            </a:pPr>
+            <a:r>
+              <a:rPr lang="en"/>
+              <a:t>We have made almost 600 food cards for dishes served from Calvin’s dining halls.</a:t>
+            </a:r>
+            <a:endParaRPr/>
+          </a:p>
+          <a:p>
+            <a:pPr indent="-298450" lvl="0" marL="457200" rtl="0" algn="l">
+              <a:spcBef>
+                <a:spcPts val="0"/>
+              </a:spcBef>
+              <a:spcAft>
+                <a:spcPts val="0"/>
+              </a:spcAft>
+              <a:buSzPts val="1100"/>
+              <a:buChar char="-"/>
+            </a:pPr>
+            <a:r>
+              <a:rPr lang="en"/>
+              <a:t>User subsystem</a:t>
+            </a:r>
+            <a:endParaRPr/>
+          </a:p>
+          <a:p>
+            <a:pPr indent="-298450" lvl="1" marL="914400" rtl="0" algn="l">
+              <a:spcBef>
+                <a:spcPts val="0"/>
+              </a:spcBef>
+              <a:spcAft>
+                <a:spcPts val="0"/>
+              </a:spcAft>
+              <a:buSzPts val="1100"/>
+              <a:buChar char="-"/>
+            </a:pPr>
+            <a:r>
+              <a:rPr lang="en"/>
+              <a:t>Every user’s profile data is securely stored in our database.</a:t>
+            </a:r>
+            <a:endParaRPr/>
+          </a:p>
+          <a:p>
+            <a:pPr indent="-298450" lvl="1" marL="914400" rtl="0" algn="l">
+              <a:spcBef>
+                <a:spcPts val="0"/>
+              </a:spcBef>
+              <a:spcAft>
+                <a:spcPts val="0"/>
+              </a:spcAft>
+              <a:buSzPts val="1100"/>
+              <a:buChar char="-"/>
+            </a:pPr>
+            <a:r>
+              <a:rPr lang="en"/>
+              <a:t>Users can easily change their email, password, and dietary restrictions associated with their account</a:t>
+            </a:r>
+            <a:endParaRPr/>
+          </a:p>
+          <a:p>
+            <a:pPr indent="-298450" lvl="0" marL="457200" rtl="0" algn="l">
+              <a:spcBef>
+                <a:spcPts val="0"/>
+              </a:spcBef>
+              <a:spcAft>
+                <a:spcPts val="0"/>
+              </a:spcAft>
+              <a:buSzPts val="1100"/>
+              <a:buChar char="-"/>
+            </a:pPr>
+            <a:r>
+              <a:rPr lang="en"/>
+              <a:t>KnightBites </a:t>
+            </a:r>
+            <a:endParaRPr/>
+          </a:p>
+          <a:p>
+            <a:pPr indent="-298450" lvl="1" marL="914400" rtl="0" algn="l">
+              <a:spcBef>
+                <a:spcPts val="0"/>
+              </a:spcBef>
+              <a:spcAft>
+                <a:spcPts val="0"/>
+              </a:spcAft>
+              <a:buSzPts val="1100"/>
+              <a:buChar char="-"/>
+            </a:pPr>
+            <a:r>
+              <a:rPr lang="en"/>
+              <a:t>Users can browse dishes and write reviews for them OR</a:t>
+            </a:r>
+            <a:endParaRPr/>
+          </a:p>
+          <a:p>
+            <a:pPr indent="-298450" lvl="1" marL="914400" rtl="0" algn="l">
+              <a:spcBef>
+                <a:spcPts val="0"/>
+              </a:spcBef>
+              <a:spcAft>
+                <a:spcPts val="0"/>
+              </a:spcAft>
+              <a:buSzPts val="1100"/>
+              <a:buChar char="-"/>
+            </a:pPr>
+            <a:r>
+              <a:rPr lang="en"/>
+              <a:t>Create a sandwich based on Calvin’s UpperCrust dining hall and share them</a:t>
+            </a:r>
+            <a:endParaRPr/>
+          </a:p>
+          <a:p>
+            <a:pPr indent="0" lvl="0" marL="0" rtl="0" algn="l">
+              <a:spcBef>
+                <a:spcPts val="0"/>
+              </a:spcBef>
+              <a:spcAft>
+                <a:spcPts val="0"/>
+              </a:spcAft>
+              <a:buNone/>
+            </a:pPr>
+            <a:r>
+              <a:rPr lang="en"/>
+              <a:t>Weaknesses:</a:t>
+            </a:r>
+            <a:endParaRPr/>
+          </a:p>
+          <a:p>
+            <a:pPr indent="-298450" lvl="0" marL="457200" rtl="0" algn="l">
+              <a:spcBef>
+                <a:spcPts val="0"/>
+              </a:spcBef>
+              <a:spcAft>
+                <a:spcPts val="0"/>
+              </a:spcAft>
+              <a:buSzPts val="1100"/>
+              <a:buChar char="-"/>
+            </a:pPr>
+            <a:r>
+              <a:rPr lang="en"/>
+              <a:t>Database changes don’t update in real time.</a:t>
+            </a:r>
+            <a:endParaRPr/>
+          </a:p>
+          <a:p>
+            <a:pPr indent="-298450" lvl="1" marL="914400" rtl="0" algn="l">
+              <a:spcBef>
+                <a:spcPts val="0"/>
+              </a:spcBef>
+              <a:spcAft>
+                <a:spcPts val="0"/>
+              </a:spcAft>
+              <a:buSzPts val="1100"/>
+              <a:buChar char="-"/>
+            </a:pPr>
+            <a:r>
+              <a:rPr lang="en"/>
+              <a:t>There is a small delay when reviews are posted.</a:t>
+            </a:r>
+            <a:endParaRPr/>
+          </a:p>
+          <a:p>
+            <a:pPr indent="-298450" lvl="2" marL="1371600" rtl="0" algn="l">
+              <a:spcBef>
+                <a:spcPts val="0"/>
+              </a:spcBef>
+              <a:spcAft>
+                <a:spcPts val="0"/>
+              </a:spcAft>
+              <a:buSzPts val="1100"/>
+              <a:buChar char="-"/>
+            </a:pPr>
+            <a:r>
+              <a:rPr lang="en"/>
+              <a:t>For example, the overall score of a dish gets updated daily at midnight.</a:t>
+            </a:r>
+            <a:endParaRPr/>
+          </a:p>
+          <a:p>
+            <a:pPr indent="-298450" lvl="2" marL="1371600" rtl="0" algn="l">
+              <a:spcBef>
+                <a:spcPts val="0"/>
+              </a:spcBef>
+              <a:spcAft>
+                <a:spcPts val="0"/>
+              </a:spcAft>
+              <a:buSzPts val="1100"/>
+              <a:buChar char="-"/>
+            </a:pPr>
+            <a:r>
+              <a:rPr lang="en"/>
+              <a:t>This can be fixed with a more pricey database plan</a:t>
+            </a:r>
+            <a:endParaRPr/>
+          </a:p>
+          <a:p>
+            <a:pPr indent="-298450" lvl="1" marL="914400" rtl="0" algn="l">
+              <a:spcBef>
+                <a:spcPts val="0"/>
+              </a:spcBef>
+              <a:spcAft>
+                <a:spcPts val="0"/>
+              </a:spcAft>
+              <a:buSzPts val="1100"/>
+              <a:buChar char="-"/>
+            </a:pPr>
+            <a:r>
+              <a:rPr lang="en"/>
+              <a:t>Ethical implications</a:t>
+            </a:r>
+            <a:endParaRPr/>
+          </a:p>
+          <a:p>
+            <a:pPr indent="-298450" lvl="2" marL="1371600" rtl="0" algn="l">
+              <a:spcBef>
+                <a:spcPts val="0"/>
+              </a:spcBef>
+              <a:spcAft>
+                <a:spcPts val="0"/>
+              </a:spcAft>
+              <a:buSzPts val="1100"/>
+              <a:buChar char="-"/>
+            </a:pPr>
+            <a:r>
+              <a:rPr lang="en"/>
+              <a:t>Go to next slide</a:t>
             </a:r>
             <a:endParaRPr/>
           </a:p>
@@ -1022,7 +1275,7 @@
   <p:cSld>
     <p:spTree>
       <p:nvGrpSpPr>
-        <p:cNvPr id="123" name="Shape 123"/>
+        <p:cNvPr id="126" name="Shape 126"/>
         <p:cNvGrpSpPr/>
         <p:nvPr/>
       </p:nvGrpSpPr>
@@ -1036,7 +1289,7 @@
       </p:grpSpPr>
       <p:sp>
         <p:nvSpPr>
-          <p:cNvPr id="124" name="Google Shape;124;g325e1d52a29_0_12:notes"/>
+          <p:cNvPr id="127" name="Google Shape;127;g314c99d6003_1_48:notes"/>
           <p:cNvSpPr/>
           <p:nvPr>
             <p:ph idx="2" type="sldImg"/>
@@ -1071,7 +1324,7 @@
       </p:sp>
       <p:sp>
         <p:nvSpPr>
-          <p:cNvPr id="125" name="Google Shape;125;g325e1d52a29_0_12:notes"/>
+          <p:cNvPr id="128" name="Google Shape;128;g314c99d6003_1_48:notes"/>
           <p:cNvSpPr txBox="1"/>
           <p:nvPr>
             <p:ph idx="1" type="body"/>
@@ -1102,7 +1355,183 @@
               <a:buNone/>
             </a:pPr>
             <a:r>
+              <a:rPr lang="en"/>
+              <a:t>Ethical implications:</a:t>
+            </a:r>
+            <a:endParaRPr/>
+          </a:p>
+          <a:p>
+            <a:pPr indent="-298450" lvl="0" marL="457200" rtl="0" algn="l">
+              <a:spcBef>
+                <a:spcPts val="0"/>
+              </a:spcBef>
+              <a:spcAft>
+                <a:spcPts val="0"/>
+              </a:spcAft>
+              <a:buSzPts val="1100"/>
+              <a:buChar char="-"/>
+            </a:pPr>
+            <a:r>
+              <a:rPr lang="en"/>
+              <a:t>How does this affect Calvin Dining Services staff?</a:t>
+            </a:r>
+            <a:endParaRPr/>
+          </a:p>
+          <a:p>
+            <a:pPr indent="-298450" lvl="1" marL="914400" rtl="0" algn="l">
+              <a:spcBef>
+                <a:spcPts val="0"/>
+              </a:spcBef>
+              <a:spcAft>
+                <a:spcPts val="0"/>
+              </a:spcAft>
+              <a:buSzPts val="1100"/>
+              <a:buChar char="-"/>
+            </a:pPr>
+            <a:r>
+              <a:rPr lang="en"/>
+              <a:t>Feedback is helpful, but too much negative feedback could be overwhelming</a:t>
+            </a:r>
+            <a:endParaRPr/>
+          </a:p>
+          <a:p>
+            <a:pPr indent="-298450" lvl="0" marL="457200" rtl="0" algn="l">
+              <a:spcBef>
+                <a:spcPts val="0"/>
+              </a:spcBef>
+              <a:spcAft>
+                <a:spcPts val="0"/>
+              </a:spcAft>
+              <a:buSzPts val="1100"/>
+              <a:buChar char="-"/>
+            </a:pPr>
+            <a:r>
+              <a:rPr lang="en"/>
+              <a:t>Does this affect allergen friendly, cultural, or unpopular foods?</a:t>
+            </a:r>
+            <a:endParaRPr/>
+          </a:p>
+          <a:p>
+            <a:pPr indent="-298450" lvl="1" marL="914400" rtl="0" algn="l">
+              <a:spcBef>
+                <a:spcPts val="0"/>
+              </a:spcBef>
+              <a:spcAft>
+                <a:spcPts val="0"/>
+              </a:spcAft>
+              <a:buSzPts val="1100"/>
+              <a:buChar char="-"/>
+            </a:pPr>
+            <a:r>
+              <a:rPr lang="en"/>
+              <a:t>Certain dishes could be review </a:t>
+            </a:r>
+            <a:r>
+              <a:rPr lang="en"/>
+              <a:t>bombed</a:t>
+            </a:r>
+            <a:r>
+              <a:rPr lang="en"/>
+              <a:t>, potentially getting special dishes removed.</a:t>
+            </a:r>
+            <a:endParaRPr/>
+          </a:p>
+          <a:p>
+            <a:pPr indent="0" lvl="0" marL="0" rtl="0" algn="l">
+              <a:spcBef>
+                <a:spcPts val="0"/>
+              </a:spcBef>
+              <a:spcAft>
+                <a:spcPts val="0"/>
+              </a:spcAft>
+              <a:buNone/>
+            </a:pPr>
+            <a:r>
               <a:t/>
+            </a:r>
+            <a:endParaRPr/>
+          </a:p>
+          <a:p>
+            <a:pPr indent="0" lvl="0" marL="0" rtl="0" algn="l">
+              <a:spcBef>
+                <a:spcPts val="0"/>
+              </a:spcBef>
+              <a:spcAft>
+                <a:spcPts val="0"/>
+              </a:spcAft>
+              <a:buNone/>
+            </a:pPr>
+            <a:r>
+              <a:rPr lang="en"/>
+              <a:t>Postman:</a:t>
+            </a:r>
+            <a:endParaRPr/>
+          </a:p>
+          <a:p>
+            <a:pPr indent="-298450" lvl="0" marL="457200" rtl="0" algn="l">
+              <a:spcBef>
+                <a:spcPts val="0"/>
+              </a:spcBef>
+              <a:spcAft>
+                <a:spcPts val="0"/>
+              </a:spcAft>
+              <a:buSzPts val="1100"/>
+              <a:buChar char="-"/>
+            </a:pPr>
+            <a:r>
+              <a:rPr lang="en"/>
+              <a:t>Idea #1: Technology taketh and given away</a:t>
+            </a:r>
+            <a:endParaRPr/>
+          </a:p>
+          <a:p>
+            <a:pPr indent="-298450" lvl="1" marL="914400" rtl="0" algn="l">
+              <a:spcBef>
+                <a:spcPts val="0"/>
+              </a:spcBef>
+              <a:spcAft>
+                <a:spcPts val="0"/>
+              </a:spcAft>
+              <a:buSzPts val="1100"/>
+              <a:buChar char="-"/>
+            </a:pPr>
+            <a:r>
+              <a:rPr lang="en"/>
+              <a:t>KnightBites enhances food awareness and aims to reduce waste, but may unintentionally get dishes removed</a:t>
+            </a:r>
+            <a:endParaRPr/>
+          </a:p>
+          <a:p>
+            <a:pPr indent="-298450" lvl="0" marL="457200" rtl="0" algn="l">
+              <a:spcBef>
+                <a:spcPts val="0"/>
+              </a:spcBef>
+              <a:spcAft>
+                <a:spcPts val="0"/>
+              </a:spcAft>
+              <a:buSzPts val="1100"/>
+              <a:buChar char="-"/>
+            </a:pPr>
+            <a:r>
+              <a:rPr lang="en"/>
+              <a:t>Idea #4: Technology is not just additive, it’s ecological</a:t>
+            </a:r>
+            <a:endParaRPr/>
+          </a:p>
+          <a:p>
+            <a:pPr indent="-298450" lvl="1" marL="914400" rtl="0" algn="l">
+              <a:spcBef>
+                <a:spcPts val="0"/>
+              </a:spcBef>
+              <a:spcAft>
+                <a:spcPts val="0"/>
+              </a:spcAft>
+              <a:buSzPts val="1100"/>
+              <a:buChar char="-"/>
+            </a:pPr>
+            <a:r>
+              <a:rPr lang="en"/>
+              <a:t>With this app, students aren’t just eating at the dining halls, they are eating with the mind of a critic, potentially changing how they rate their food</a:t>
             </a:r>
             <a:endParaRPr/>
           </a:p>
@@ -1121,7 +1550,7 @@
   <p:cSld>
     <p:spTree>
       <p:nvGrpSpPr>
-        <p:cNvPr id="129" name="Shape 129"/>
+        <p:cNvPr id="134" name="Shape 134"/>
         <p:cNvGrpSpPr/>
         <p:nvPr/>
       </p:nvGrpSpPr>
@@ -1135,7 +1564,7 @@
       </p:grpSpPr>
       <p:sp>
         <p:nvSpPr>
-          <p:cNvPr id="130" name="Google Shape;130;g314c99d6003_1_36:notes"/>
+          <p:cNvPr id="135" name="Google Shape;135;g314c99d6003_1_42:notes"/>
           <p:cNvSpPr/>
           <p:nvPr>
             <p:ph idx="2" type="sldImg"/>
@@ -1170,7 +1599,7 @@
       </p:sp>
       <p:sp>
         <p:nvSpPr>
-          <p:cNvPr id="131" name="Google Shape;131;g314c99d6003_1_36:notes"/>
+          <p:cNvPr id="136" name="Google Shape;136;g314c99d6003_1_42:notes"/>
           <p:cNvSpPr txBox="1"/>
           <p:nvPr>
             <p:ph idx="1" type="body"/>
@@ -1198,11 +1627,16 @@
               <a:spcAft>
                 <a:spcPts val="0"/>
               </a:spcAft>
+              <a:buClr>
+                <a:schemeClr val="dk1"/>
+              </a:buClr>
+              <a:buSzPts val="1100"/>
+              <a:buFont typeface="Arial"/>
               <a:buNone/>
             </a:pPr>
             <a:r>
               <a:rPr lang="en"/>
-              <a:t>Current:</a:t>
+              <a:t>Functionality:</a:t>
             </a:r>
             <a:endParaRPr/>
           </a:p>
@@ -1215,23 +1649,116 @@
                 <a:spcPts val="0"/>
               </a:spcAft>
               <a:buSzPts val="1100"/>
-              <a:buAutoNum type="arabicPeriod"/>
+              <a:buChar char="-"/>
             </a:pPr>
             <a:r>
               <a:rPr lang="en"/>
-              <a:t>Clear layout and organized d</a:t>
-            </a:r>
+              <a:t>Expand dietary restrictions</a:t>
+            </a:r>
+            <a:endParaRPr/>
+          </a:p>
+          <a:p>
+            <a:pPr indent="-298450" lvl="1" marL="914400" rtl="0" algn="l">
+              <a:spcBef>
+                <a:spcPts val="0"/>
+              </a:spcBef>
+              <a:spcAft>
+                <a:spcPts val="0"/>
+              </a:spcAft>
+              <a:buSzPts val="1100"/>
+              <a:buChar char="-"/>
+            </a:pPr>
             <a:r>
               <a:rPr lang="en"/>
-              <a:t>esign</a:t>
-            </a:r>
+              <a:t>Dairy/gluten free, etc.</a:t>
+            </a:r>
+            <a:endParaRPr/>
+          </a:p>
+          <a:p>
+            <a:pPr indent="-298450" lvl="0" marL="457200" rtl="0" algn="l">
+              <a:spcBef>
+                <a:spcPts val="0"/>
+              </a:spcBef>
+              <a:spcAft>
+                <a:spcPts val="0"/>
+              </a:spcAft>
+              <a:buSzPts val="1100"/>
+              <a:buChar char="-"/>
+            </a:pPr>
             <a:r>
               <a:rPr lang="en"/>
-              <a:t> make it easy for user to find and use features.</a:t>
+              <a:t>More voting power to people with dietary restrictions</a:t>
             </a:r>
             <a:endParaRPr/>
           </a:p>
           <a:p>
+            <a:pPr indent="0" lvl="0" marL="0" rtl="0" algn="l">
+              <a:spcBef>
+                <a:spcPts val="0"/>
+              </a:spcBef>
+              <a:spcAft>
+                <a:spcPts val="0"/>
+              </a:spcAft>
+              <a:buNone/>
+            </a:pPr>
+            <a:r>
+              <a:t/>
+            </a:r>
+            <a:endParaRPr/>
+          </a:p>
+          <a:p>
+            <a:pPr indent="0" lvl="0" marL="0" rtl="0" algn="l">
+              <a:spcBef>
+                <a:spcPts val="0"/>
+              </a:spcBef>
+              <a:spcAft>
+                <a:spcPts val="0"/>
+              </a:spcAft>
+              <a:buNone/>
+            </a:pPr>
+            <a:r>
+              <a:rPr lang="en"/>
+              <a:t>A more unified image collection?????</a:t>
+            </a:r>
+            <a:endParaRPr/>
+          </a:p>
+          <a:p>
+            <a:pPr indent="0" lvl="0" marL="0" rtl="0" algn="l">
+              <a:spcBef>
+                <a:spcPts val="0"/>
+              </a:spcBef>
+              <a:spcAft>
+                <a:spcPts val="0"/>
+              </a:spcAft>
+              <a:buClr>
+                <a:schemeClr val="dk1"/>
+              </a:buClr>
+              <a:buSzPts val="1100"/>
+              <a:buFont typeface="Arial"/>
+              <a:buNone/>
+            </a:pPr>
+            <a:r>
+              <a:t/>
+            </a:r>
+            <a:endParaRPr/>
+          </a:p>
+          <a:p>
+            <a:pPr indent="0" lvl="0" marL="0" rtl="0" algn="l">
+              <a:spcBef>
+                <a:spcPts val="0"/>
+              </a:spcBef>
+              <a:spcAft>
+                <a:spcPts val="0"/>
+              </a:spcAft>
+              <a:buNone/>
+            </a:pPr>
+            <a:r>
+              <a:rPr lang="en"/>
+              <a:t>Future Hopes:</a:t>
+            </a:r>
+            <a:endParaRPr/>
+          </a:p>
+          <a:p>
             <a:pPr indent="-298450" lvl="0" marL="457200" rtl="0" algn="l">
               <a:spcBef>
                 <a:spcPts val="0"/>
@@ -1240,118 +1767,28 @@
                 <a:spcPts val="0"/>
               </a:spcAft>
               <a:buSzPts val="1100"/>
-              <a:buAutoNum type="arabicPeriod"/>
+              <a:buChar char="-"/>
             </a:pPr>
             <a:r>
               <a:rPr lang="en"/>
-              <a:t>We used Calvin Maroon and Gold, </a:t>
-            </a:r>
+              <a:t>Partner with Calvin Dining Services</a:t>
+            </a:r>
+            <a:endParaRPr/>
+          </a:p>
+          <a:p>
+            <a:pPr indent="-298450" lvl="1" marL="914400" rtl="0" algn="l">
+              <a:spcBef>
+                <a:spcPts val="0"/>
+              </a:spcBef>
+              <a:spcAft>
+                <a:spcPts val="0"/>
+              </a:spcAft>
+              <a:buSzPts val="1100"/>
+              <a:buChar char="-"/>
+            </a:pPr>
             <a:r>
               <a:rPr lang="en"/>
-              <a:t>reflecting Calvin’s brand, creating familiarity for students.</a:t>
-            </a:r>
-            <a:endParaRPr/>
-          </a:p>
-          <a:p>
-            <a:pPr indent="-298450" lvl="0" marL="457200" rtl="0" algn="l">
-              <a:spcBef>
-                <a:spcPts val="0"/>
-              </a:spcBef>
-              <a:spcAft>
-                <a:spcPts val="0"/>
-              </a:spcAft>
-              <a:buSzPts val="1100"/>
-              <a:buAutoNum type="arabicPeriod"/>
-            </a:pPr>
-            <a:r>
-              <a:rPr lang="en"/>
-              <a:t>Standardized styles for buttons and text improve navigation and understanding.</a:t>
-            </a:r>
-            <a:endParaRPr/>
-          </a:p>
-          <a:p>
-            <a:pPr indent="-298450" lvl="0" marL="457200" rtl="0" algn="l">
-              <a:spcBef>
-                <a:spcPts val="0"/>
-              </a:spcBef>
-              <a:spcAft>
-                <a:spcPts val="0"/>
-              </a:spcAft>
-              <a:buSzPts val="1100"/>
-              <a:buAutoNum type="arabicPeriod"/>
-            </a:pPr>
-            <a:r>
-              <a:rPr lang="en"/>
-              <a:t>We used </a:t>
-            </a:r>
-            <a:r>
-              <a:rPr lang="en"/>
-              <a:t> clear and relatable language</a:t>
-            </a:r>
-            <a:endParaRPr/>
-          </a:p>
-          <a:p>
-            <a:pPr indent="0" lvl="0" marL="0" rtl="0" algn="l">
-              <a:spcBef>
-                <a:spcPts val="0"/>
-              </a:spcBef>
-              <a:spcAft>
-                <a:spcPts val="0"/>
-              </a:spcAft>
-              <a:buNone/>
-            </a:pPr>
-            <a:r>
-              <a:t/>
-            </a:r>
-            <a:endParaRPr/>
-          </a:p>
-          <a:p>
-            <a:pPr indent="0" lvl="0" marL="0" rtl="0" algn="l">
-              <a:spcBef>
-                <a:spcPts val="0"/>
-              </a:spcBef>
-              <a:spcAft>
-                <a:spcPts val="0"/>
-              </a:spcAft>
-              <a:buNone/>
-            </a:pPr>
-            <a:r>
-              <a:rPr lang="en"/>
-              <a:t>Future:</a:t>
-            </a:r>
-            <a:endParaRPr/>
-          </a:p>
-          <a:p>
-            <a:pPr indent="-298450" lvl="0" marL="457200" rtl="0" algn="l">
-              <a:spcBef>
-                <a:spcPts val="0"/>
-              </a:spcBef>
-              <a:spcAft>
-                <a:spcPts val="0"/>
-              </a:spcAft>
-              <a:buSzPts val="1100"/>
-              <a:buAutoNum type="arabicPeriod"/>
-            </a:pPr>
-            <a:r>
-              <a:rPr lang="en"/>
-              <a:t>Redesign for a cleaner, more engaging layout that’s easy to navigate.</a:t>
-            </a:r>
-            <a:endParaRPr/>
-          </a:p>
-          <a:p>
-            <a:pPr indent="-298450" lvl="0" marL="457200" rtl="0" algn="l">
-              <a:spcBef>
-                <a:spcPts val="0"/>
-              </a:spcBef>
-              <a:spcAft>
-                <a:spcPts val="0"/>
-              </a:spcAft>
-              <a:buSzPts val="1100"/>
-              <a:buAutoNum type="arabicPeriod"/>
-            </a:pPr>
-            <a:r>
-              <a:rPr lang="en"/>
-              <a:t>Add images for each food</a:t>
+              <a:t>So that we can give real feedback and have real change in the dining halls</a:t>
             </a:r>
             <a:endParaRPr/>
           </a:p>
@@ -1370,7 +1807,7 @@
   <p:cSld>
     <p:spTree>
       <p:nvGrpSpPr>
-        <p:cNvPr id="136" name="Shape 136"/>
+        <p:cNvPr id="141" name="Shape 141"/>
         <p:cNvGrpSpPr/>
         <p:nvPr/>
       </p:nvGrpSpPr>
@@ -1384,7 +1821,7 @@
       </p:grpSpPr>
       <p:sp>
         <p:nvSpPr>
-          <p:cNvPr id="137" name="Google Shape;137;g314c99d6003_1_42:notes"/>
+          <p:cNvPr id="142" name="Google Shape;142;g325e1d52a29_0_12:notes"/>
           <p:cNvSpPr/>
           <p:nvPr>
             <p:ph idx="2" type="sldImg"/>
@@ -1419,7 +1856,7 @@
       </p:sp>
       <p:sp>
         <p:nvSpPr>
-          <p:cNvPr id="138" name="Google Shape;138;g314c99d6003_1_42:notes"/>
+          <p:cNvPr id="143" name="Google Shape;143;g325e1d52a29_0_12:notes"/>
           <p:cNvSpPr txBox="1"/>
           <p:nvPr>
             <p:ph idx="1" type="body"/>
@@ -1440,6 +1877,139 @@
           </a:bodyPr>
           <a:lstStyle/>
           <a:p>
+            <a:pPr indent="-298450" lvl="0" marL="457200" rtl="0" algn="l">
+              <a:spcBef>
+                <a:spcPts val="0"/>
+              </a:spcBef>
+              <a:spcAft>
+                <a:spcPts val="0"/>
+              </a:spcAft>
+              <a:buSzPts val="1100"/>
+              <a:buChar char="-"/>
+            </a:pPr>
+            <a:r>
+              <a:rPr lang="en"/>
+              <a:t>Advanced search and filtering options</a:t>
+            </a:r>
+            <a:endParaRPr/>
+          </a:p>
+          <a:p>
+            <a:pPr indent="-298450" lvl="1" marL="914400" rtl="0" algn="l">
+              <a:spcBef>
+                <a:spcPts val="0"/>
+              </a:spcBef>
+              <a:spcAft>
+                <a:spcPts val="0"/>
+              </a:spcAft>
+              <a:buSzPts val="1100"/>
+              <a:buChar char="-"/>
+            </a:pPr>
+            <a:r>
+              <a:rPr lang="en"/>
+              <a:t>Users can now sort by dining hall, mealtime, &amp; dietary restrictions</a:t>
+            </a:r>
+            <a:endParaRPr/>
+          </a:p>
+          <a:p>
+            <a:pPr indent="-298450" lvl="0" marL="457200" rtl="0" algn="l">
+              <a:spcBef>
+                <a:spcPts val="0"/>
+              </a:spcBef>
+              <a:spcAft>
+                <a:spcPts val="0"/>
+              </a:spcAft>
+              <a:buSzPts val="1100"/>
+              <a:buChar char="-"/>
+            </a:pPr>
+            <a:r>
+              <a:rPr lang="en"/>
+              <a:t>FAQ page with helpful tips</a:t>
+            </a:r>
+            <a:endParaRPr/>
+          </a:p>
+          <a:p>
+            <a:pPr indent="-298450" lvl="1" marL="914400" rtl="0" algn="l">
+              <a:spcBef>
+                <a:spcPts val="0"/>
+              </a:spcBef>
+              <a:spcAft>
+                <a:spcPts val="0"/>
+              </a:spcAft>
+              <a:buSzPts val="1100"/>
+              <a:buChar char="-"/>
+            </a:pPr>
+            <a:r>
+              <a:rPr lang="en"/>
+              <a:t>Easier access per request from users</a:t>
+            </a:r>
+            <a:endParaRPr/>
+          </a:p>
+          <a:p>
+            <a:pPr indent="-298450" lvl="0" marL="457200" rtl="0" algn="l">
+              <a:spcBef>
+                <a:spcPts val="0"/>
+              </a:spcBef>
+              <a:spcAft>
+                <a:spcPts val="0"/>
+              </a:spcAft>
+              <a:buSzPts val="1100"/>
+              <a:buChar char="-"/>
+            </a:pPr>
+            <a:r>
+              <a:rPr lang="en"/>
+              <a:t>Prayer Page implemented</a:t>
+            </a:r>
+            <a:endParaRPr/>
+          </a:p>
+          <a:p>
+            <a:pPr indent="-298450" lvl="1" marL="914400" rtl="0" algn="l">
+              <a:spcBef>
+                <a:spcPts val="0"/>
+              </a:spcBef>
+              <a:spcAft>
+                <a:spcPts val="0"/>
+              </a:spcAft>
+              <a:buSzPts val="1100"/>
+              <a:buChar char="-"/>
+            </a:pPr>
+            <a:r>
+              <a:rPr lang="en"/>
+              <a:t>Started as a joke, but we added a page to give you a prayer before you eat</a:t>
+            </a:r>
+            <a:endParaRPr/>
+          </a:p>
+          <a:p>
+            <a:pPr indent="0" lvl="0" marL="0" rtl="0" algn="l">
+              <a:spcBef>
+                <a:spcPts val="0"/>
+              </a:spcBef>
+              <a:spcAft>
+                <a:spcPts val="0"/>
+              </a:spcAft>
+              <a:buNone/>
+            </a:pPr>
+            <a:r>
+              <a:t/>
+            </a:r>
+            <a:endParaRPr/>
+          </a:p>
+          <a:p>
+            <a:pPr indent="0" lvl="0" marL="0" rtl="0" algn="l">
+              <a:spcBef>
+                <a:spcPts val="0"/>
+              </a:spcBef>
+              <a:spcAft>
+                <a:spcPts val="0"/>
+              </a:spcAft>
+              <a:buNone/>
+            </a:pPr>
+            <a:r>
+              <a:rPr lang="en"/>
+              <a:t>And with that, let’s go ahead and move onto any questions from the audience…</a:t>
+            </a:r>
+            <a:endParaRPr/>
+          </a:p>
+          <a:p>
             <a:pPr indent="0" lvl="0" marL="0" rtl="0" algn="l">
               <a:spcBef>
                 <a:spcPts val="0"/>
@@ -1469,7 +2039,7 @@
   <p:cSld>
     <p:spTree>
       <p:nvGrpSpPr>
-        <p:cNvPr id="143" name="Shape 143"/>
+        <p:cNvPr id="147" name="Shape 147"/>
         <p:cNvGrpSpPr/>
         <p:nvPr/>
       </p:nvGrpSpPr>
@@ -1483,7 +2053,7 @@
       </p:grpSpPr>
       <p:sp>
         <p:nvSpPr>
-          <p:cNvPr id="144" name="Google Shape;144;g314c99d6003_1_48:notes"/>
+          <p:cNvPr id="148" name="Google Shape;148;g314c99d6003_1_54:notes"/>
           <p:cNvSpPr/>
           <p:nvPr>
             <p:ph idx="2" type="sldImg"/>
@@ -1518,106 +2088,7 @@
       </p:sp>
       <p:sp>
         <p:nvSpPr>
-          <p:cNvPr id="145" name="Google Shape;145;g314c99d6003_1_48:notes"/>
-          <p:cNvSpPr txBox="1"/>
-          <p:nvPr>
-            <p:ph idx="1" type="body"/>
-          </p:nvPr>
-        </p:nvSpPr>
-        <p:spPr>
-          <a:xfrm>
-            <a:off x="685800" y="4343400"/>
-            <a:ext cx="5486400" cy="4114800"/>
-          </a:xfrm>
-          <a:prstGeom prst="rect">
-            <a:avLst/>
-          </a:prstGeom>
-        </p:spPr>
-        <p:txBody>
-          <a:bodyPr anchorCtr="0" anchor="t" bIns="91425" lIns="91425" spcFirstLastPara="1" rIns="91425" wrap="square" tIns="91425">
-            <a:noAutofit/>
-          </a:bodyPr>
-          <a:lstStyle/>
-          <a:p>
-            <a:pPr indent="0" lvl="0" marL="0" rtl="0" algn="l">
-              <a:spcBef>
-                <a:spcPts val="0"/>
-              </a:spcBef>
-              <a:spcAft>
-                <a:spcPts val="0"/>
-              </a:spcAft>
-              <a:buNone/>
-            </a:pPr>
-            <a:r>
-              <a:t/>
-            </a:r>
-            <a:endParaRPr/>
-          </a:p>
-        </p:txBody>
-      </p:sp>
-    </p:spTree>
-  </p:cSld>
-  <p:clrMapOvr>
-    <a:masterClrMapping/>
-  </p:clrMapOvr>
-</p:notes>
-</file>
-
-<file path=ppt/notesSlides/notesSlide16.xml><?xml version="1.0" encoding="utf-8"?>
-<p:notes xmlns:a="http://schemas.openxmlformats.org/drawingml/2006/main" xmlns:r="http://schemas.openxmlformats.org/officeDocument/2006/relationships" xmlns:mc="http://schemas.openxmlformats.org/markup-compatibility/2006" xmlns:mv="urn:schemas-microsoft-com:mac:vml" xmlns:p="http://schemas.openxmlformats.org/presentationml/2006/main" xmlns:c="http://schemas.openxmlformats.org/drawingml/2006/chart" xmlns:dgm="http://schemas.openxmlformats.org/drawingml/2006/diagram" xmlns:o="urn:schemas-microsoft-com:office:office" xmlns:v="urn:schemas-microsoft-com:vml" xmlns:pvml="urn:schemas-microsoft-com:office:powerpoint" xmlns:com="http://schemas.openxmlformats.org/drawingml/2006/compatibility" xmlns:p14="http://schemas.microsoft.com/office/powerpoint/2010/main" xmlns:p15="http://schemas.microsoft.com/office/powerpoint/2012/main" xmlns:ahyp="http://schemas.microsoft.com/office/drawing/2018/hyperlinkcolor" showMasterPhAnim="0" showMasterSp="0">
-  <p:cSld>
-    <p:spTree>
-      <p:nvGrpSpPr>
-        <p:cNvPr id="150" name="Shape 150"/>
-        <p:cNvGrpSpPr/>
-        <p:nvPr/>
-      </p:nvGrpSpPr>
-      <p:grpSpPr>
-        <a:xfrm>
-          <a:off x="0" y="0"/>
-          <a:ext cx="0" cy="0"/>
-          <a:chOff x="0" y="0"/>
-          <a:chExt cx="0" cy="0"/>
-        </a:xfrm>
-      </p:grpSpPr>
-      <p:sp>
-        <p:nvSpPr>
-          <p:cNvPr id="151" name="Google Shape;151;g314c99d6003_1_54:notes"/>
-          <p:cNvSpPr/>
-          <p:nvPr>
-            <p:ph idx="2" type="sldImg"/>
-          </p:nvPr>
-        </p:nvSpPr>
-        <p:spPr>
-          <a:xfrm>
-            <a:off x="381300" y="685800"/>
-            <a:ext cx="6096000" cy="3429000"/>
-          </a:xfrm>
-          <a:custGeom>
-            <a:rect b="b" l="l" r="r" t="t"/>
-            <a:pathLst>
-              <a:path extrusionOk="0" h="120000" w="120000">
-                <a:moveTo>
-                  <a:pt x="0" y="0"/>
-                </a:moveTo>
-                <a:lnTo>
-                  <a:pt x="120000" y="0"/>
-                </a:lnTo>
-                <a:lnTo>
-                  <a:pt x="120000" y="120000"/>
-                </a:lnTo>
-                <a:lnTo>
-                  <a:pt x="0" y="120000"/>
-                </a:lnTo>
-                <a:close/>
-              </a:path>
-            </a:pathLst>
-          </a:custGeom>
-        </p:spPr>
-      </p:sp>
-      <p:sp>
-        <p:nvSpPr>
-          <p:cNvPr id="152" name="Google Shape;152;g314c99d6003_1_54:notes"/>
+          <p:cNvPr id="149" name="Google Shape;149;g314c99d6003_1_54:notes"/>
           <p:cNvSpPr txBox="1"/>
           <p:nvPr>
             <p:ph idx="1" type="body"/>
@@ -1747,7 +2218,8 @@
               <a:buNone/>
             </a:pPr>
             <a:r>
-              <a:t/>
+              <a:rPr lang="en"/>
+              <a:t>David</a:t>
             </a:r>
             <a:endParaRPr/>
           </a:p>
@@ -1847,7 +2319,23 @@
             </a:pPr>
             <a:r>
               <a:rPr lang="en"/>
-              <a:t>Lily</a:t>
+              <a:t>Lily (narration)</a:t>
+            </a:r>
+            <a:endParaRPr/>
+          </a:p>
+          <a:p>
+            <a:pPr indent="0" lvl="0" marL="0" rtl="0" algn="l">
+              <a:spcBef>
+                <a:spcPts val="0"/>
+              </a:spcBef>
+              <a:spcAft>
+                <a:spcPts val="0"/>
+              </a:spcAft>
+              <a:buNone/>
+            </a:pPr>
+            <a:r>
+              <a:rPr lang="en"/>
+              <a:t>Lujia (operator)</a:t>
             </a:r>
             <a:endParaRPr/>
           </a:p>
@@ -1866,7 +2354,7 @@
   <p:cSld>
     <p:spTree>
       <p:nvGrpSpPr>
-        <p:cNvPr id="74" name="Shape 74"/>
+        <p:cNvPr id="75" name="Shape 75"/>
         <p:cNvGrpSpPr/>
         <p:nvPr/>
       </p:nvGrpSpPr>
@@ -1880,7 +2368,7 @@
       </p:grpSpPr>
       <p:sp>
         <p:nvSpPr>
-          <p:cNvPr id="75" name="Google Shape;75;g314c99d6003_0_190:notes"/>
+          <p:cNvPr id="76" name="Google Shape;76;g314c99d6003_0_190:notes"/>
           <p:cNvSpPr/>
           <p:nvPr>
             <p:ph idx="2" type="sldImg"/>
@@ -1915,7 +2403,7 @@
       </p:sp>
       <p:sp>
         <p:nvSpPr>
-          <p:cNvPr id="76" name="Google Shape;76;g314c99d6003_0_190:notes"/>
+          <p:cNvPr id="77" name="Google Shape;77;g314c99d6003_0_190:notes"/>
           <p:cNvSpPr txBox="1"/>
           <p:nvPr>
             <p:ph idx="1" type="body"/>
@@ -1966,7 +2454,7 @@
   <p:cSld>
     <p:spTree>
       <p:nvGrpSpPr>
-        <p:cNvPr id="79" name="Shape 79"/>
+        <p:cNvPr id="80" name="Shape 80"/>
         <p:cNvGrpSpPr/>
         <p:nvPr/>
       </p:nvGrpSpPr>
@@ -1980,7 +2468,7 @@
       </p:grpSpPr>
       <p:sp>
         <p:nvSpPr>
-          <p:cNvPr id="80" name="Google Shape;80;g314c99d6003_0_181:notes"/>
+          <p:cNvPr id="81" name="Google Shape;81;g314c99d6003_0_181:notes"/>
           <p:cNvSpPr/>
           <p:nvPr>
             <p:ph idx="2" type="sldImg"/>
@@ -2015,7 +2503,7 @@
       </p:sp>
       <p:sp>
         <p:nvSpPr>
-          <p:cNvPr id="81" name="Google Shape;81;g314c99d6003_0_181:notes"/>
+          <p:cNvPr id="82" name="Google Shape;82;g314c99d6003_0_181:notes"/>
           <p:cNvSpPr txBox="1"/>
           <p:nvPr>
             <p:ph idx="1" type="body"/>
@@ -2065,7 +2553,7 @@
   <p:cSld>
     <p:spTree>
       <p:nvGrpSpPr>
-        <p:cNvPr id="85" name="Shape 85"/>
+        <p:cNvPr id="86" name="Shape 86"/>
         <p:cNvGrpSpPr/>
         <p:nvPr/>
       </p:nvGrpSpPr>
@@ -2079,7 +2567,7 @@
       </p:grpSpPr>
       <p:sp>
         <p:nvSpPr>
-          <p:cNvPr id="86" name="Google Shape;86;g314c99d6003_1_14:notes"/>
+          <p:cNvPr id="87" name="Google Shape;87;g314c99d6003_1_14:notes"/>
           <p:cNvSpPr/>
           <p:nvPr>
             <p:ph idx="2" type="sldImg"/>
@@ -2114,7 +2602,7 @@
       </p:sp>
       <p:sp>
         <p:nvSpPr>
-          <p:cNvPr id="87" name="Google Shape;87;g314c99d6003_1_14:notes"/>
+          <p:cNvPr id="88" name="Google Shape;88;g314c99d6003_1_14:notes"/>
           <p:cNvSpPr txBox="1"/>
           <p:nvPr>
             <p:ph idx="1" type="body"/>
@@ -2164,7 +2652,7 @@
   <p:cSld>
     <p:spTree>
       <p:nvGrpSpPr>
-        <p:cNvPr id="92" name="Shape 92"/>
+        <p:cNvPr id="93" name="Shape 93"/>
         <p:cNvGrpSpPr/>
         <p:nvPr/>
       </p:nvGrpSpPr>
@@ -2178,7 +2666,7 @@
       </p:grpSpPr>
       <p:sp>
         <p:nvSpPr>
-          <p:cNvPr id="93" name="Google Shape;93;g314c99d6003_0_199:notes"/>
+          <p:cNvPr id="94" name="Google Shape;94;g314c99d6003_0_199:notes"/>
           <p:cNvSpPr/>
           <p:nvPr>
             <p:ph idx="2" type="sldImg"/>
@@ -2213,7 +2701,7 @@
       </p:sp>
       <p:sp>
         <p:nvSpPr>
-          <p:cNvPr id="94" name="Google Shape;94;g314c99d6003_0_199:notes"/>
+          <p:cNvPr id="95" name="Google Shape;95;g314c99d6003_0_199:notes"/>
           <p:cNvSpPr txBox="1"/>
           <p:nvPr>
             <p:ph idx="1" type="body"/>
@@ -2245,7 +2733,7 @@
             </a:pPr>
             <a:r>
               <a:rPr lang="en"/>
-              <a:t>Jacob</a:t>
+              <a:t>Kenny</a:t>
             </a:r>
             <a:endParaRPr/>
           </a:p>
@@ -2264,7 +2752,7 @@
   <p:cSld>
     <p:spTree>
       <p:nvGrpSpPr>
-        <p:cNvPr id="97" name="Shape 97"/>
+        <p:cNvPr id="98" name="Shape 98"/>
         <p:cNvGrpSpPr/>
         <p:nvPr/>
       </p:nvGrpSpPr>
@@ -2278,7 +2766,7 @@
       </p:grpSpPr>
       <p:sp>
         <p:nvSpPr>
-          <p:cNvPr id="98" name="Google Shape;98;g314c99d6003_1_21:notes"/>
+          <p:cNvPr id="99" name="Google Shape;99;g314c99d6003_1_21:notes"/>
           <p:cNvSpPr/>
           <p:nvPr>
             <p:ph idx="2" type="sldImg"/>
@@ -2313,7 +2801,7 @@
       </p:sp>
       <p:sp>
         <p:nvSpPr>
-          <p:cNvPr id="99" name="Google Shape;99;g314c99d6003_1_21:notes"/>
+          <p:cNvPr id="100" name="Google Shape;100;g314c99d6003_1_21:notes"/>
           <p:cNvSpPr txBox="1"/>
           <p:nvPr>
             <p:ph idx="1" type="body"/>
@@ -2396,7 +2884,7 @@
   <p:cSld>
     <p:spTree>
       <p:nvGrpSpPr>
-        <p:cNvPr id="104" name="Shape 104"/>
+        <p:cNvPr id="105" name="Shape 105"/>
         <p:cNvGrpSpPr/>
         <p:nvPr/>
       </p:nvGrpSpPr>
@@ -2410,7 +2898,7 @@
       </p:grpSpPr>
       <p:sp>
         <p:nvSpPr>
-          <p:cNvPr id="105" name="Google Shape;105;g325e1d52a29_0_1:notes"/>
+          <p:cNvPr id="106" name="Google Shape;106;g325e1d52a29_0_1:notes"/>
           <p:cNvSpPr/>
           <p:nvPr>
             <p:ph idx="2" type="sldImg"/>
@@ -2445,7 +2933,7 @@
       </p:sp>
       <p:sp>
         <p:nvSpPr>
-          <p:cNvPr id="106" name="Google Shape;106;g325e1d52a29_0_1:notes"/>
+          <p:cNvPr id="107" name="Google Shape;107;g325e1d52a29_0_1:notes"/>
           <p:cNvSpPr txBox="1"/>
           <p:nvPr>
             <p:ph idx="1" type="body"/>
@@ -8351,7 +8839,7 @@
   <p:cSld>
     <p:spTree>
       <p:nvGrpSpPr>
-        <p:cNvPr id="114" name="Shape 114"/>
+        <p:cNvPr id="117" name="Shape 117"/>
         <p:cNvGrpSpPr/>
         <p:nvPr/>
       </p:nvGrpSpPr>
@@ -8365,7 +8853,583 @@
       </p:grpSpPr>
       <p:sp>
         <p:nvSpPr>
-          <p:cNvPr id="115" name="Google Shape;115;p22"/>
+          <p:cNvPr id="118" name="Google Shape;118;p22"/>
+          <p:cNvSpPr txBox="1"/>
+          <p:nvPr>
+            <p:ph type="title"/>
+          </p:nvPr>
+        </p:nvSpPr>
+        <p:spPr>
+          <a:xfrm>
+            <a:off x="509550" y="1423875"/>
+            <a:ext cx="8124900" cy="1798200"/>
+          </a:xfrm>
+          <a:prstGeom prst="rect">
+            <a:avLst/>
+          </a:prstGeom>
+        </p:spPr>
+        <p:txBody>
+          <a:bodyPr anchorCtr="0" anchor="ctr" bIns="91425" lIns="91425" spcFirstLastPara="1" rIns="91425" wrap="square" tIns="91425">
+            <a:normAutofit/>
+          </a:bodyPr>
+          <a:lstStyle/>
+          <a:p>
+            <a:pPr indent="0" lvl="0" marL="0" rtl="0" algn="ctr">
+              <a:spcBef>
+                <a:spcPts val="0"/>
+              </a:spcBef>
+              <a:spcAft>
+                <a:spcPts val="0"/>
+              </a:spcAft>
+              <a:buNone/>
+            </a:pPr>
+            <a:r>
+              <a:rPr lang="en" sz="6000">
+                <a:latin typeface="Playfair Display"/>
+                <a:ea typeface="Playfair Display"/>
+                <a:cs typeface="Playfair Display"/>
+                <a:sym typeface="Playfair Display"/>
+              </a:rPr>
+              <a:t>Assessment</a:t>
+            </a:r>
+            <a:endParaRPr sz="6000">
+              <a:latin typeface="Playfair Display"/>
+              <a:ea typeface="Playfair Display"/>
+              <a:cs typeface="Playfair Display"/>
+              <a:sym typeface="Playfair Display"/>
+            </a:endParaRPr>
+          </a:p>
+        </p:txBody>
+      </p:sp>
+    </p:spTree>
+  </p:cSld>
+  <p:clrMapOvr>
+    <a:masterClrMapping/>
+  </p:clrMapOvr>
+</p:sld>
+</file>
+
+<file path=ppt/slides/slide11.xml><?xml version="1.0" encoding="utf-8"?>
+<p:sld xmlns:a="http://schemas.openxmlformats.org/drawingml/2006/main" xmlns:r="http://schemas.openxmlformats.org/officeDocument/2006/relationships" xmlns:mc="http://schemas.openxmlformats.org/markup-compatibility/2006" xmlns:mv="urn:schemas-microsoft-com:mac:vml" xmlns:p="http://schemas.openxmlformats.org/presentationml/2006/main" xmlns:c="http://schemas.openxmlformats.org/drawingml/2006/chart" xmlns:dgm="http://schemas.openxmlformats.org/drawingml/2006/diagram" xmlns:o="urn:schemas-microsoft-com:office:office" xmlns:v="urn:schemas-microsoft-com:vml" xmlns:pvml="urn:schemas-microsoft-com:office:powerpoint" xmlns:com="http://schemas.openxmlformats.org/drawingml/2006/compatibility" xmlns:p14="http://schemas.microsoft.com/office/powerpoint/2010/main" xmlns:p15="http://schemas.microsoft.com/office/powerpoint/2012/main" xmlns:ahyp="http://schemas.microsoft.com/office/drawing/2018/hyperlinkcolor">
+  <p:cSld>
+    <p:spTree>
+      <p:nvGrpSpPr>
+        <p:cNvPr id="122" name="Shape 122"/>
+        <p:cNvGrpSpPr/>
+        <p:nvPr/>
+      </p:nvGrpSpPr>
+      <p:grpSpPr>
+        <a:xfrm>
+          <a:off x="0" y="0"/>
+          <a:ext cx="0" cy="0"/>
+          <a:chOff x="0" y="0"/>
+          <a:chExt cx="0" cy="0"/>
+        </a:xfrm>
+      </p:grpSpPr>
+      <p:sp>
+        <p:nvSpPr>
+          <p:cNvPr id="123" name="Google Shape;123;p23"/>
+          <p:cNvSpPr txBox="1"/>
+          <p:nvPr>
+            <p:ph type="title"/>
+          </p:nvPr>
+        </p:nvSpPr>
+        <p:spPr>
+          <a:xfrm>
+            <a:off x="311700" y="391350"/>
+            <a:ext cx="8520600" cy="626100"/>
+          </a:xfrm>
+          <a:prstGeom prst="rect">
+            <a:avLst/>
+          </a:prstGeom>
+        </p:spPr>
+        <p:txBody>
+          <a:bodyPr anchorCtr="0" anchor="t" bIns="91425" lIns="91425" spcFirstLastPara="1" rIns="91425" wrap="square" tIns="91425">
+            <a:noAutofit/>
+          </a:bodyPr>
+          <a:lstStyle/>
+          <a:p>
+            <a:pPr indent="0" lvl="0" marL="0" rtl="0" algn="l">
+              <a:spcBef>
+                <a:spcPts val="0"/>
+              </a:spcBef>
+              <a:spcAft>
+                <a:spcPts val="0"/>
+              </a:spcAft>
+              <a:buNone/>
+            </a:pPr>
+            <a:r>
+              <a:rPr lang="en" sz="3600">
+                <a:solidFill>
+                  <a:srgbClr val="980000"/>
+                </a:solidFill>
+              </a:rPr>
+              <a:t>Strengths &amp; Weaknesses</a:t>
+            </a:r>
+            <a:endParaRPr sz="3600">
+              <a:solidFill>
+                <a:srgbClr val="980000"/>
+              </a:solidFill>
+            </a:endParaRPr>
+          </a:p>
+        </p:txBody>
+      </p:sp>
+      <p:sp>
+        <p:nvSpPr>
+          <p:cNvPr id="124" name="Google Shape;124;p23"/>
+          <p:cNvSpPr txBox="1"/>
+          <p:nvPr>
+            <p:ph idx="1" type="body"/>
+          </p:nvPr>
+        </p:nvSpPr>
+        <p:spPr>
+          <a:xfrm>
+            <a:off x="311700" y="1152475"/>
+            <a:ext cx="3999900" cy="3416400"/>
+          </a:xfrm>
+          <a:prstGeom prst="rect">
+            <a:avLst/>
+          </a:prstGeom>
+        </p:spPr>
+        <p:txBody>
+          <a:bodyPr anchorCtr="0" anchor="t" bIns="91425" lIns="91425" spcFirstLastPara="1" rIns="91425" wrap="square" tIns="91425">
+            <a:normAutofit/>
+          </a:bodyPr>
+          <a:lstStyle/>
+          <a:p>
+            <a:pPr indent="0" lvl="0" marL="0" rtl="0" algn="ctr">
+              <a:spcBef>
+                <a:spcPts val="0"/>
+              </a:spcBef>
+              <a:spcAft>
+                <a:spcPts val="0"/>
+              </a:spcAft>
+              <a:buNone/>
+            </a:pPr>
+            <a:r>
+              <a:rPr b="1" lang="en" sz="2500">
+                <a:solidFill>
+                  <a:srgbClr val="980000"/>
+                </a:solidFill>
+                <a:latin typeface="Playfair Display"/>
+                <a:ea typeface="Playfair Display"/>
+                <a:cs typeface="Playfair Display"/>
+                <a:sym typeface="Playfair Display"/>
+              </a:rPr>
+              <a:t>Strengths</a:t>
+            </a:r>
+            <a:endParaRPr b="1" sz="2500">
+              <a:solidFill>
+                <a:srgbClr val="980000"/>
+              </a:solidFill>
+              <a:latin typeface="Playfair Display"/>
+              <a:ea typeface="Playfair Display"/>
+              <a:cs typeface="Playfair Display"/>
+              <a:sym typeface="Playfair Display"/>
+            </a:endParaRPr>
+          </a:p>
+          <a:p>
+            <a:pPr indent="-349250" lvl="0" marL="457200" rtl="0" algn="l">
+              <a:spcBef>
+                <a:spcPts val="1200"/>
+              </a:spcBef>
+              <a:spcAft>
+                <a:spcPts val="0"/>
+              </a:spcAft>
+              <a:buClr>
+                <a:srgbClr val="980000"/>
+              </a:buClr>
+              <a:buSzPts val="1900"/>
+              <a:buFont typeface="Playfair Display"/>
+              <a:buChar char="●"/>
+            </a:pPr>
+            <a:r>
+              <a:rPr lang="en" sz="1900">
+                <a:solidFill>
+                  <a:srgbClr val="000000"/>
+                </a:solidFill>
+                <a:latin typeface="Playfair Display"/>
+                <a:ea typeface="Playfair Display"/>
+                <a:cs typeface="Playfair Display"/>
+                <a:sym typeface="Playfair Display"/>
+              </a:rPr>
+              <a:t>Strong data and service</a:t>
+            </a:r>
+            <a:endParaRPr sz="1900">
+              <a:solidFill>
+                <a:srgbClr val="000000"/>
+              </a:solidFill>
+              <a:latin typeface="Playfair Display"/>
+              <a:ea typeface="Playfair Display"/>
+              <a:cs typeface="Playfair Display"/>
+              <a:sym typeface="Playfair Display"/>
+            </a:endParaRPr>
+          </a:p>
+          <a:p>
+            <a:pPr indent="-349250" lvl="0" marL="457200" rtl="0" algn="l">
+              <a:spcBef>
+                <a:spcPts val="0"/>
+              </a:spcBef>
+              <a:spcAft>
+                <a:spcPts val="0"/>
+              </a:spcAft>
+              <a:buClr>
+                <a:srgbClr val="980000"/>
+              </a:buClr>
+              <a:buSzPts val="1900"/>
+              <a:buFont typeface="Playfair Display"/>
+              <a:buChar char="●"/>
+            </a:pPr>
+            <a:r>
+              <a:rPr lang="en" sz="1900">
+                <a:solidFill>
+                  <a:srgbClr val="000000"/>
+                </a:solidFill>
+                <a:latin typeface="Playfair Display"/>
+                <a:ea typeface="Playfair Display"/>
+                <a:cs typeface="Playfair Display"/>
+                <a:sym typeface="Playfair Display"/>
+              </a:rPr>
+              <a:t>User subsystem</a:t>
+            </a:r>
+            <a:endParaRPr sz="1900">
+              <a:solidFill>
+                <a:srgbClr val="000000"/>
+              </a:solidFill>
+              <a:latin typeface="Playfair Display"/>
+              <a:ea typeface="Playfair Display"/>
+              <a:cs typeface="Playfair Display"/>
+              <a:sym typeface="Playfair Display"/>
+            </a:endParaRPr>
+          </a:p>
+          <a:p>
+            <a:pPr indent="-349250" lvl="0" marL="457200" rtl="0" algn="l">
+              <a:spcBef>
+                <a:spcPts val="0"/>
+              </a:spcBef>
+              <a:spcAft>
+                <a:spcPts val="0"/>
+              </a:spcAft>
+              <a:buClr>
+                <a:srgbClr val="980000"/>
+              </a:buClr>
+              <a:buSzPts val="1900"/>
+              <a:buFont typeface="Playfair Display"/>
+              <a:buChar char="●"/>
+            </a:pPr>
+            <a:r>
+              <a:rPr lang="en" sz="1900">
+                <a:solidFill>
+                  <a:srgbClr val="000000"/>
+                </a:solidFill>
+                <a:latin typeface="Playfair Display"/>
+                <a:ea typeface="Playfair Display"/>
+                <a:cs typeface="Playfair Display"/>
+                <a:sym typeface="Playfair Display"/>
+              </a:rPr>
+              <a:t>Multipurpose app</a:t>
+            </a:r>
+            <a:endParaRPr sz="1900">
+              <a:solidFill>
+                <a:srgbClr val="000000"/>
+              </a:solidFill>
+              <a:latin typeface="Playfair Display"/>
+              <a:ea typeface="Playfair Display"/>
+              <a:cs typeface="Playfair Display"/>
+              <a:sym typeface="Playfair Display"/>
+            </a:endParaRPr>
+          </a:p>
+          <a:p>
+            <a:pPr indent="-349250" lvl="1" marL="914400" rtl="0" algn="l">
+              <a:spcBef>
+                <a:spcPts val="0"/>
+              </a:spcBef>
+              <a:spcAft>
+                <a:spcPts val="0"/>
+              </a:spcAft>
+              <a:buClr>
+                <a:srgbClr val="980000"/>
+              </a:buClr>
+              <a:buSzPts val="1900"/>
+              <a:buFont typeface="Playfair Display"/>
+              <a:buChar char="○"/>
+            </a:pPr>
+            <a:r>
+              <a:rPr lang="en" sz="1900">
+                <a:solidFill>
+                  <a:srgbClr val="000000"/>
+                </a:solidFill>
+                <a:latin typeface="Playfair Display"/>
+                <a:ea typeface="Playfair Display"/>
+                <a:cs typeface="Playfair Display"/>
+                <a:sym typeface="Playfair Display"/>
+              </a:rPr>
+              <a:t>Food ranking</a:t>
+            </a:r>
+            <a:endParaRPr sz="1900">
+              <a:solidFill>
+                <a:srgbClr val="000000"/>
+              </a:solidFill>
+              <a:latin typeface="Playfair Display"/>
+              <a:ea typeface="Playfair Display"/>
+              <a:cs typeface="Playfair Display"/>
+              <a:sym typeface="Playfair Display"/>
+            </a:endParaRPr>
+          </a:p>
+          <a:p>
+            <a:pPr indent="-349250" lvl="1" marL="914400" rtl="0" algn="l">
+              <a:spcBef>
+                <a:spcPts val="0"/>
+              </a:spcBef>
+              <a:spcAft>
+                <a:spcPts val="0"/>
+              </a:spcAft>
+              <a:buClr>
+                <a:srgbClr val="980000"/>
+              </a:buClr>
+              <a:buSzPts val="1900"/>
+              <a:buFont typeface="Playfair Display"/>
+              <a:buChar char="○"/>
+            </a:pPr>
+            <a:r>
+              <a:rPr lang="en" sz="1900">
+                <a:solidFill>
+                  <a:srgbClr val="000000"/>
+                </a:solidFill>
+                <a:latin typeface="Playfair Display"/>
+                <a:ea typeface="Playfair Display"/>
+                <a:cs typeface="Playfair Display"/>
+                <a:sym typeface="Playfair Display"/>
+              </a:rPr>
+              <a:t>Sandwich sharing</a:t>
+            </a:r>
+            <a:endParaRPr sz="1900">
+              <a:solidFill>
+                <a:srgbClr val="000000"/>
+              </a:solidFill>
+              <a:latin typeface="Playfair Display"/>
+              <a:ea typeface="Playfair Display"/>
+              <a:cs typeface="Playfair Display"/>
+              <a:sym typeface="Playfair Display"/>
+            </a:endParaRPr>
+          </a:p>
+          <a:p>
+            <a:pPr indent="-349250" lvl="1" marL="914400" rtl="0" algn="l">
+              <a:spcBef>
+                <a:spcPts val="0"/>
+              </a:spcBef>
+              <a:spcAft>
+                <a:spcPts val="0"/>
+              </a:spcAft>
+              <a:buClr>
+                <a:srgbClr val="980000"/>
+              </a:buClr>
+              <a:buSzPts val="1900"/>
+              <a:buFont typeface="Playfair Display"/>
+              <a:buChar char="○"/>
+            </a:pPr>
+            <a:r>
+              <a:rPr lang="en" sz="1900">
+                <a:solidFill>
+                  <a:srgbClr val="000000"/>
+                </a:solidFill>
+                <a:latin typeface="Playfair Display"/>
+                <a:ea typeface="Playfair Display"/>
+                <a:cs typeface="Playfair Display"/>
+                <a:sym typeface="Playfair Display"/>
+              </a:rPr>
+              <a:t>Prayers</a:t>
+            </a:r>
+            <a:endParaRPr sz="1900">
+              <a:solidFill>
+                <a:srgbClr val="000000"/>
+              </a:solidFill>
+              <a:latin typeface="Playfair Display"/>
+              <a:ea typeface="Playfair Display"/>
+              <a:cs typeface="Playfair Display"/>
+              <a:sym typeface="Playfair Display"/>
+            </a:endParaRPr>
+          </a:p>
+          <a:p>
+            <a:pPr indent="0" lvl="0" marL="0" rtl="0" algn="l">
+              <a:spcBef>
+                <a:spcPts val="1200"/>
+              </a:spcBef>
+              <a:spcAft>
+                <a:spcPts val="1200"/>
+              </a:spcAft>
+              <a:buNone/>
+            </a:pPr>
+            <a:r>
+              <a:t/>
+            </a:r>
+            <a:endParaRPr>
+              <a:latin typeface="Playfair Display"/>
+              <a:ea typeface="Playfair Display"/>
+              <a:cs typeface="Playfair Display"/>
+              <a:sym typeface="Playfair Display"/>
+            </a:endParaRPr>
+          </a:p>
+        </p:txBody>
+      </p:sp>
+      <p:sp>
+        <p:nvSpPr>
+          <p:cNvPr id="125" name="Google Shape;125;p23"/>
+          <p:cNvSpPr txBox="1"/>
+          <p:nvPr>
+            <p:ph idx="2" type="body"/>
+          </p:nvPr>
+        </p:nvSpPr>
+        <p:spPr>
+          <a:xfrm>
+            <a:off x="4832400" y="1152475"/>
+            <a:ext cx="3999900" cy="3416400"/>
+          </a:xfrm>
+          <a:prstGeom prst="rect">
+            <a:avLst/>
+          </a:prstGeom>
+        </p:spPr>
+        <p:txBody>
+          <a:bodyPr anchorCtr="0" anchor="t" bIns="91425" lIns="91425" spcFirstLastPara="1" rIns="91425" wrap="square" tIns="91425">
+            <a:normAutofit/>
+          </a:bodyPr>
+          <a:lstStyle/>
+          <a:p>
+            <a:pPr indent="0" lvl="0" marL="0" rtl="0" algn="ctr">
+              <a:spcBef>
+                <a:spcPts val="0"/>
+              </a:spcBef>
+              <a:spcAft>
+                <a:spcPts val="0"/>
+              </a:spcAft>
+              <a:buNone/>
+            </a:pPr>
+            <a:r>
+              <a:rPr b="1" lang="en" sz="2500">
+                <a:solidFill>
+                  <a:srgbClr val="980000"/>
+                </a:solidFill>
+                <a:latin typeface="Playfair Display"/>
+                <a:ea typeface="Playfair Display"/>
+                <a:cs typeface="Playfair Display"/>
+                <a:sym typeface="Playfair Display"/>
+              </a:rPr>
+              <a:t>Weaknesses</a:t>
+            </a:r>
+            <a:endParaRPr sz="1900">
+              <a:solidFill>
+                <a:srgbClr val="000000"/>
+              </a:solidFill>
+              <a:latin typeface="Playfair Display"/>
+              <a:ea typeface="Playfair Display"/>
+              <a:cs typeface="Playfair Display"/>
+              <a:sym typeface="Playfair Display"/>
+            </a:endParaRPr>
+          </a:p>
+          <a:p>
+            <a:pPr indent="-349250" lvl="0" marL="457200" rtl="0" algn="l">
+              <a:spcBef>
+                <a:spcPts val="1200"/>
+              </a:spcBef>
+              <a:spcAft>
+                <a:spcPts val="0"/>
+              </a:spcAft>
+              <a:buClr>
+                <a:srgbClr val="980000"/>
+              </a:buClr>
+              <a:buSzPts val="1900"/>
+              <a:buFont typeface="Playfair Display"/>
+              <a:buChar char="●"/>
+            </a:pPr>
+            <a:r>
+              <a:rPr lang="en" sz="1900">
+                <a:solidFill>
+                  <a:srgbClr val="000000"/>
+                </a:solidFill>
+                <a:latin typeface="Playfair Display"/>
+                <a:ea typeface="Playfair Display"/>
+                <a:cs typeface="Playfair Display"/>
+                <a:sym typeface="Playfair Display"/>
+              </a:rPr>
+              <a:t>Database changes don’t update in real time</a:t>
+            </a:r>
+            <a:endParaRPr sz="1900">
+              <a:solidFill>
+                <a:srgbClr val="000000"/>
+              </a:solidFill>
+              <a:latin typeface="Playfair Display"/>
+              <a:ea typeface="Playfair Display"/>
+              <a:cs typeface="Playfair Display"/>
+              <a:sym typeface="Playfair Display"/>
+            </a:endParaRPr>
+          </a:p>
+          <a:p>
+            <a:pPr indent="-349250" lvl="0" marL="457200" rtl="0" algn="l">
+              <a:spcBef>
+                <a:spcPts val="0"/>
+              </a:spcBef>
+              <a:spcAft>
+                <a:spcPts val="0"/>
+              </a:spcAft>
+              <a:buClr>
+                <a:srgbClr val="980000"/>
+              </a:buClr>
+              <a:buSzPts val="1900"/>
+              <a:buFont typeface="Playfair Display"/>
+              <a:buChar char="●"/>
+            </a:pPr>
+            <a:r>
+              <a:rPr lang="en" sz="1900">
+                <a:solidFill>
+                  <a:srgbClr val="000000"/>
+                </a:solidFill>
+                <a:latin typeface="Playfair Display"/>
+                <a:ea typeface="Playfair Display"/>
+                <a:cs typeface="Playfair Display"/>
+                <a:sym typeface="Playfair Display"/>
+              </a:rPr>
+              <a:t>Ethical implications</a:t>
+            </a:r>
+            <a:endParaRPr sz="1900">
+              <a:solidFill>
+                <a:srgbClr val="000000"/>
+              </a:solidFill>
+              <a:latin typeface="Playfair Display"/>
+              <a:ea typeface="Playfair Display"/>
+              <a:cs typeface="Playfair Display"/>
+              <a:sym typeface="Playfair Display"/>
+            </a:endParaRPr>
+          </a:p>
+        </p:txBody>
+      </p:sp>
+    </p:spTree>
+  </p:cSld>
+  <p:clrMapOvr>
+    <a:masterClrMapping/>
+  </p:clrMapOvr>
+</p:sld>
+</file>
+
+<file path=ppt/slides/slide12.xml><?xml version="1.0" encoding="utf-8"?>
+<p:sld xmlns:a="http://schemas.openxmlformats.org/drawingml/2006/main" xmlns:r="http://schemas.openxmlformats.org/officeDocument/2006/relationships" xmlns:mc="http://schemas.openxmlformats.org/markup-compatibility/2006" xmlns:mv="urn:schemas-microsoft-com:mac:vml" xmlns:p="http://schemas.openxmlformats.org/presentationml/2006/main" xmlns:c="http://schemas.openxmlformats.org/drawingml/2006/chart" xmlns:dgm="http://schemas.openxmlformats.org/drawingml/2006/diagram" xmlns:o="urn:schemas-microsoft-com:office:office" xmlns:v="urn:schemas-microsoft-com:vml" xmlns:pvml="urn:schemas-microsoft-com:office:powerpoint" xmlns:com="http://schemas.openxmlformats.org/drawingml/2006/compatibility" xmlns:p14="http://schemas.microsoft.com/office/powerpoint/2010/main" xmlns:p15="http://schemas.microsoft.com/office/powerpoint/2012/main" xmlns:ahyp="http://schemas.microsoft.com/office/drawing/2018/hyperlinkcolor">
+  <p:cSld>
+    <p:spTree>
+      <p:nvGrpSpPr>
+        <p:cNvPr id="129" name="Shape 129"/>
+        <p:cNvGrpSpPr/>
+        <p:nvPr/>
+      </p:nvGrpSpPr>
+      <p:grpSpPr>
+        <a:xfrm>
+          <a:off x="0" y="0"/>
+          <a:ext cx="0" cy="0"/>
+          <a:chOff x="0" y="0"/>
+          <a:chExt cx="0" cy="0"/>
+        </a:xfrm>
+      </p:grpSpPr>
+      <p:sp>
+        <p:nvSpPr>
+          <p:cNvPr id="130" name="Google Shape;130;p24"/>
           <p:cNvSpPr txBox="1"/>
           <p:nvPr>
             <p:ph type="title"/>
@@ -8396,31 +9460,325 @@
               <a:buNone/>
             </a:pPr>
             <a:r>
-              <a:rPr lang="en"/>
-              <a:t>UI Changes</a:t>
-            </a:r>
-            <a:endParaRPr/>
+              <a:rPr lang="en">
+                <a:solidFill>
+                  <a:srgbClr val="980000"/>
+                </a:solidFill>
+              </a:rPr>
+              <a:t>Social/Ethical Implications</a:t>
+            </a:r>
+            <a:endParaRPr>
+              <a:solidFill>
+                <a:srgbClr val="980000"/>
+              </a:solidFill>
+            </a:endParaRPr>
           </a:p>
         </p:txBody>
       </p:sp>
-      <p:pic>
-        <p:nvPicPr>
-          <p:cNvPr id="116" name="Google Shape;116;p22"/>
-          <p:cNvPicPr preferRelativeResize="0"/>
-          <p:nvPr/>
-        </p:nvPicPr>
-        <p:blipFill>
-          <a:blip r:embed="rId3">
-            <a:alphaModFix/>
-          </a:blip>
-          <a:stretch>
-            <a:fillRect/>
-          </a:stretch>
-        </p:blipFill>
+      <p:sp>
+        <p:nvSpPr>
+          <p:cNvPr id="131" name="Google Shape;131;p24"/>
+          <p:cNvSpPr txBox="1"/>
+          <p:nvPr>
+            <p:ph idx="1" type="body"/>
+          </p:nvPr>
+        </p:nvSpPr>
         <p:spPr>
           <a:xfrm>
-            <a:off x="1389849" y="1017450"/>
-            <a:ext cx="2509562" cy="3821251"/>
+            <a:off x="311700" y="1152475"/>
+            <a:ext cx="3999900" cy="3416400"/>
+          </a:xfrm>
+          <a:prstGeom prst="rect">
+            <a:avLst/>
+          </a:prstGeom>
+        </p:spPr>
+        <p:txBody>
+          <a:bodyPr anchorCtr="0" anchor="t" bIns="91425" lIns="91425" spcFirstLastPara="1" rIns="91425" wrap="square" tIns="91425">
+            <a:noAutofit/>
+          </a:bodyPr>
+          <a:lstStyle/>
+          <a:p>
+            <a:pPr indent="0" lvl="0" marL="0" rtl="0" algn="ctr">
+              <a:spcBef>
+                <a:spcPts val="0"/>
+              </a:spcBef>
+              <a:spcAft>
+                <a:spcPts val="0"/>
+              </a:spcAft>
+              <a:buNone/>
+            </a:pPr>
+            <a:r>
+              <a:rPr b="1" lang="en" sz="2500">
+                <a:solidFill>
+                  <a:srgbClr val="980000"/>
+                </a:solidFill>
+                <a:latin typeface="Playfair Display"/>
+                <a:ea typeface="Playfair Display"/>
+                <a:cs typeface="Playfair Display"/>
+                <a:sym typeface="Playfair Display"/>
+              </a:rPr>
+              <a:t>Ethical Implications</a:t>
+            </a:r>
+            <a:endParaRPr b="1" sz="2500">
+              <a:solidFill>
+                <a:srgbClr val="980000"/>
+              </a:solidFill>
+              <a:latin typeface="Playfair Display"/>
+              <a:ea typeface="Playfair Display"/>
+              <a:cs typeface="Playfair Display"/>
+              <a:sym typeface="Playfair Display"/>
+            </a:endParaRPr>
+          </a:p>
+          <a:p>
+            <a:pPr indent="-349250" lvl="0" marL="457200" rtl="0" algn="l">
+              <a:spcBef>
+                <a:spcPts val="1200"/>
+              </a:spcBef>
+              <a:spcAft>
+                <a:spcPts val="0"/>
+              </a:spcAft>
+              <a:buClr>
+                <a:srgbClr val="980000"/>
+              </a:buClr>
+              <a:buSzPts val="1900"/>
+              <a:buFont typeface="Playfair Display"/>
+              <a:buChar char="●"/>
+            </a:pPr>
+            <a:r>
+              <a:rPr lang="en" sz="1900">
+                <a:solidFill>
+                  <a:srgbClr val="000000"/>
+                </a:solidFill>
+                <a:latin typeface="Playfair Display"/>
+                <a:ea typeface="Playfair Display"/>
+                <a:cs typeface="Playfair Display"/>
+                <a:sym typeface="Playfair Display"/>
+              </a:rPr>
+              <a:t>How does this affect Calvin Dining Services staff?</a:t>
+            </a:r>
+            <a:endParaRPr sz="1900">
+              <a:solidFill>
+                <a:srgbClr val="000000"/>
+              </a:solidFill>
+              <a:latin typeface="Playfair Display"/>
+              <a:ea typeface="Playfair Display"/>
+              <a:cs typeface="Playfair Display"/>
+              <a:sym typeface="Playfair Display"/>
+            </a:endParaRPr>
+          </a:p>
+          <a:p>
+            <a:pPr indent="-349250" lvl="0" marL="457200" rtl="0" algn="l">
+              <a:spcBef>
+                <a:spcPts val="0"/>
+              </a:spcBef>
+              <a:spcAft>
+                <a:spcPts val="0"/>
+              </a:spcAft>
+              <a:buClr>
+                <a:srgbClr val="980000"/>
+              </a:buClr>
+              <a:buSzPts val="1900"/>
+              <a:buFont typeface="Playfair Display"/>
+              <a:buChar char="●"/>
+            </a:pPr>
+            <a:r>
+              <a:rPr lang="en" sz="1900">
+                <a:solidFill>
+                  <a:srgbClr val="000000"/>
+                </a:solidFill>
+                <a:latin typeface="Playfair Display"/>
+                <a:ea typeface="Playfair Display"/>
+                <a:cs typeface="Playfair Display"/>
+                <a:sym typeface="Playfair Display"/>
+              </a:rPr>
+              <a:t>Does this affect allergen friendly, cultural, or unpopular foods?</a:t>
+            </a:r>
+            <a:endParaRPr sz="1900">
+              <a:solidFill>
+                <a:srgbClr val="000000"/>
+              </a:solidFill>
+              <a:latin typeface="Playfair Display"/>
+              <a:ea typeface="Playfair Display"/>
+              <a:cs typeface="Playfair Display"/>
+              <a:sym typeface="Playfair Display"/>
+            </a:endParaRPr>
+          </a:p>
+          <a:p>
+            <a:pPr indent="-349250" lvl="1" marL="914400" rtl="0" algn="l">
+              <a:spcBef>
+                <a:spcPts val="0"/>
+              </a:spcBef>
+              <a:spcAft>
+                <a:spcPts val="0"/>
+              </a:spcAft>
+              <a:buSzPts val="1900"/>
+              <a:buFont typeface="Playfair Display"/>
+              <a:buChar char="○"/>
+            </a:pPr>
+            <a:r>
+              <a:rPr lang="en" sz="1900">
+                <a:solidFill>
+                  <a:srgbClr val="000000"/>
+                </a:solidFill>
+                <a:latin typeface="Playfair Display"/>
+                <a:ea typeface="Playfair Display"/>
+                <a:cs typeface="Playfair Display"/>
+                <a:sym typeface="Playfair Display"/>
+              </a:rPr>
+              <a:t>Aren’t dishes more than 1-5 stars?</a:t>
+            </a:r>
+            <a:endParaRPr sz="1900">
+              <a:solidFill>
+                <a:srgbClr val="000000"/>
+              </a:solidFill>
+              <a:latin typeface="Playfair Display"/>
+              <a:ea typeface="Playfair Display"/>
+              <a:cs typeface="Playfair Display"/>
+              <a:sym typeface="Playfair Display"/>
+            </a:endParaRPr>
+          </a:p>
+        </p:txBody>
+      </p:sp>
+      <p:sp>
+        <p:nvSpPr>
+          <p:cNvPr id="132" name="Google Shape;132;p24"/>
+          <p:cNvSpPr txBox="1"/>
+          <p:nvPr>
+            <p:ph idx="1" type="body"/>
+          </p:nvPr>
+        </p:nvSpPr>
+        <p:spPr>
+          <a:xfrm>
+            <a:off x="4832400" y="1152475"/>
+            <a:ext cx="3999900" cy="3416400"/>
+          </a:xfrm>
+          <a:prstGeom prst="rect">
+            <a:avLst/>
+          </a:prstGeom>
+        </p:spPr>
+        <p:txBody>
+          <a:bodyPr anchorCtr="0" anchor="t" bIns="91425" lIns="91425" spcFirstLastPara="1" rIns="91425" wrap="square" tIns="91425">
+            <a:noAutofit/>
+          </a:bodyPr>
+          <a:lstStyle/>
+          <a:p>
+            <a:pPr indent="0" lvl="0" marL="0" rtl="0" algn="ctr">
+              <a:spcBef>
+                <a:spcPts val="0"/>
+              </a:spcBef>
+              <a:spcAft>
+                <a:spcPts val="0"/>
+              </a:spcAft>
+              <a:buNone/>
+            </a:pPr>
+            <a:r>
+              <a:rPr b="1" lang="en" sz="2500">
+                <a:solidFill>
+                  <a:srgbClr val="980000"/>
+                </a:solidFill>
+                <a:latin typeface="Playfair Display"/>
+                <a:ea typeface="Playfair Display"/>
+                <a:cs typeface="Playfair Display"/>
+                <a:sym typeface="Playfair Display"/>
+              </a:rPr>
+              <a:t>Postman</a:t>
+            </a:r>
+            <a:endParaRPr b="1" sz="2500">
+              <a:solidFill>
+                <a:srgbClr val="980000"/>
+              </a:solidFill>
+              <a:latin typeface="Playfair Display"/>
+              <a:ea typeface="Playfair Display"/>
+              <a:cs typeface="Playfair Display"/>
+              <a:sym typeface="Playfair Display"/>
+            </a:endParaRPr>
+          </a:p>
+          <a:p>
+            <a:pPr indent="-349250" lvl="0" marL="457200" rtl="0" algn="l">
+              <a:spcBef>
+                <a:spcPts val="1200"/>
+              </a:spcBef>
+              <a:spcAft>
+                <a:spcPts val="0"/>
+              </a:spcAft>
+              <a:buClr>
+                <a:srgbClr val="980000"/>
+              </a:buClr>
+              <a:buSzPts val="1900"/>
+              <a:buFont typeface="Playfair Display"/>
+              <a:buChar char="●"/>
+            </a:pPr>
+            <a:r>
+              <a:rPr lang="en" sz="1900">
+                <a:solidFill>
+                  <a:srgbClr val="000000"/>
+                </a:solidFill>
+                <a:latin typeface="Playfair Display"/>
+                <a:ea typeface="Playfair Display"/>
+                <a:cs typeface="Playfair Display"/>
+                <a:sym typeface="Playfair Display"/>
+              </a:rPr>
+              <a:t>Idea #1: Technology giveth and technology taketh away</a:t>
+            </a:r>
+            <a:endParaRPr sz="1900">
+              <a:solidFill>
+                <a:srgbClr val="000000"/>
+              </a:solidFill>
+              <a:latin typeface="Playfair Display"/>
+              <a:ea typeface="Playfair Display"/>
+              <a:cs typeface="Playfair Display"/>
+              <a:sym typeface="Playfair Display"/>
+            </a:endParaRPr>
+          </a:p>
+          <a:p>
+            <a:pPr indent="-349250" lvl="0" marL="457200" rtl="0" algn="l">
+              <a:spcBef>
+                <a:spcPts val="0"/>
+              </a:spcBef>
+              <a:spcAft>
+                <a:spcPts val="0"/>
+              </a:spcAft>
+              <a:buClr>
+                <a:srgbClr val="980000"/>
+              </a:buClr>
+              <a:buSzPts val="1900"/>
+              <a:buFont typeface="Playfair Display"/>
+              <a:buChar char="●"/>
+            </a:pPr>
+            <a:r>
+              <a:rPr lang="en" sz="1900">
+                <a:solidFill>
+                  <a:srgbClr val="000000"/>
+                </a:solidFill>
+                <a:latin typeface="Playfair Display"/>
+                <a:ea typeface="Playfair Display"/>
+                <a:cs typeface="Playfair Display"/>
+                <a:sym typeface="Playfair Display"/>
+              </a:rPr>
+              <a:t>Idea #3: Embedded in every technology is a philosophy.</a:t>
+            </a:r>
+            <a:endParaRPr sz="1900">
+              <a:solidFill>
+                <a:srgbClr val="000000"/>
+              </a:solidFill>
+              <a:latin typeface="Playfair Display"/>
+              <a:ea typeface="Playfair Display"/>
+              <a:cs typeface="Playfair Display"/>
+              <a:sym typeface="Playfair Display"/>
+            </a:endParaRPr>
+          </a:p>
+        </p:txBody>
+      </p:sp>
+      <p:sp>
+        <p:nvSpPr>
+          <p:cNvPr id="133" name="Google Shape;133;p24"/>
+          <p:cNvSpPr txBox="1"/>
+          <p:nvPr/>
+        </p:nvSpPr>
+        <p:spPr>
+          <a:xfrm>
+            <a:off x="447250" y="4665400"/>
+            <a:ext cx="8235900" cy="401700"/>
           </a:xfrm>
           <a:prstGeom prst="rect">
             <a:avLst/>
@@ -8430,35 +9788,45 @@
             <a:noFill/>
           </a:ln>
         </p:spPr>
-      </p:pic>
-      <p:pic>
-        <p:nvPicPr>
-          <p:cNvPr id="117" name="Google Shape;117;p22"/>
-          <p:cNvPicPr preferRelativeResize="0"/>
-          <p:nvPr/>
-        </p:nvPicPr>
-        <p:blipFill>
-          <a:blip r:embed="rId4">
-            <a:alphaModFix/>
-          </a:blip>
-          <a:stretch>
-            <a:fillRect/>
-          </a:stretch>
-        </p:blipFill>
-        <p:spPr>
-          <a:xfrm>
-            <a:off x="4767798" y="1017486"/>
-            <a:ext cx="2509551" cy="3821215"/>
-          </a:xfrm>
-          <a:prstGeom prst="rect">
-            <a:avLst/>
-          </a:prstGeom>
-          <a:noFill/>
-          <a:ln>
-            <a:noFill/>
-          </a:ln>
-        </p:spPr>
-      </p:pic>
+        <p:txBody>
+          <a:bodyPr anchorCtr="0" anchor="t" bIns="91425" lIns="91425" spcFirstLastPara="1" rIns="91425" wrap="square" tIns="91425">
+            <a:noAutofit/>
+          </a:bodyPr>
+          <a:lstStyle/>
+          <a:p>
+            <a:pPr indent="0" lvl="0" marL="0" rtl="0" algn="l">
+              <a:spcBef>
+                <a:spcPts val="0"/>
+              </a:spcBef>
+              <a:spcAft>
+                <a:spcPts val="0"/>
+              </a:spcAft>
+              <a:buNone/>
+            </a:pPr>
+            <a:r>
+              <a:rPr lang="en" sz="1100">
+                <a:solidFill>
+                  <a:schemeClr val="dk2"/>
+                </a:solidFill>
+                <a:latin typeface="Lato"/>
+                <a:ea typeface="Lato"/>
+                <a:cs typeface="Lato"/>
+                <a:sym typeface="Lato"/>
+              </a:rPr>
+              <a:t>“Five Things We Need to Know About Technological Change” by Neil Postman talk delivered in Denver Colorado March 28, 1998</a:t>
+            </a:r>
+            <a:endParaRPr sz="1100">
+              <a:solidFill>
+                <a:schemeClr val="dk2"/>
+              </a:solidFill>
+              <a:latin typeface="Lato"/>
+              <a:ea typeface="Lato"/>
+              <a:cs typeface="Lato"/>
+              <a:sym typeface="Lato"/>
+            </a:endParaRPr>
+          </a:p>
+        </p:txBody>
+      </p:sp>
     </p:spTree>
   </p:cSld>
   <p:clrMapOvr>
@@ -8467,12 +9835,12 @@
 </p:sld>
 </file>
 
-<file path=ppt/slides/slide11.xml><?xml version="1.0" encoding="utf-8"?>
+<file path=ppt/slides/slide13.xml><?xml version="1.0" encoding="utf-8"?>
 <p:sld xmlns:a="http://schemas.openxmlformats.org/drawingml/2006/main" xmlns:r="http://schemas.openxmlformats.org/officeDocument/2006/relationships" xmlns:mc="http://schemas.openxmlformats.org/markup-compatibility/2006" xmlns:mv="urn:schemas-microsoft-com:mac:vml" xmlns:p="http://schemas.openxmlformats.org/presentationml/2006/main" xmlns:c="http://schemas.openxmlformats.org/drawingml/2006/chart" xmlns:dgm="http://schemas.openxmlformats.org/drawingml/2006/diagram" xmlns:o="urn:schemas-microsoft-com:office:office" xmlns:v="urn:schemas-microsoft-com:vml" xmlns:pvml="urn:schemas-microsoft-com:office:powerpoint" xmlns:com="http://schemas.openxmlformats.org/drawingml/2006/compatibility" xmlns:p14="http://schemas.microsoft.com/office/powerpoint/2010/main" xmlns:p15="http://schemas.microsoft.com/office/powerpoint/2012/main" xmlns:ahyp="http://schemas.microsoft.com/office/drawing/2018/hyperlinkcolor">
   <p:cSld>
     <p:spTree>
       <p:nvGrpSpPr>
-        <p:cNvPr id="121" name="Shape 121"/>
+        <p:cNvPr id="137" name="Shape 137"/>
         <p:cNvGrpSpPr/>
         <p:nvPr/>
       </p:nvGrpSpPr>
@@ -8486,82 +9854,7 @@
       </p:grpSpPr>
       <p:sp>
         <p:nvSpPr>
-          <p:cNvPr id="122" name="Google Shape;122;p23"/>
-          <p:cNvSpPr txBox="1"/>
-          <p:nvPr>
-            <p:ph type="title"/>
-          </p:nvPr>
-        </p:nvSpPr>
-        <p:spPr>
-          <a:xfrm>
-            <a:off x="509550" y="1423875"/>
-            <a:ext cx="8124900" cy="1798200"/>
-          </a:xfrm>
-          <a:prstGeom prst="rect">
-            <a:avLst/>
-          </a:prstGeom>
-        </p:spPr>
-        <p:txBody>
-          <a:bodyPr anchorCtr="0" anchor="ctr" bIns="91425" lIns="91425" spcFirstLastPara="1" rIns="91425" wrap="square" tIns="91425">
-            <a:normAutofit/>
-          </a:bodyPr>
-          <a:lstStyle/>
-          <a:p>
-            <a:pPr indent="0" lvl="0" marL="0" rtl="0" algn="ctr">
-              <a:spcBef>
-                <a:spcPts val="0"/>
-              </a:spcBef>
-              <a:spcAft>
-                <a:spcPts val="0"/>
-              </a:spcAft>
-              <a:buNone/>
-            </a:pPr>
-            <a:r>
-              <a:rPr lang="en" sz="6000">
-                <a:latin typeface="Playfair Display"/>
-                <a:ea typeface="Playfair Display"/>
-                <a:cs typeface="Playfair Display"/>
-                <a:sym typeface="Playfair Display"/>
-              </a:rPr>
-              <a:t>Assessment</a:t>
-            </a:r>
-            <a:endParaRPr sz="6000">
-              <a:latin typeface="Playfair Display"/>
-              <a:ea typeface="Playfair Display"/>
-              <a:cs typeface="Playfair Display"/>
-              <a:sym typeface="Playfair Display"/>
-            </a:endParaRPr>
-          </a:p>
-        </p:txBody>
-      </p:sp>
-    </p:spTree>
-  </p:cSld>
-  <p:clrMapOvr>
-    <a:masterClrMapping/>
-  </p:clrMapOvr>
-</p:sld>
-</file>
-
-<file path=ppt/slides/slide12.xml><?xml version="1.0" encoding="utf-8"?>
-<p:sld xmlns:a="http://schemas.openxmlformats.org/drawingml/2006/main" xmlns:r="http://schemas.openxmlformats.org/officeDocument/2006/relationships" xmlns:mc="http://schemas.openxmlformats.org/markup-compatibility/2006" xmlns:mv="urn:schemas-microsoft-com:mac:vml" xmlns:p="http://schemas.openxmlformats.org/presentationml/2006/main" xmlns:c="http://schemas.openxmlformats.org/drawingml/2006/chart" xmlns:dgm="http://schemas.openxmlformats.org/drawingml/2006/diagram" xmlns:o="urn:schemas-microsoft-com:office:office" xmlns:v="urn:schemas-microsoft-com:vml" xmlns:pvml="urn:schemas-microsoft-com:office:powerpoint" xmlns:com="http://schemas.openxmlformats.org/drawingml/2006/compatibility" xmlns:p14="http://schemas.microsoft.com/office/powerpoint/2010/main" xmlns:p15="http://schemas.microsoft.com/office/powerpoint/2012/main" xmlns:ahyp="http://schemas.microsoft.com/office/drawing/2018/hyperlinkcolor">
-  <p:cSld>
-    <p:spTree>
-      <p:nvGrpSpPr>
-        <p:cNvPr id="126" name="Shape 126"/>
-        <p:cNvGrpSpPr/>
-        <p:nvPr/>
-      </p:nvGrpSpPr>
-      <p:grpSpPr>
-        <a:xfrm>
-          <a:off x="0" y="0"/>
-          <a:ext cx="0" cy="0"/>
-          <a:chOff x="0" y="0"/>
-          <a:chExt cx="0" cy="0"/>
-        </a:xfrm>
-      </p:grpSpPr>
-      <p:sp>
-        <p:nvSpPr>
-          <p:cNvPr id="127" name="Google Shape;127;p24"/>
+          <p:cNvPr id="138" name="Google Shape;138;p25"/>
           <p:cNvSpPr txBox="1"/>
           <p:nvPr>
             <p:ph type="title"/>
@@ -8592,16 +9885,446 @@
               <a:buNone/>
             </a:pPr>
             <a:r>
-              <a:rPr lang="en"/>
-              <a:t>Changes From Usability Tests</a:t>
-            </a:r>
-            <a:endParaRPr/>
+              <a:rPr lang="en">
+                <a:solidFill>
+                  <a:srgbClr val="980000"/>
+                </a:solidFill>
+              </a:rPr>
+              <a:t>Future Work</a:t>
+            </a:r>
+            <a:endParaRPr>
+              <a:solidFill>
+                <a:srgbClr val="980000"/>
+              </a:solidFill>
+            </a:endParaRPr>
           </a:p>
         </p:txBody>
       </p:sp>
       <p:sp>
         <p:nvSpPr>
-          <p:cNvPr id="128" name="Google Shape;128;p24"/>
+          <p:cNvPr id="139" name="Google Shape;139;p25"/>
+          <p:cNvSpPr txBox="1"/>
+          <p:nvPr>
+            <p:ph idx="1" type="body"/>
+          </p:nvPr>
+        </p:nvSpPr>
+        <p:spPr>
+          <a:xfrm>
+            <a:off x="311700" y="1152475"/>
+            <a:ext cx="3999900" cy="3416400"/>
+          </a:xfrm>
+          <a:prstGeom prst="rect">
+            <a:avLst/>
+          </a:prstGeom>
+        </p:spPr>
+        <p:txBody>
+          <a:bodyPr anchorCtr="0" anchor="t" bIns="91425" lIns="91425" spcFirstLastPara="1" rIns="91425" wrap="square" tIns="91425">
+            <a:normAutofit/>
+          </a:bodyPr>
+          <a:lstStyle/>
+          <a:p>
+            <a:pPr indent="0" lvl="0" marL="0" rtl="0" algn="ctr">
+              <a:spcBef>
+                <a:spcPts val="0"/>
+              </a:spcBef>
+              <a:spcAft>
+                <a:spcPts val="0"/>
+              </a:spcAft>
+              <a:buNone/>
+            </a:pPr>
+            <a:r>
+              <a:rPr b="1" lang="en" sz="2500">
+                <a:solidFill>
+                  <a:srgbClr val="980000"/>
+                </a:solidFill>
+                <a:latin typeface="Playfair Display"/>
+                <a:ea typeface="Playfair Display"/>
+                <a:cs typeface="Playfair Display"/>
+                <a:sym typeface="Playfair Display"/>
+              </a:rPr>
+              <a:t>Functionality</a:t>
+            </a:r>
+            <a:endParaRPr b="1" sz="2500">
+              <a:solidFill>
+                <a:srgbClr val="980000"/>
+              </a:solidFill>
+              <a:latin typeface="Playfair Display"/>
+              <a:ea typeface="Playfair Display"/>
+              <a:cs typeface="Playfair Display"/>
+              <a:sym typeface="Playfair Display"/>
+            </a:endParaRPr>
+          </a:p>
+          <a:p>
+            <a:pPr indent="-349250" lvl="0" marL="457200" rtl="0" algn="l">
+              <a:spcBef>
+                <a:spcPts val="1200"/>
+              </a:spcBef>
+              <a:spcAft>
+                <a:spcPts val="0"/>
+              </a:spcAft>
+              <a:buClr>
+                <a:srgbClr val="980000"/>
+              </a:buClr>
+              <a:buSzPts val="1900"/>
+              <a:buFont typeface="Playfair Display"/>
+              <a:buChar char="●"/>
+            </a:pPr>
+            <a:r>
+              <a:rPr lang="en" sz="1900">
+                <a:solidFill>
+                  <a:srgbClr val="000000"/>
+                </a:solidFill>
+                <a:latin typeface="Playfair Display"/>
+                <a:ea typeface="Playfair Display"/>
+                <a:cs typeface="Playfair Display"/>
+                <a:sym typeface="Playfair Display"/>
+              </a:rPr>
+              <a:t>Expand dietary restrictions</a:t>
+            </a:r>
+            <a:endParaRPr sz="1900">
+              <a:solidFill>
+                <a:srgbClr val="000000"/>
+              </a:solidFill>
+              <a:latin typeface="Playfair Display"/>
+              <a:ea typeface="Playfair Display"/>
+              <a:cs typeface="Playfair Display"/>
+              <a:sym typeface="Playfair Display"/>
+            </a:endParaRPr>
+          </a:p>
+          <a:p>
+            <a:pPr indent="-349250" lvl="1" marL="914400" rtl="0" algn="l">
+              <a:spcBef>
+                <a:spcPts val="0"/>
+              </a:spcBef>
+              <a:spcAft>
+                <a:spcPts val="0"/>
+              </a:spcAft>
+              <a:buClr>
+                <a:srgbClr val="980000"/>
+              </a:buClr>
+              <a:buSzPts val="1900"/>
+              <a:buFont typeface="Playfair Display"/>
+              <a:buChar char="○"/>
+            </a:pPr>
+            <a:r>
+              <a:rPr lang="en" sz="1900">
+                <a:solidFill>
+                  <a:srgbClr val="000000"/>
+                </a:solidFill>
+                <a:latin typeface="Playfair Display"/>
+                <a:ea typeface="Playfair Display"/>
+                <a:cs typeface="Playfair Display"/>
+                <a:sym typeface="Playfair Display"/>
+              </a:rPr>
+              <a:t>Dairy/gluten free, etc.</a:t>
+            </a:r>
+            <a:endParaRPr sz="1900">
+              <a:solidFill>
+                <a:srgbClr val="000000"/>
+              </a:solidFill>
+              <a:latin typeface="Playfair Display"/>
+              <a:ea typeface="Playfair Display"/>
+              <a:cs typeface="Playfair Display"/>
+              <a:sym typeface="Playfair Display"/>
+            </a:endParaRPr>
+          </a:p>
+          <a:p>
+            <a:pPr indent="-349250" lvl="1" marL="914400" rtl="0" algn="l">
+              <a:spcBef>
+                <a:spcPts val="0"/>
+              </a:spcBef>
+              <a:spcAft>
+                <a:spcPts val="0"/>
+              </a:spcAft>
+              <a:buClr>
+                <a:srgbClr val="980000"/>
+              </a:buClr>
+              <a:buSzPts val="1900"/>
+              <a:buFont typeface="Playfair Display"/>
+              <a:buChar char="○"/>
+            </a:pPr>
+            <a:r>
+              <a:rPr lang="en" sz="1900">
+                <a:solidFill>
+                  <a:srgbClr val="000000"/>
+                </a:solidFill>
+                <a:latin typeface="Playfair Display"/>
+                <a:ea typeface="Playfair Display"/>
+                <a:cs typeface="Playfair Display"/>
+                <a:sym typeface="Playfair Display"/>
+              </a:rPr>
+              <a:t>Large database rework</a:t>
+            </a:r>
+            <a:endParaRPr sz="1900">
+              <a:solidFill>
+                <a:srgbClr val="000000"/>
+              </a:solidFill>
+              <a:latin typeface="Playfair Display"/>
+              <a:ea typeface="Playfair Display"/>
+              <a:cs typeface="Playfair Display"/>
+              <a:sym typeface="Playfair Display"/>
+            </a:endParaRPr>
+          </a:p>
+          <a:p>
+            <a:pPr indent="-349250" lvl="0" marL="457200" rtl="0" algn="l">
+              <a:spcBef>
+                <a:spcPts val="0"/>
+              </a:spcBef>
+              <a:spcAft>
+                <a:spcPts val="0"/>
+              </a:spcAft>
+              <a:buClr>
+                <a:srgbClr val="980000"/>
+              </a:buClr>
+              <a:buSzPts val="1900"/>
+              <a:buFont typeface="Playfair Display"/>
+              <a:buChar char="●"/>
+            </a:pPr>
+            <a:r>
+              <a:rPr lang="en" sz="1900">
+                <a:solidFill>
+                  <a:srgbClr val="000000"/>
+                </a:solidFill>
+                <a:latin typeface="Playfair Display"/>
+                <a:ea typeface="Playfair Display"/>
+                <a:cs typeface="Playfair Display"/>
+                <a:sym typeface="Playfair Display"/>
+              </a:rPr>
+              <a:t>More voting power to people with dietary restrictions</a:t>
+            </a:r>
+            <a:endParaRPr sz="1900">
+              <a:solidFill>
+                <a:srgbClr val="000000"/>
+              </a:solidFill>
+              <a:latin typeface="Playfair Display"/>
+              <a:ea typeface="Playfair Display"/>
+              <a:cs typeface="Playfair Display"/>
+              <a:sym typeface="Playfair Display"/>
+            </a:endParaRPr>
+          </a:p>
+          <a:p>
+            <a:pPr indent="0" lvl="0" marL="457200" rtl="0" algn="l">
+              <a:spcBef>
+                <a:spcPts val="1200"/>
+              </a:spcBef>
+              <a:spcAft>
+                <a:spcPts val="1200"/>
+              </a:spcAft>
+              <a:buNone/>
+            </a:pPr>
+            <a:r>
+              <a:t/>
+            </a:r>
+            <a:endParaRPr sz="1900">
+              <a:solidFill>
+                <a:srgbClr val="000000"/>
+              </a:solidFill>
+              <a:latin typeface="Playfair Display"/>
+              <a:ea typeface="Playfair Display"/>
+              <a:cs typeface="Playfair Display"/>
+              <a:sym typeface="Playfair Display"/>
+            </a:endParaRPr>
+          </a:p>
+        </p:txBody>
+      </p:sp>
+      <p:sp>
+        <p:nvSpPr>
+          <p:cNvPr id="140" name="Google Shape;140;p25"/>
+          <p:cNvSpPr txBox="1"/>
+          <p:nvPr>
+            <p:ph idx="2" type="body"/>
+          </p:nvPr>
+        </p:nvSpPr>
+        <p:spPr>
+          <a:xfrm>
+            <a:off x="4832400" y="1152475"/>
+            <a:ext cx="3999900" cy="3416400"/>
+          </a:xfrm>
+          <a:prstGeom prst="rect">
+            <a:avLst/>
+          </a:prstGeom>
+        </p:spPr>
+        <p:txBody>
+          <a:bodyPr anchorCtr="0" anchor="t" bIns="91425" lIns="91425" spcFirstLastPara="1" rIns="91425" wrap="square" tIns="91425">
+            <a:normAutofit/>
+          </a:bodyPr>
+          <a:lstStyle/>
+          <a:p>
+            <a:pPr indent="0" lvl="0" marL="457200" rtl="0" algn="ctr">
+              <a:spcBef>
+                <a:spcPts val="0"/>
+              </a:spcBef>
+              <a:spcAft>
+                <a:spcPts val="0"/>
+              </a:spcAft>
+              <a:buNone/>
+            </a:pPr>
+            <a:r>
+              <a:rPr b="1" lang="en" sz="2500">
+                <a:solidFill>
+                  <a:srgbClr val="980000"/>
+                </a:solidFill>
+                <a:latin typeface="Playfair Display"/>
+                <a:ea typeface="Playfair Display"/>
+                <a:cs typeface="Playfair Display"/>
+                <a:sym typeface="Playfair Display"/>
+              </a:rPr>
+              <a:t>Future Hopes</a:t>
+            </a:r>
+            <a:endParaRPr b="1" sz="2500">
+              <a:solidFill>
+                <a:srgbClr val="980000"/>
+              </a:solidFill>
+              <a:latin typeface="Playfair Display"/>
+              <a:ea typeface="Playfair Display"/>
+              <a:cs typeface="Playfair Display"/>
+              <a:sym typeface="Playfair Display"/>
+            </a:endParaRPr>
+          </a:p>
+          <a:p>
+            <a:pPr indent="-349250" lvl="0" marL="457200" rtl="0" algn="l">
+              <a:spcBef>
+                <a:spcPts val="1200"/>
+              </a:spcBef>
+              <a:spcAft>
+                <a:spcPts val="0"/>
+              </a:spcAft>
+              <a:buClr>
+                <a:srgbClr val="980000"/>
+              </a:buClr>
+              <a:buSzPts val="1900"/>
+              <a:buFont typeface="Playfair Display"/>
+              <a:buChar char="●"/>
+            </a:pPr>
+            <a:r>
+              <a:rPr lang="en" sz="1900">
+                <a:solidFill>
+                  <a:srgbClr val="000000"/>
+                </a:solidFill>
+                <a:latin typeface="Playfair Display"/>
+                <a:ea typeface="Playfair Display"/>
+                <a:cs typeface="Playfair Display"/>
+                <a:sym typeface="Playfair Display"/>
+              </a:rPr>
+              <a:t>Partner with Calvin Dining Services database</a:t>
+            </a:r>
+            <a:endParaRPr sz="1900">
+              <a:solidFill>
+                <a:srgbClr val="000000"/>
+              </a:solidFill>
+              <a:latin typeface="Playfair Display"/>
+              <a:ea typeface="Playfair Display"/>
+              <a:cs typeface="Playfair Display"/>
+              <a:sym typeface="Playfair Display"/>
+            </a:endParaRPr>
+          </a:p>
+          <a:p>
+            <a:pPr indent="-349250" lvl="1" marL="914400" rtl="0" algn="l">
+              <a:spcBef>
+                <a:spcPts val="0"/>
+              </a:spcBef>
+              <a:spcAft>
+                <a:spcPts val="0"/>
+              </a:spcAft>
+              <a:buClr>
+                <a:srgbClr val="980000"/>
+              </a:buClr>
+              <a:buSzPts val="1900"/>
+              <a:buFont typeface="Playfair Display"/>
+              <a:buChar char="○"/>
+            </a:pPr>
+            <a:r>
+              <a:rPr lang="en" sz="1900">
+                <a:solidFill>
+                  <a:srgbClr val="000000"/>
+                </a:solidFill>
+                <a:latin typeface="Playfair Display"/>
+                <a:ea typeface="Playfair Display"/>
+                <a:cs typeface="Playfair Display"/>
+                <a:sym typeface="Playfair Display"/>
+              </a:rPr>
+              <a:t>Real feedback, real change</a:t>
+            </a:r>
+            <a:endParaRPr sz="1900">
+              <a:solidFill>
+                <a:srgbClr val="000000"/>
+              </a:solidFill>
+              <a:latin typeface="Playfair Display"/>
+              <a:ea typeface="Playfair Display"/>
+              <a:cs typeface="Playfair Display"/>
+              <a:sym typeface="Playfair Display"/>
+            </a:endParaRPr>
+          </a:p>
+        </p:txBody>
+      </p:sp>
+    </p:spTree>
+  </p:cSld>
+  <p:clrMapOvr>
+    <a:masterClrMapping/>
+  </p:clrMapOvr>
+</p:sld>
+</file>
+
+<file path=ppt/slides/slide14.xml><?xml version="1.0" encoding="utf-8"?>
+<p:sld xmlns:a="http://schemas.openxmlformats.org/drawingml/2006/main" xmlns:r="http://schemas.openxmlformats.org/officeDocument/2006/relationships" xmlns:mc="http://schemas.openxmlformats.org/markup-compatibility/2006" xmlns:mv="urn:schemas-microsoft-com:mac:vml" xmlns:p="http://schemas.openxmlformats.org/presentationml/2006/main" xmlns:c="http://schemas.openxmlformats.org/drawingml/2006/chart" xmlns:dgm="http://schemas.openxmlformats.org/drawingml/2006/diagram" xmlns:o="urn:schemas-microsoft-com:office:office" xmlns:v="urn:schemas-microsoft-com:vml" xmlns:pvml="urn:schemas-microsoft-com:office:powerpoint" xmlns:com="http://schemas.openxmlformats.org/drawingml/2006/compatibility" xmlns:p14="http://schemas.microsoft.com/office/powerpoint/2010/main" xmlns:p15="http://schemas.microsoft.com/office/powerpoint/2012/main" xmlns:ahyp="http://schemas.microsoft.com/office/drawing/2018/hyperlinkcolor">
+  <p:cSld>
+    <p:spTree>
+      <p:nvGrpSpPr>
+        <p:cNvPr id="144" name="Shape 144"/>
+        <p:cNvGrpSpPr/>
+        <p:nvPr/>
+      </p:nvGrpSpPr>
+      <p:grpSpPr>
+        <a:xfrm>
+          <a:off x="0" y="0"/>
+          <a:ext cx="0" cy="0"/>
+          <a:chOff x="0" y="0"/>
+          <a:chExt cx="0" cy="0"/>
+        </a:xfrm>
+      </p:grpSpPr>
+      <p:sp>
+        <p:nvSpPr>
+          <p:cNvPr id="145" name="Google Shape;145;p26"/>
+          <p:cNvSpPr txBox="1"/>
+          <p:nvPr>
+            <p:ph type="title"/>
+          </p:nvPr>
+        </p:nvSpPr>
+        <p:spPr>
+          <a:xfrm>
+            <a:off x="311700" y="391350"/>
+            <a:ext cx="8520600" cy="626100"/>
+          </a:xfrm>
+          <a:prstGeom prst="rect">
+            <a:avLst/>
+          </a:prstGeom>
+        </p:spPr>
+        <p:txBody>
+          <a:bodyPr anchorCtr="0" anchor="t" bIns="91425" lIns="91425" spcFirstLastPara="1" rIns="91425" wrap="square" tIns="91425">
+            <a:normAutofit fontScale="90000"/>
+          </a:bodyPr>
+          <a:lstStyle/>
+          <a:p>
+            <a:pPr indent="0" lvl="0" marL="0" rtl="0" algn="l">
+              <a:spcBef>
+                <a:spcPts val="0"/>
+              </a:spcBef>
+              <a:spcAft>
+                <a:spcPts val="0"/>
+              </a:spcAft>
+              <a:buNone/>
+            </a:pPr>
+            <a:r>
+              <a:rPr lang="en"/>
+              <a:t>Changes From Usability Tests</a:t>
+            </a:r>
+            <a:endParaRPr/>
+          </a:p>
+        </p:txBody>
+      </p:sp>
+      <p:sp>
+        <p:nvSpPr>
+          <p:cNvPr id="146" name="Google Shape;146;p26"/>
           <p:cNvSpPr txBox="1"/>
           <p:nvPr/>
         </p:nvSpPr>
@@ -8624,831 +10347,9 @@
           </a:bodyPr>
           <a:lstStyle/>
           <a:p>
-            <a:pPr indent="-342900" lvl="0" marL="457200" rtl="0" algn="l">
-              <a:spcBef>
-                <a:spcPts val="0"/>
-              </a:spcBef>
-              <a:spcAft>
-                <a:spcPts val="0"/>
-              </a:spcAft>
-              <a:buClr>
-                <a:schemeClr val="dk2"/>
-              </a:buClr>
-              <a:buSzPts val="1800"/>
-              <a:buFont typeface="Lato"/>
-              <a:buChar char="-"/>
-            </a:pPr>
-            <a:r>
-              <a:rPr lang="en" sz="1800">
-                <a:solidFill>
-                  <a:schemeClr val="dk2"/>
-                </a:solidFill>
-                <a:latin typeface="Lato"/>
-                <a:ea typeface="Lato"/>
-                <a:cs typeface="Lato"/>
-                <a:sym typeface="Lato"/>
-              </a:rPr>
-              <a:t>Prayer Page</a:t>
-            </a:r>
-            <a:endParaRPr sz="1800">
-              <a:solidFill>
-                <a:schemeClr val="dk2"/>
-              </a:solidFill>
-              <a:latin typeface="Lato"/>
-              <a:ea typeface="Lato"/>
-              <a:cs typeface="Lato"/>
-              <a:sym typeface="Lato"/>
-            </a:endParaRPr>
-          </a:p>
-          <a:p>
-            <a:pPr indent="-342900" lvl="0" marL="457200" rtl="0" algn="l">
-              <a:spcBef>
-                <a:spcPts val="0"/>
-              </a:spcBef>
-              <a:spcAft>
-                <a:spcPts val="0"/>
-              </a:spcAft>
-              <a:buClr>
-                <a:schemeClr val="dk2"/>
-              </a:buClr>
-              <a:buSzPts val="1800"/>
-              <a:buFont typeface="Lato"/>
-              <a:buChar char="-"/>
-            </a:pPr>
-            <a:r>
-              <a:rPr lang="en" sz="1800">
-                <a:solidFill>
-                  <a:schemeClr val="dk2"/>
-                </a:solidFill>
-                <a:latin typeface="Lato"/>
-                <a:ea typeface="Lato"/>
-                <a:cs typeface="Lato"/>
-                <a:sym typeface="Lato"/>
-              </a:rPr>
-              <a:t>FAQ </a:t>
-            </a:r>
-            <a:endParaRPr sz="1800">
-              <a:solidFill>
-                <a:schemeClr val="dk2"/>
-              </a:solidFill>
-              <a:latin typeface="Lato"/>
-              <a:ea typeface="Lato"/>
-              <a:cs typeface="Lato"/>
-              <a:sym typeface="Lato"/>
-            </a:endParaRPr>
-          </a:p>
-          <a:p>
-            <a:pPr indent="-342900" lvl="0" marL="457200" rtl="0" algn="l">
-              <a:spcBef>
-                <a:spcPts val="0"/>
-              </a:spcBef>
-              <a:spcAft>
-                <a:spcPts val="0"/>
-              </a:spcAft>
-              <a:buClr>
-                <a:schemeClr val="dk2"/>
-              </a:buClr>
-              <a:buSzPts val="1800"/>
-              <a:buFont typeface="Lato"/>
-              <a:buChar char="-"/>
-            </a:pPr>
-            <a:r>
-              <a:rPr lang="en" sz="1800">
-                <a:solidFill>
-                  <a:schemeClr val="dk2"/>
-                </a:solidFill>
-                <a:latin typeface="Lato"/>
-                <a:ea typeface="Lato"/>
-                <a:cs typeface="Lato"/>
-                <a:sym typeface="Lato"/>
-              </a:rPr>
-              <a:t>Having a filter to sort by dining hall, meal time, and blah blah blah</a:t>
-            </a:r>
-            <a:endParaRPr sz="1800">
-              <a:solidFill>
-                <a:schemeClr val="dk2"/>
-              </a:solidFill>
-              <a:latin typeface="Lato"/>
-              <a:ea typeface="Lato"/>
-              <a:cs typeface="Lato"/>
-              <a:sym typeface="Lato"/>
-            </a:endParaRPr>
-          </a:p>
-          <a:p>
-            <a:pPr indent="0" lvl="0" marL="0" rtl="0" algn="l">
-              <a:spcBef>
-                <a:spcPts val="0"/>
-              </a:spcBef>
-              <a:spcAft>
-                <a:spcPts val="0"/>
-              </a:spcAft>
-              <a:buNone/>
-            </a:pPr>
-            <a:r>
-              <a:t/>
-            </a:r>
-            <a:endParaRPr sz="1800">
-              <a:solidFill>
-                <a:schemeClr val="dk2"/>
-              </a:solidFill>
-              <a:latin typeface="Lato"/>
-              <a:ea typeface="Lato"/>
-              <a:cs typeface="Lato"/>
-              <a:sym typeface="Lato"/>
-            </a:endParaRPr>
-          </a:p>
-          <a:p>
-            <a:pPr indent="0" lvl="0" marL="0" rtl="0" algn="l">
-              <a:spcBef>
-                <a:spcPts val="0"/>
-              </a:spcBef>
-              <a:spcAft>
-                <a:spcPts val="0"/>
-              </a:spcAft>
-              <a:buNone/>
-            </a:pPr>
-            <a:r>
-              <a:rPr lang="en" sz="1800">
-                <a:solidFill>
-                  <a:schemeClr val="dk2"/>
-                </a:solidFill>
-                <a:latin typeface="Lato"/>
-                <a:ea typeface="Lato"/>
-                <a:cs typeface="Lato"/>
-                <a:sym typeface="Lato"/>
-              </a:rPr>
-              <a:t>Jacob finish this slide ok</a:t>
-            </a:r>
-            <a:endParaRPr sz="1800">
-              <a:solidFill>
-                <a:schemeClr val="dk2"/>
-              </a:solidFill>
-              <a:latin typeface="Lato"/>
-              <a:ea typeface="Lato"/>
-              <a:cs typeface="Lato"/>
-              <a:sym typeface="Lato"/>
-            </a:endParaRPr>
-          </a:p>
-        </p:txBody>
-      </p:sp>
-    </p:spTree>
-  </p:cSld>
-  <p:clrMapOvr>
-    <a:masterClrMapping/>
-  </p:clrMapOvr>
-</p:sld>
-</file>
-
-<file path=ppt/slides/slide13.xml><?xml version="1.0" encoding="utf-8"?>
-<p:sld xmlns:a="http://schemas.openxmlformats.org/drawingml/2006/main" xmlns:r="http://schemas.openxmlformats.org/officeDocument/2006/relationships" xmlns:mc="http://schemas.openxmlformats.org/markup-compatibility/2006" xmlns:mv="urn:schemas-microsoft-com:mac:vml" xmlns:p="http://schemas.openxmlformats.org/presentationml/2006/main" xmlns:c="http://schemas.openxmlformats.org/drawingml/2006/chart" xmlns:dgm="http://schemas.openxmlformats.org/drawingml/2006/diagram" xmlns:o="urn:schemas-microsoft-com:office:office" xmlns:v="urn:schemas-microsoft-com:vml" xmlns:pvml="urn:schemas-microsoft-com:office:powerpoint" xmlns:com="http://schemas.openxmlformats.org/drawingml/2006/compatibility" xmlns:p14="http://schemas.microsoft.com/office/powerpoint/2010/main" xmlns:p15="http://schemas.microsoft.com/office/powerpoint/2012/main" xmlns:ahyp="http://schemas.microsoft.com/office/drawing/2018/hyperlinkcolor">
-  <p:cSld>
-    <p:spTree>
-      <p:nvGrpSpPr>
-        <p:cNvPr id="132" name="Shape 132"/>
-        <p:cNvGrpSpPr/>
-        <p:nvPr/>
-      </p:nvGrpSpPr>
-      <p:grpSpPr>
-        <a:xfrm>
-          <a:off x="0" y="0"/>
-          <a:ext cx="0" cy="0"/>
-          <a:chOff x="0" y="0"/>
-          <a:chExt cx="0" cy="0"/>
-        </a:xfrm>
-      </p:grpSpPr>
-      <p:sp>
-        <p:nvSpPr>
-          <p:cNvPr id="133" name="Google Shape;133;p25"/>
-          <p:cNvSpPr txBox="1"/>
-          <p:nvPr>
-            <p:ph type="title"/>
-          </p:nvPr>
-        </p:nvSpPr>
-        <p:spPr>
-          <a:xfrm>
-            <a:off x="311700" y="391350"/>
-            <a:ext cx="8520600" cy="626100"/>
-          </a:xfrm>
-          <a:prstGeom prst="rect">
-            <a:avLst/>
-          </a:prstGeom>
-        </p:spPr>
-        <p:txBody>
-          <a:bodyPr anchorCtr="0" anchor="t" bIns="91425" lIns="91425" spcFirstLastPara="1" rIns="91425" wrap="square" tIns="91425">
-            <a:noAutofit/>
-          </a:bodyPr>
-          <a:lstStyle/>
-          <a:p>
-            <a:pPr indent="0" lvl="0" marL="0" rtl="0" algn="l">
-              <a:spcBef>
-                <a:spcPts val="0"/>
-              </a:spcBef>
-              <a:spcAft>
-                <a:spcPts val="0"/>
-              </a:spcAft>
-              <a:buNone/>
-            </a:pPr>
-            <a:r>
-              <a:rPr lang="en" sz="3600">
-                <a:solidFill>
-                  <a:srgbClr val="980000"/>
-                </a:solidFill>
-              </a:rPr>
-              <a:t>Strengths and Weaknesses</a:t>
-            </a:r>
-            <a:endParaRPr sz="3600">
-              <a:solidFill>
-                <a:srgbClr val="980000"/>
-              </a:solidFill>
-            </a:endParaRPr>
-          </a:p>
-        </p:txBody>
-      </p:sp>
-      <p:sp>
-        <p:nvSpPr>
-          <p:cNvPr id="134" name="Google Shape;134;p25"/>
-          <p:cNvSpPr txBox="1"/>
-          <p:nvPr>
-            <p:ph idx="1" type="body"/>
-          </p:nvPr>
-        </p:nvSpPr>
-        <p:spPr>
-          <a:xfrm>
-            <a:off x="311700" y="1152475"/>
-            <a:ext cx="3999900" cy="3416400"/>
-          </a:xfrm>
-          <a:prstGeom prst="rect">
-            <a:avLst/>
-          </a:prstGeom>
-        </p:spPr>
-        <p:txBody>
-          <a:bodyPr anchorCtr="0" anchor="t" bIns="91425" lIns="91425" spcFirstLastPara="1" rIns="91425" wrap="square" tIns="91425">
-            <a:normAutofit/>
-          </a:bodyPr>
-          <a:lstStyle/>
-          <a:p>
-            <a:pPr indent="0" lvl="0" marL="0" rtl="0" algn="ctr">
-              <a:spcBef>
-                <a:spcPts val="0"/>
-              </a:spcBef>
-              <a:spcAft>
-                <a:spcPts val="0"/>
-              </a:spcAft>
-              <a:buNone/>
-            </a:pPr>
-            <a:r>
-              <a:rPr b="1" lang="en" sz="2500">
-                <a:solidFill>
-                  <a:srgbClr val="980000"/>
-                </a:solidFill>
-                <a:latin typeface="Playfair Display"/>
-                <a:ea typeface="Playfair Display"/>
-                <a:cs typeface="Playfair Display"/>
-                <a:sym typeface="Playfair Display"/>
-              </a:rPr>
-              <a:t>Strengths</a:t>
-            </a:r>
-            <a:endParaRPr b="1" sz="2500">
-              <a:solidFill>
-                <a:srgbClr val="980000"/>
-              </a:solidFill>
-              <a:latin typeface="Playfair Display"/>
-              <a:ea typeface="Playfair Display"/>
-              <a:cs typeface="Playfair Display"/>
-              <a:sym typeface="Playfair Display"/>
-            </a:endParaRPr>
-          </a:p>
-          <a:p>
             <a:pPr indent="-349250" lvl="0" marL="457200" rtl="0" algn="l">
               <a:spcBef>
-                <a:spcPts val="1200"/>
-              </a:spcBef>
-              <a:spcAft>
-                <a:spcPts val="0"/>
-              </a:spcAft>
-              <a:buSzPts val="1900"/>
-              <a:buFont typeface="Playfair Display"/>
-              <a:buChar char="●"/>
-            </a:pPr>
-            <a:r>
-              <a:rPr lang="en" sz="1900">
-                <a:solidFill>
-                  <a:srgbClr val="000000"/>
-                </a:solidFill>
-                <a:latin typeface="Playfair Display"/>
-                <a:ea typeface="Playfair Display"/>
-                <a:cs typeface="Playfair Display"/>
-                <a:sym typeface="Playfair Display"/>
-              </a:rPr>
-              <a:t>Strong data and service</a:t>
-            </a:r>
-            <a:endParaRPr sz="1900">
-              <a:solidFill>
-                <a:srgbClr val="000000"/>
-              </a:solidFill>
-              <a:latin typeface="Playfair Display"/>
-              <a:ea typeface="Playfair Display"/>
-              <a:cs typeface="Playfair Display"/>
-              <a:sym typeface="Playfair Display"/>
-            </a:endParaRPr>
-          </a:p>
-          <a:p>
-            <a:pPr indent="-349250" lvl="0" marL="457200" rtl="0" algn="l">
-              <a:spcBef>
-                <a:spcPts val="0"/>
-              </a:spcBef>
-              <a:spcAft>
-                <a:spcPts val="0"/>
-              </a:spcAft>
-              <a:buSzPts val="1900"/>
-              <a:buFont typeface="Playfair Display"/>
-              <a:buChar char="●"/>
-            </a:pPr>
-            <a:r>
-              <a:rPr lang="en" sz="1900">
-                <a:solidFill>
-                  <a:srgbClr val="000000"/>
-                </a:solidFill>
-                <a:latin typeface="Playfair Display"/>
-                <a:ea typeface="Playfair Display"/>
-                <a:cs typeface="Playfair Display"/>
-                <a:sym typeface="Playfair Display"/>
-              </a:rPr>
-              <a:t>User subsystem</a:t>
-            </a:r>
-            <a:endParaRPr sz="1900">
-              <a:solidFill>
-                <a:srgbClr val="000000"/>
-              </a:solidFill>
-              <a:latin typeface="Playfair Display"/>
-              <a:ea typeface="Playfair Display"/>
-              <a:cs typeface="Playfair Display"/>
-              <a:sym typeface="Playfair Display"/>
-            </a:endParaRPr>
-          </a:p>
-          <a:p>
-            <a:pPr indent="-349250" lvl="0" marL="457200" rtl="0" algn="l">
-              <a:spcBef>
-                <a:spcPts val="0"/>
-              </a:spcBef>
-              <a:spcAft>
-                <a:spcPts val="0"/>
-              </a:spcAft>
-              <a:buSzPts val="1900"/>
-              <a:buFont typeface="Playfair Display"/>
-              <a:buChar char="●"/>
-            </a:pPr>
-            <a:r>
-              <a:rPr lang="en" sz="1900">
-                <a:solidFill>
-                  <a:srgbClr val="000000"/>
-                </a:solidFill>
-                <a:latin typeface="Playfair Display"/>
-                <a:ea typeface="Playfair Display"/>
-                <a:cs typeface="Playfair Display"/>
-                <a:sym typeface="Playfair Display"/>
-              </a:rPr>
-              <a:t>Essentially 2 apps in one (View and Rank, UpperCrust Sandwiches) </a:t>
-            </a:r>
-            <a:endParaRPr sz="1900">
-              <a:solidFill>
-                <a:srgbClr val="000000"/>
-              </a:solidFill>
-              <a:latin typeface="Playfair Display"/>
-              <a:ea typeface="Playfair Display"/>
-              <a:cs typeface="Playfair Display"/>
-              <a:sym typeface="Playfair Display"/>
-            </a:endParaRPr>
-          </a:p>
-          <a:p>
-            <a:pPr indent="0" lvl="0" marL="0" rtl="0" algn="l">
-              <a:spcBef>
-                <a:spcPts val="1200"/>
-              </a:spcBef>
-              <a:spcAft>
-                <a:spcPts val="1200"/>
-              </a:spcAft>
-              <a:buNone/>
-            </a:pPr>
-            <a:r>
-              <a:t/>
-            </a:r>
-            <a:endParaRPr>
-              <a:latin typeface="Playfair Display"/>
-              <a:ea typeface="Playfair Display"/>
-              <a:cs typeface="Playfair Display"/>
-              <a:sym typeface="Playfair Display"/>
-            </a:endParaRPr>
-          </a:p>
-        </p:txBody>
-      </p:sp>
-      <p:sp>
-        <p:nvSpPr>
-          <p:cNvPr id="135" name="Google Shape;135;p25"/>
-          <p:cNvSpPr txBox="1"/>
-          <p:nvPr>
-            <p:ph idx="2" type="body"/>
-          </p:nvPr>
-        </p:nvSpPr>
-        <p:spPr>
-          <a:xfrm>
-            <a:off x="4832400" y="1152475"/>
-            <a:ext cx="3999900" cy="3416400"/>
-          </a:xfrm>
-          <a:prstGeom prst="rect">
-            <a:avLst/>
-          </a:prstGeom>
-        </p:spPr>
-        <p:txBody>
-          <a:bodyPr anchorCtr="0" anchor="t" bIns="91425" lIns="91425" spcFirstLastPara="1" rIns="91425" wrap="square" tIns="91425">
-            <a:normAutofit/>
-          </a:bodyPr>
-          <a:lstStyle/>
-          <a:p>
-            <a:pPr indent="0" lvl="0" marL="0" rtl="0" algn="ctr">
-              <a:spcBef>
-                <a:spcPts val="0"/>
-              </a:spcBef>
-              <a:spcAft>
-                <a:spcPts val="0"/>
-              </a:spcAft>
-              <a:buNone/>
-            </a:pPr>
-            <a:r>
-              <a:rPr b="1" lang="en" sz="2500">
-                <a:solidFill>
-                  <a:srgbClr val="980000"/>
-                </a:solidFill>
-                <a:latin typeface="Playfair Display"/>
-                <a:ea typeface="Playfair Display"/>
-                <a:cs typeface="Playfair Display"/>
-                <a:sym typeface="Playfair Display"/>
-              </a:rPr>
-              <a:t>Weaknesses</a:t>
-            </a:r>
-            <a:endParaRPr sz="1900">
-              <a:solidFill>
-                <a:srgbClr val="000000"/>
-              </a:solidFill>
-              <a:latin typeface="Playfair Display"/>
-              <a:ea typeface="Playfair Display"/>
-              <a:cs typeface="Playfair Display"/>
-              <a:sym typeface="Playfair Display"/>
-            </a:endParaRPr>
-          </a:p>
-          <a:p>
-            <a:pPr indent="-349250" lvl="0" marL="457200" rtl="0" algn="l">
-              <a:spcBef>
-                <a:spcPts val="1200"/>
-              </a:spcBef>
-              <a:spcAft>
-                <a:spcPts val="0"/>
-              </a:spcAft>
-              <a:buSzPts val="1900"/>
-              <a:buFont typeface="Playfair Display"/>
-              <a:buChar char="●"/>
-            </a:pPr>
-            <a:r>
-              <a:rPr lang="en" sz="1900">
-                <a:solidFill>
-                  <a:srgbClr val="000000"/>
-                </a:solidFill>
-                <a:latin typeface="Playfair Display"/>
-                <a:ea typeface="Playfair Display"/>
-                <a:cs typeface="Playfair Display"/>
-                <a:sym typeface="Playfair Display"/>
-              </a:rPr>
-              <a:t>Database changes don’t update in real time</a:t>
-            </a:r>
-            <a:endParaRPr sz="1900">
-              <a:solidFill>
-                <a:srgbClr val="000000"/>
-              </a:solidFill>
-              <a:latin typeface="Playfair Display"/>
-              <a:ea typeface="Playfair Display"/>
-              <a:cs typeface="Playfair Display"/>
-              <a:sym typeface="Playfair Display"/>
-            </a:endParaRPr>
-          </a:p>
-          <a:p>
-            <a:pPr indent="-349250" lvl="0" marL="457200" rtl="0" algn="l">
-              <a:spcBef>
-                <a:spcPts val="0"/>
-              </a:spcBef>
-              <a:spcAft>
-                <a:spcPts val="0"/>
-              </a:spcAft>
-              <a:buClr>
-                <a:srgbClr val="000000"/>
-              </a:buClr>
-              <a:buSzPts val="1900"/>
-              <a:buFont typeface="Playfair Display"/>
-              <a:buChar char="●"/>
-            </a:pPr>
-            <a:r>
-              <a:t/>
-            </a:r>
-            <a:endParaRPr sz="1900">
-              <a:solidFill>
-                <a:srgbClr val="000000"/>
-              </a:solidFill>
-              <a:latin typeface="Playfair Display"/>
-              <a:ea typeface="Playfair Display"/>
-              <a:cs typeface="Playfair Display"/>
-              <a:sym typeface="Playfair Display"/>
-            </a:endParaRPr>
-          </a:p>
-        </p:txBody>
-      </p:sp>
-    </p:spTree>
-  </p:cSld>
-  <p:clrMapOvr>
-    <a:masterClrMapping/>
-  </p:clrMapOvr>
-</p:sld>
-</file>
-
-<file path=ppt/slides/slide14.xml><?xml version="1.0" encoding="utf-8"?>
-<p:sld xmlns:a="http://schemas.openxmlformats.org/drawingml/2006/main" xmlns:r="http://schemas.openxmlformats.org/officeDocument/2006/relationships" xmlns:mc="http://schemas.openxmlformats.org/markup-compatibility/2006" xmlns:mv="urn:schemas-microsoft-com:mac:vml" xmlns:p="http://schemas.openxmlformats.org/presentationml/2006/main" xmlns:c="http://schemas.openxmlformats.org/drawingml/2006/chart" xmlns:dgm="http://schemas.openxmlformats.org/drawingml/2006/diagram" xmlns:o="urn:schemas-microsoft-com:office:office" xmlns:v="urn:schemas-microsoft-com:vml" xmlns:pvml="urn:schemas-microsoft-com:office:powerpoint" xmlns:com="http://schemas.openxmlformats.org/drawingml/2006/compatibility" xmlns:p14="http://schemas.microsoft.com/office/powerpoint/2010/main" xmlns:p15="http://schemas.microsoft.com/office/powerpoint/2012/main" xmlns:ahyp="http://schemas.microsoft.com/office/drawing/2018/hyperlinkcolor">
-  <p:cSld>
-    <p:spTree>
-      <p:nvGrpSpPr>
-        <p:cNvPr id="139" name="Shape 139"/>
-        <p:cNvGrpSpPr/>
-        <p:nvPr/>
-      </p:nvGrpSpPr>
-      <p:grpSpPr>
-        <a:xfrm>
-          <a:off x="0" y="0"/>
-          <a:ext cx="0" cy="0"/>
-          <a:chOff x="0" y="0"/>
-          <a:chExt cx="0" cy="0"/>
-        </a:xfrm>
-      </p:grpSpPr>
-      <p:sp>
-        <p:nvSpPr>
-          <p:cNvPr id="140" name="Google Shape;140;p26"/>
-          <p:cNvSpPr txBox="1"/>
-          <p:nvPr>
-            <p:ph type="title"/>
-          </p:nvPr>
-        </p:nvSpPr>
-        <p:spPr>
-          <a:xfrm>
-            <a:off x="311700" y="391350"/>
-            <a:ext cx="8520600" cy="626100"/>
-          </a:xfrm>
-          <a:prstGeom prst="rect">
-            <a:avLst/>
-          </a:prstGeom>
-        </p:spPr>
-        <p:txBody>
-          <a:bodyPr anchorCtr="0" anchor="t" bIns="91425" lIns="91425" spcFirstLastPara="1" rIns="91425" wrap="square" tIns="91425">
-            <a:normAutofit fontScale="90000"/>
-          </a:bodyPr>
-          <a:lstStyle/>
-          <a:p>
-            <a:pPr indent="0" lvl="0" marL="0" rtl="0" algn="l">
-              <a:spcBef>
-                <a:spcPts val="0"/>
-              </a:spcBef>
-              <a:spcAft>
-                <a:spcPts val="0"/>
-              </a:spcAft>
-              <a:buNone/>
-            </a:pPr>
-            <a:r>
-              <a:rPr lang="en">
-                <a:solidFill>
-                  <a:srgbClr val="980000"/>
-                </a:solidFill>
-              </a:rPr>
-              <a:t>Future Work</a:t>
-            </a:r>
-            <a:endParaRPr>
-              <a:solidFill>
-                <a:srgbClr val="980000"/>
-              </a:solidFill>
-            </a:endParaRPr>
-          </a:p>
-        </p:txBody>
-      </p:sp>
-      <p:sp>
-        <p:nvSpPr>
-          <p:cNvPr id="141" name="Google Shape;141;p26"/>
-          <p:cNvSpPr txBox="1"/>
-          <p:nvPr>
-            <p:ph idx="1" type="body"/>
-          </p:nvPr>
-        </p:nvSpPr>
-        <p:spPr>
-          <a:xfrm>
-            <a:off x="311700" y="1152475"/>
-            <a:ext cx="3999900" cy="3416400"/>
-          </a:xfrm>
-          <a:prstGeom prst="rect">
-            <a:avLst/>
-          </a:prstGeom>
-        </p:spPr>
-        <p:txBody>
-          <a:bodyPr anchorCtr="0" anchor="t" bIns="91425" lIns="91425" spcFirstLastPara="1" rIns="91425" wrap="square" tIns="91425">
-            <a:normAutofit/>
-          </a:bodyPr>
-          <a:lstStyle/>
-          <a:p>
-            <a:pPr indent="0" lvl="0" marL="0" rtl="0" algn="ctr">
-              <a:spcBef>
-                <a:spcPts val="0"/>
-              </a:spcBef>
-              <a:spcAft>
-                <a:spcPts val="0"/>
-              </a:spcAft>
-              <a:buNone/>
-            </a:pPr>
-            <a:r>
-              <a:rPr b="1" lang="en" sz="2500">
-                <a:solidFill>
-                  <a:srgbClr val="980000"/>
-                </a:solidFill>
-                <a:latin typeface="Playfair Display"/>
-                <a:ea typeface="Playfair Display"/>
-                <a:cs typeface="Playfair Display"/>
-                <a:sym typeface="Playfair Display"/>
-              </a:rPr>
-              <a:t>Functionality</a:t>
-            </a:r>
-            <a:endParaRPr b="1" sz="2500">
-              <a:solidFill>
-                <a:srgbClr val="980000"/>
-              </a:solidFill>
-              <a:latin typeface="Playfair Display"/>
-              <a:ea typeface="Playfair Display"/>
-              <a:cs typeface="Playfair Display"/>
-              <a:sym typeface="Playfair Display"/>
-            </a:endParaRPr>
-          </a:p>
-          <a:p>
-            <a:pPr indent="-349250" lvl="0" marL="457200" rtl="0" algn="l">
-              <a:spcBef>
-                <a:spcPts val="1200"/>
-              </a:spcBef>
-              <a:spcAft>
-                <a:spcPts val="0"/>
-              </a:spcAft>
-              <a:buSzPts val="1900"/>
-              <a:buFont typeface="Playfair Display"/>
-              <a:buChar char="●"/>
-            </a:pPr>
-            <a:r>
-              <a:rPr lang="en" sz="1900">
-                <a:solidFill>
-                  <a:srgbClr val="000000"/>
-                </a:solidFill>
-                <a:latin typeface="Playfair Display"/>
-                <a:ea typeface="Playfair Display"/>
-                <a:cs typeface="Playfair Display"/>
-                <a:sym typeface="Playfair Display"/>
-              </a:rPr>
-              <a:t>Would like our dietary restriction list expansion (gluten free, dairy free, nut free)</a:t>
-            </a:r>
-            <a:endParaRPr sz="1900">
-              <a:solidFill>
-                <a:srgbClr val="000000"/>
-              </a:solidFill>
-              <a:latin typeface="Playfair Display"/>
-              <a:ea typeface="Playfair Display"/>
-              <a:cs typeface="Playfair Display"/>
-              <a:sym typeface="Playfair Display"/>
-            </a:endParaRPr>
-          </a:p>
-          <a:p>
-            <a:pPr indent="-349250" lvl="0" marL="457200" rtl="0" algn="l">
-              <a:spcBef>
-                <a:spcPts val="0"/>
-              </a:spcBef>
-              <a:spcAft>
-                <a:spcPts val="0"/>
-              </a:spcAft>
-              <a:buSzPts val="1900"/>
-              <a:buFont typeface="Playfair Display"/>
-              <a:buChar char="●"/>
-            </a:pPr>
-            <a:r>
-              <a:rPr lang="en" sz="1900">
-                <a:solidFill>
-                  <a:srgbClr val="000000"/>
-                </a:solidFill>
-                <a:latin typeface="Playfair Display"/>
-                <a:ea typeface="Playfair Display"/>
-                <a:cs typeface="Playfair Display"/>
-                <a:sym typeface="Playfair Display"/>
-              </a:rPr>
-              <a:t>More weight to people with dietary restrictions</a:t>
-            </a:r>
-            <a:endParaRPr sz="1900">
-              <a:solidFill>
-                <a:srgbClr val="000000"/>
-              </a:solidFill>
-              <a:latin typeface="Playfair Display"/>
-              <a:ea typeface="Playfair Display"/>
-              <a:cs typeface="Playfair Display"/>
-              <a:sym typeface="Playfair Display"/>
-            </a:endParaRPr>
-          </a:p>
-          <a:p>
-            <a:pPr indent="-349250" lvl="0" marL="457200" rtl="0" algn="l">
-              <a:spcBef>
-                <a:spcPts val="0"/>
-              </a:spcBef>
-              <a:spcAft>
-                <a:spcPts val="0"/>
-              </a:spcAft>
-              <a:buSzPts val="1900"/>
-              <a:buFont typeface="Playfair Display"/>
-              <a:buChar char="●"/>
-            </a:pPr>
-            <a:r>
-              <a:rPr lang="en" sz="1900">
-                <a:solidFill>
-                  <a:srgbClr val="000000"/>
-                </a:solidFill>
-                <a:latin typeface="Playfair Display"/>
-                <a:ea typeface="Playfair Display"/>
-                <a:cs typeface="Playfair Display"/>
-                <a:sym typeface="Playfair Display"/>
-              </a:rPr>
-              <a:t>A more unified image collection</a:t>
-            </a:r>
-            <a:endParaRPr sz="1900">
-              <a:solidFill>
-                <a:srgbClr val="000000"/>
-              </a:solidFill>
-              <a:latin typeface="Playfair Display"/>
-              <a:ea typeface="Playfair Display"/>
-              <a:cs typeface="Playfair Display"/>
-              <a:sym typeface="Playfair Display"/>
-            </a:endParaRPr>
-          </a:p>
-        </p:txBody>
-      </p:sp>
-      <p:sp>
-        <p:nvSpPr>
-          <p:cNvPr id="142" name="Google Shape;142;p26"/>
-          <p:cNvSpPr txBox="1"/>
-          <p:nvPr>
-            <p:ph idx="2" type="body"/>
-          </p:nvPr>
-        </p:nvSpPr>
-        <p:spPr>
-          <a:xfrm>
-            <a:off x="4832400" y="1152475"/>
-            <a:ext cx="3999900" cy="3416400"/>
-          </a:xfrm>
-          <a:prstGeom prst="rect">
-            <a:avLst/>
-          </a:prstGeom>
-        </p:spPr>
-        <p:txBody>
-          <a:bodyPr anchorCtr="0" anchor="t" bIns="91425" lIns="91425" spcFirstLastPara="1" rIns="91425" wrap="square" tIns="91425">
-            <a:normAutofit/>
-          </a:bodyPr>
-          <a:lstStyle/>
-          <a:p>
-            <a:pPr indent="0" lvl="0" marL="457200" rtl="0" algn="ctr">
-              <a:spcBef>
-                <a:spcPts val="0"/>
-              </a:spcBef>
-              <a:spcAft>
-                <a:spcPts val="0"/>
-              </a:spcAft>
-              <a:buNone/>
-            </a:pPr>
-            <a:r>
-              <a:rPr b="1" lang="en" sz="2500">
-                <a:solidFill>
-                  <a:srgbClr val="980000"/>
-                </a:solidFill>
-                <a:latin typeface="Playfair Display"/>
-                <a:ea typeface="Playfair Display"/>
-                <a:cs typeface="Playfair Display"/>
-                <a:sym typeface="Playfair Display"/>
-              </a:rPr>
-              <a:t>Future Prospects</a:t>
-            </a:r>
-            <a:endParaRPr b="1" sz="2500">
-              <a:solidFill>
-                <a:srgbClr val="980000"/>
-              </a:solidFill>
-              <a:latin typeface="Playfair Display"/>
-              <a:ea typeface="Playfair Display"/>
-              <a:cs typeface="Playfair Display"/>
-              <a:sym typeface="Playfair Display"/>
-            </a:endParaRPr>
-          </a:p>
-          <a:p>
-            <a:pPr indent="-349250" lvl="0" marL="457200" rtl="0" algn="l">
-              <a:spcBef>
-                <a:spcPts val="1200"/>
+                <a:spcPts val="0"/>
               </a:spcBef>
               <a:spcAft>
                 <a:spcPts val="0"/>
@@ -9462,20 +10363,14 @@
             </a:pPr>
             <a:r>
               <a:rPr lang="en" sz="1900">
-                <a:solidFill>
-                  <a:srgbClr val="000000"/>
-                </a:solidFill>
                 <a:latin typeface="Playfair Display"/>
                 <a:ea typeface="Playfair Display"/>
                 <a:cs typeface="Playfair Display"/>
                 <a:sym typeface="Playfair Display"/>
               </a:rPr>
-              <a:t>Connect our database to Calvin Dining Services database for immediate updates</a:t>
+              <a:t>Advanced search and filtering options</a:t>
             </a:r>
             <a:endParaRPr sz="1900">
-              <a:solidFill>
-                <a:srgbClr val="000000"/>
-              </a:solidFill>
               <a:latin typeface="Playfair Display"/>
               <a:ea typeface="Playfair Display"/>
               <a:cs typeface="Playfair Display"/>
@@ -9483,22 +10378,154 @@
             </a:endParaRPr>
           </a:p>
           <a:p>
-            <a:pPr indent="0" lvl="0" marL="0" rtl="0" algn="l">
-              <a:spcBef>
-                <a:spcPts val="1200"/>
-              </a:spcBef>
-              <a:spcAft>
-                <a:spcPts val="1200"/>
-              </a:spcAft>
-              <a:buNone/>
-            </a:pPr>
-            <a:r>
-              <a:t/>
+            <a:pPr indent="-349250" lvl="1" marL="914400" rtl="0" algn="l">
+              <a:spcBef>
+                <a:spcPts val="0"/>
+              </a:spcBef>
+              <a:spcAft>
+                <a:spcPts val="0"/>
+              </a:spcAft>
+              <a:buClr>
+                <a:srgbClr val="980000"/>
+              </a:buClr>
+              <a:buSzPts val="1900"/>
+              <a:buFont typeface="Playfair Display"/>
+              <a:buChar char="○"/>
+            </a:pPr>
+            <a:r>
+              <a:rPr lang="en" sz="1900">
+                <a:latin typeface="Playfair Display"/>
+                <a:ea typeface="Playfair Display"/>
+                <a:cs typeface="Playfair Display"/>
+                <a:sym typeface="Playfair Display"/>
+              </a:rPr>
+              <a:t>Greater sorting features</a:t>
             </a:r>
             <a:endParaRPr sz="1900">
-              <a:solidFill>
-                <a:srgbClr val="000000"/>
-              </a:solidFill>
+              <a:latin typeface="Playfair Display"/>
+              <a:ea typeface="Playfair Display"/>
+              <a:cs typeface="Playfair Display"/>
+              <a:sym typeface="Playfair Display"/>
+            </a:endParaRPr>
+          </a:p>
+          <a:p>
+            <a:pPr indent="-349250" lvl="0" marL="457200" rtl="0" algn="l">
+              <a:spcBef>
+                <a:spcPts val="0"/>
+              </a:spcBef>
+              <a:spcAft>
+                <a:spcPts val="0"/>
+              </a:spcAft>
+              <a:buClr>
+                <a:srgbClr val="980000"/>
+              </a:buClr>
+              <a:buSzPts val="1900"/>
+              <a:buFont typeface="Playfair Display"/>
+              <a:buChar char="●"/>
+            </a:pPr>
+            <a:r>
+              <a:rPr lang="en" sz="1900">
+                <a:latin typeface="Playfair Display"/>
+                <a:ea typeface="Playfair Display"/>
+                <a:cs typeface="Playfair Display"/>
+                <a:sym typeface="Playfair Display"/>
+              </a:rPr>
+              <a:t>Better UpperCrust user interface</a:t>
+            </a:r>
+            <a:endParaRPr sz="1900">
+              <a:latin typeface="Playfair Display"/>
+              <a:ea typeface="Playfair Display"/>
+              <a:cs typeface="Playfair Display"/>
+              <a:sym typeface="Playfair Display"/>
+            </a:endParaRPr>
+          </a:p>
+          <a:p>
+            <a:pPr indent="-349250" lvl="0" marL="457200" rtl="0" algn="l">
+              <a:spcBef>
+                <a:spcPts val="0"/>
+              </a:spcBef>
+              <a:spcAft>
+                <a:spcPts val="0"/>
+              </a:spcAft>
+              <a:buClr>
+                <a:srgbClr val="980000"/>
+              </a:buClr>
+              <a:buSzPts val="1900"/>
+              <a:buFont typeface="Playfair Display"/>
+              <a:buChar char="●"/>
+            </a:pPr>
+            <a:r>
+              <a:rPr lang="en" sz="1900">
+                <a:latin typeface="Playfair Display"/>
+                <a:ea typeface="Playfair Display"/>
+                <a:cs typeface="Playfair Display"/>
+                <a:sym typeface="Playfair Display"/>
+              </a:rPr>
+              <a:t>FAQ page with helpful tips</a:t>
+            </a:r>
+            <a:endParaRPr sz="1900">
+              <a:latin typeface="Playfair Display"/>
+              <a:ea typeface="Playfair Display"/>
+              <a:cs typeface="Playfair Display"/>
+              <a:sym typeface="Playfair Display"/>
+            </a:endParaRPr>
+          </a:p>
+          <a:p>
+            <a:pPr indent="-349250" lvl="0" marL="457200" rtl="0" algn="l">
+              <a:spcBef>
+                <a:spcPts val="0"/>
+              </a:spcBef>
+              <a:spcAft>
+                <a:spcPts val="0"/>
+              </a:spcAft>
+              <a:buClr>
+                <a:srgbClr val="980000"/>
+              </a:buClr>
+              <a:buSzPts val="1900"/>
+              <a:buFont typeface="Playfair Display"/>
+              <a:buChar char="●"/>
+            </a:pPr>
+            <a:r>
+              <a:rPr lang="en" sz="1900">
+                <a:latin typeface="Playfair Display"/>
+                <a:ea typeface="Playfair Display"/>
+                <a:cs typeface="Playfair Display"/>
+                <a:sym typeface="Playfair Display"/>
+              </a:rPr>
+              <a:t>Prayer Page implemented</a:t>
+            </a:r>
+            <a:endParaRPr sz="1900">
+              <a:latin typeface="Playfair Display"/>
+              <a:ea typeface="Playfair Display"/>
+              <a:cs typeface="Playfair Display"/>
+              <a:sym typeface="Playfair Display"/>
+            </a:endParaRPr>
+          </a:p>
+          <a:p>
+            <a:pPr indent="-349250" lvl="1" marL="914400" rtl="0" algn="l">
+              <a:spcBef>
+                <a:spcPts val="0"/>
+              </a:spcBef>
+              <a:spcAft>
+                <a:spcPts val="0"/>
+              </a:spcAft>
+              <a:buClr>
+                <a:srgbClr val="980000"/>
+              </a:buClr>
+              <a:buSzPts val="1900"/>
+              <a:buFont typeface="Playfair Display"/>
+              <a:buChar char="○"/>
+            </a:pPr>
+            <a:r>
+              <a:rPr lang="en" sz="1900">
+                <a:latin typeface="Playfair Display"/>
+                <a:ea typeface="Playfair Display"/>
+                <a:cs typeface="Playfair Display"/>
+                <a:sym typeface="Playfair Display"/>
+              </a:rPr>
+              <a:t>With special prayers from devs</a:t>
+            </a:r>
+            <a:endParaRPr sz="1900">
               <a:latin typeface="Playfair Display"/>
               <a:ea typeface="Playfair Display"/>
               <a:cs typeface="Playfair Display"/>
@@ -9520,7 +10547,7 @@
   <p:cSld>
     <p:spTree>
       <p:nvGrpSpPr>
-        <p:cNvPr id="146" name="Shape 146"/>
+        <p:cNvPr id="150" name="Shape 150"/>
         <p:cNvGrpSpPr/>
         <p:nvPr/>
       </p:nvGrpSpPr>
@@ -9534,340 +10561,7 @@
       </p:grpSpPr>
       <p:sp>
         <p:nvSpPr>
-          <p:cNvPr id="147" name="Google Shape;147;p27"/>
-          <p:cNvSpPr txBox="1"/>
-          <p:nvPr>
-            <p:ph type="title"/>
-          </p:nvPr>
-        </p:nvSpPr>
-        <p:spPr>
-          <a:xfrm>
-            <a:off x="311700" y="391350"/>
-            <a:ext cx="8520600" cy="626100"/>
-          </a:xfrm>
-          <a:prstGeom prst="rect">
-            <a:avLst/>
-          </a:prstGeom>
-        </p:spPr>
-        <p:txBody>
-          <a:bodyPr anchorCtr="0" anchor="t" bIns="91425" lIns="91425" spcFirstLastPara="1" rIns="91425" wrap="square" tIns="91425">
-            <a:normAutofit fontScale="90000"/>
-          </a:bodyPr>
-          <a:lstStyle/>
-          <a:p>
-            <a:pPr indent="0" lvl="0" marL="0" rtl="0" algn="l">
-              <a:spcBef>
-                <a:spcPts val="0"/>
-              </a:spcBef>
-              <a:spcAft>
-                <a:spcPts val="0"/>
-              </a:spcAft>
-              <a:buNone/>
-            </a:pPr>
-            <a:r>
-              <a:rPr lang="en">
-                <a:solidFill>
-                  <a:srgbClr val="980000"/>
-                </a:solidFill>
-              </a:rPr>
-              <a:t>Social/Ethical Implications</a:t>
-            </a:r>
-            <a:endParaRPr>
-              <a:solidFill>
-                <a:srgbClr val="980000"/>
-              </a:solidFill>
-            </a:endParaRPr>
-          </a:p>
-        </p:txBody>
-      </p:sp>
-      <p:sp>
-        <p:nvSpPr>
-          <p:cNvPr id="148" name="Google Shape;148;p27"/>
-          <p:cNvSpPr txBox="1"/>
-          <p:nvPr>
-            <p:ph idx="1" type="body"/>
-          </p:nvPr>
-        </p:nvSpPr>
-        <p:spPr>
-          <a:xfrm>
-            <a:off x="311700" y="1152475"/>
-            <a:ext cx="3999900" cy="3416400"/>
-          </a:xfrm>
-          <a:prstGeom prst="rect">
-            <a:avLst/>
-          </a:prstGeom>
-        </p:spPr>
-        <p:txBody>
-          <a:bodyPr anchorCtr="0" anchor="t" bIns="91425" lIns="91425" spcFirstLastPara="1" rIns="91425" wrap="square" tIns="91425">
-            <a:noAutofit/>
-          </a:bodyPr>
-          <a:lstStyle/>
-          <a:p>
-            <a:pPr indent="0" lvl="0" marL="0" rtl="0" algn="ctr">
-              <a:spcBef>
-                <a:spcPts val="0"/>
-              </a:spcBef>
-              <a:spcAft>
-                <a:spcPts val="0"/>
-              </a:spcAft>
-              <a:buNone/>
-            </a:pPr>
-            <a:r>
-              <a:rPr b="1" lang="en" sz="2500">
-                <a:solidFill>
-                  <a:srgbClr val="980000"/>
-                </a:solidFill>
-                <a:latin typeface="Playfair Display"/>
-                <a:ea typeface="Playfair Display"/>
-                <a:cs typeface="Playfair Display"/>
-                <a:sym typeface="Playfair Display"/>
-              </a:rPr>
-              <a:t>Ethical Implications</a:t>
-            </a:r>
-            <a:endParaRPr b="1" sz="2500">
-              <a:solidFill>
-                <a:srgbClr val="980000"/>
-              </a:solidFill>
-              <a:latin typeface="Playfair Display"/>
-              <a:ea typeface="Playfair Display"/>
-              <a:cs typeface="Playfair Display"/>
-              <a:sym typeface="Playfair Display"/>
-            </a:endParaRPr>
-          </a:p>
-          <a:p>
-            <a:pPr indent="-349250" lvl="0" marL="457200" rtl="0" algn="l">
-              <a:spcBef>
-                <a:spcPts val="1200"/>
-              </a:spcBef>
-              <a:spcAft>
-                <a:spcPts val="0"/>
-              </a:spcAft>
-              <a:buClr>
-                <a:srgbClr val="000000"/>
-              </a:buClr>
-              <a:buSzPts val="1900"/>
-              <a:buFont typeface="Playfair Display"/>
-              <a:buChar char="●"/>
-            </a:pPr>
-            <a:r>
-              <a:rPr lang="en" sz="1900">
-                <a:solidFill>
-                  <a:srgbClr val="000000"/>
-                </a:solidFill>
-                <a:latin typeface="Playfair Display"/>
-                <a:ea typeface="Playfair Display"/>
-                <a:cs typeface="Playfair Display"/>
-                <a:sym typeface="Playfair Display"/>
-              </a:rPr>
-              <a:t>How does this affect the dining hall workers? </a:t>
-            </a:r>
-            <a:endParaRPr sz="1900">
-              <a:solidFill>
-                <a:srgbClr val="000000"/>
-              </a:solidFill>
-              <a:latin typeface="Playfair Display"/>
-              <a:ea typeface="Playfair Display"/>
-              <a:cs typeface="Playfair Display"/>
-              <a:sym typeface="Playfair Display"/>
-            </a:endParaRPr>
-          </a:p>
-          <a:p>
-            <a:pPr indent="-349250" lvl="0" marL="457200" rtl="0" algn="l">
-              <a:spcBef>
-                <a:spcPts val="0"/>
-              </a:spcBef>
-              <a:spcAft>
-                <a:spcPts val="0"/>
-              </a:spcAft>
-              <a:buClr>
-                <a:srgbClr val="000000"/>
-              </a:buClr>
-              <a:buSzPts val="1900"/>
-              <a:buFont typeface="Playfair Display"/>
-              <a:buChar char="●"/>
-            </a:pPr>
-            <a:r>
-              <a:rPr lang="en" sz="1900">
-                <a:solidFill>
-                  <a:srgbClr val="000000"/>
-                </a:solidFill>
-                <a:latin typeface="Playfair Display"/>
-                <a:ea typeface="Playfair Display"/>
-                <a:cs typeface="Playfair Display"/>
-                <a:sym typeface="Playfair Display"/>
-              </a:rPr>
-              <a:t>Does this affect allergen friendly, cultural, or unpopular foods? </a:t>
-            </a:r>
-            <a:endParaRPr sz="1900">
-              <a:solidFill>
-                <a:srgbClr val="000000"/>
-              </a:solidFill>
-              <a:latin typeface="Playfair Display"/>
-              <a:ea typeface="Playfair Display"/>
-              <a:cs typeface="Playfair Display"/>
-              <a:sym typeface="Playfair Display"/>
-            </a:endParaRPr>
-          </a:p>
-        </p:txBody>
-      </p:sp>
-      <p:sp>
-        <p:nvSpPr>
-          <p:cNvPr id="149" name="Google Shape;149;p27"/>
-          <p:cNvSpPr txBox="1"/>
-          <p:nvPr>
-            <p:ph idx="1" type="body"/>
-          </p:nvPr>
-        </p:nvSpPr>
-        <p:spPr>
-          <a:xfrm>
-            <a:off x="4832400" y="1152475"/>
-            <a:ext cx="3999900" cy="3416400"/>
-          </a:xfrm>
-          <a:prstGeom prst="rect">
-            <a:avLst/>
-          </a:prstGeom>
-        </p:spPr>
-        <p:txBody>
-          <a:bodyPr anchorCtr="0" anchor="t" bIns="91425" lIns="91425" spcFirstLastPara="1" rIns="91425" wrap="square" tIns="91425">
-            <a:noAutofit/>
-          </a:bodyPr>
-          <a:lstStyle/>
-          <a:p>
-            <a:pPr indent="0" lvl="0" marL="0" rtl="0" algn="ctr">
-              <a:spcBef>
-                <a:spcPts val="0"/>
-              </a:spcBef>
-              <a:spcAft>
-                <a:spcPts val="0"/>
-              </a:spcAft>
-              <a:buNone/>
-            </a:pPr>
-            <a:r>
-              <a:rPr b="1" lang="en" sz="2500">
-                <a:solidFill>
-                  <a:srgbClr val="980000"/>
-                </a:solidFill>
-                <a:latin typeface="Playfair Display"/>
-                <a:ea typeface="Playfair Display"/>
-                <a:cs typeface="Playfair Display"/>
-                <a:sym typeface="Playfair Display"/>
-              </a:rPr>
-              <a:t>Postman</a:t>
-            </a:r>
-            <a:endParaRPr b="1" sz="2500">
-              <a:solidFill>
-                <a:srgbClr val="980000"/>
-              </a:solidFill>
-              <a:latin typeface="Playfair Display"/>
-              <a:ea typeface="Playfair Display"/>
-              <a:cs typeface="Playfair Display"/>
-              <a:sym typeface="Playfair Display"/>
-            </a:endParaRPr>
-          </a:p>
-          <a:p>
-            <a:pPr indent="-349250" lvl="0" marL="457200" rtl="0" algn="l">
-              <a:spcBef>
-                <a:spcPts val="1200"/>
-              </a:spcBef>
-              <a:spcAft>
-                <a:spcPts val="0"/>
-              </a:spcAft>
-              <a:buClr>
-                <a:srgbClr val="000000"/>
-              </a:buClr>
-              <a:buSzPts val="1900"/>
-              <a:buFont typeface="Playfair Display"/>
-              <a:buChar char="●"/>
-            </a:pPr>
-            <a:r>
-              <a:rPr lang="en" sz="1900">
-                <a:solidFill>
-                  <a:srgbClr val="000000"/>
-                </a:solidFill>
-                <a:latin typeface="Playfair Display"/>
-                <a:ea typeface="Playfair Display"/>
-                <a:cs typeface="Playfair Display"/>
-                <a:sym typeface="Playfair Display"/>
-              </a:rPr>
-              <a:t>Idea #1: Technology giveth and technology taketh away</a:t>
-            </a:r>
-            <a:endParaRPr sz="1900">
-              <a:solidFill>
-                <a:srgbClr val="000000"/>
-              </a:solidFill>
-              <a:latin typeface="Playfair Display"/>
-              <a:ea typeface="Playfair Display"/>
-              <a:cs typeface="Playfair Display"/>
-              <a:sym typeface="Playfair Display"/>
-            </a:endParaRPr>
-          </a:p>
-          <a:p>
-            <a:pPr indent="-349250" lvl="0" marL="457200" rtl="0" algn="l">
-              <a:spcBef>
-                <a:spcPts val="0"/>
-              </a:spcBef>
-              <a:spcAft>
-                <a:spcPts val="0"/>
-              </a:spcAft>
-              <a:buClr>
-                <a:srgbClr val="000000"/>
-              </a:buClr>
-              <a:buSzPts val="1900"/>
-              <a:buFont typeface="Playfair Display"/>
-              <a:buChar char="●"/>
-            </a:pPr>
-            <a:r>
-              <a:rPr lang="en" sz="1900">
-                <a:solidFill>
-                  <a:srgbClr val="000000"/>
-                </a:solidFill>
-                <a:latin typeface="Playfair Display"/>
-                <a:ea typeface="Playfair Display"/>
-                <a:cs typeface="Playfair Display"/>
-                <a:sym typeface="Playfair Display"/>
-              </a:rPr>
-              <a:t>Idea #3: Every dish is being boiled down </a:t>
-            </a:r>
-            <a:endParaRPr sz="1900">
-              <a:solidFill>
-                <a:srgbClr val="000000"/>
-              </a:solidFill>
-              <a:latin typeface="Playfair Display"/>
-              <a:ea typeface="Playfair Display"/>
-              <a:cs typeface="Playfair Display"/>
-              <a:sym typeface="Playfair Display"/>
-            </a:endParaRPr>
-          </a:p>
-        </p:txBody>
-      </p:sp>
-    </p:spTree>
-  </p:cSld>
-  <p:clrMapOvr>
-    <a:masterClrMapping/>
-  </p:clrMapOvr>
-</p:sld>
-</file>
-
-<file path=ppt/slides/slide16.xml><?xml version="1.0" encoding="utf-8"?>
-<p:sld xmlns:a="http://schemas.openxmlformats.org/drawingml/2006/main" xmlns:r="http://schemas.openxmlformats.org/officeDocument/2006/relationships" xmlns:mc="http://schemas.openxmlformats.org/markup-compatibility/2006" xmlns:mv="urn:schemas-microsoft-com:mac:vml" xmlns:p="http://schemas.openxmlformats.org/presentationml/2006/main" xmlns:c="http://schemas.openxmlformats.org/drawingml/2006/chart" xmlns:dgm="http://schemas.openxmlformats.org/drawingml/2006/diagram" xmlns:o="urn:schemas-microsoft-com:office:office" xmlns:v="urn:schemas-microsoft-com:vml" xmlns:pvml="urn:schemas-microsoft-com:office:powerpoint" xmlns:com="http://schemas.openxmlformats.org/drawingml/2006/compatibility" xmlns:p14="http://schemas.microsoft.com/office/powerpoint/2010/main" xmlns:p15="http://schemas.microsoft.com/office/powerpoint/2012/main" xmlns:ahyp="http://schemas.microsoft.com/office/drawing/2018/hyperlinkcolor">
-  <p:cSld>
-    <p:spTree>
-      <p:nvGrpSpPr>
-        <p:cNvPr id="153" name="Shape 153"/>
-        <p:cNvGrpSpPr/>
-        <p:nvPr/>
-      </p:nvGrpSpPr>
-      <p:grpSpPr>
-        <a:xfrm>
-          <a:off x="0" y="0"/>
-          <a:ext cx="0" cy="0"/>
-          <a:chOff x="0" y="0"/>
-          <a:chExt cx="0" cy="0"/>
-        </a:xfrm>
-      </p:grpSpPr>
-      <p:sp>
-        <p:nvSpPr>
-          <p:cNvPr id="154" name="Google Shape;154;p28"/>
+          <p:cNvPr id="151" name="Google Shape;151;p27"/>
           <p:cNvSpPr txBox="1"/>
           <p:nvPr>
             <p:ph type="title"/>
@@ -10183,7 +10877,7 @@
         </p:nvSpPr>
         <p:spPr>
           <a:xfrm>
-            <a:off x="509550" y="1423875"/>
+            <a:off x="2121150" y="1326000"/>
             <a:ext cx="8124900" cy="1798200"/>
           </a:xfrm>
           <a:prstGeom prst="rect">
@@ -10231,7 +10925,7 @@
         </p:nvSpPr>
         <p:spPr>
           <a:xfrm>
-            <a:off x="2267400" y="2854575"/>
+            <a:off x="4443775" y="2628675"/>
             <a:ext cx="4609200" cy="367500"/>
           </a:xfrm>
           <a:prstGeom prst="rect">
@@ -10281,6 +10975,41 @@
           </a:p>
         </p:txBody>
       </p:sp>
+      <p:pic>
+        <p:nvPicPr>
+          <p:cNvPr id="74" name="Google Shape;74;p15"/>
+          <p:cNvPicPr preferRelativeResize="0"/>
+          <p:nvPr/>
+        </p:nvPicPr>
+        <p:blipFill>
+          <a:blip r:embed="rId3">
+            <a:alphaModFix/>
+          </a:blip>
+          <a:stretch>
+            <a:fillRect/>
+          </a:stretch>
+        </p:blipFill>
+        <p:spPr>
+          <a:xfrm>
+            <a:off x="373500" y="528099"/>
+            <a:ext cx="2684301" cy="4087301"/>
+          </a:xfrm>
+          <a:prstGeom prst="rect">
+            <a:avLst/>
+          </a:prstGeom>
+          <a:noFill/>
+          <a:ln>
+            <a:noFill/>
+          </a:ln>
+          <a:effectLst>
+            <a:outerShdw blurRad="57150" rotWithShape="0" algn="bl" dir="5400000" dist="38100">
+              <a:srgbClr val="000000">
+                <a:alpha val="50000"/>
+              </a:srgbClr>
+            </a:outerShdw>
+          </a:effectLst>
+        </p:spPr>
+      </p:pic>
     </p:spTree>
   </p:cSld>
   <p:clrMapOvr>
@@ -10294,7 +11023,7 @@
   <p:cSld>
     <p:spTree>
       <p:nvGrpSpPr>
-        <p:cNvPr id="77" name="Shape 77"/>
+        <p:cNvPr id="78" name="Shape 78"/>
         <p:cNvGrpSpPr/>
         <p:nvPr/>
       </p:nvGrpSpPr>
@@ -10308,7 +11037,7 @@
       </p:grpSpPr>
       <p:sp>
         <p:nvSpPr>
-          <p:cNvPr id="78" name="Google Shape;78;p16"/>
+          <p:cNvPr id="79" name="Google Shape;79;p16"/>
           <p:cNvSpPr txBox="1"/>
           <p:nvPr>
             <p:ph type="title"/>
@@ -10369,7 +11098,7 @@
   <p:cSld>
     <p:spTree>
       <p:nvGrpSpPr>
-        <p:cNvPr id="82" name="Shape 82"/>
+        <p:cNvPr id="83" name="Shape 83"/>
         <p:cNvGrpSpPr/>
         <p:nvPr/>
       </p:nvGrpSpPr>
@@ -10383,7 +11112,7 @@
       </p:grpSpPr>
       <p:sp>
         <p:nvSpPr>
-          <p:cNvPr id="83" name="Google Shape;83;p17"/>
+          <p:cNvPr id="84" name="Google Shape;84;p17"/>
           <p:cNvSpPr txBox="1"/>
           <p:nvPr>
             <p:ph type="title"/>
@@ -10423,7 +11152,7 @@
       </p:sp>
       <p:sp>
         <p:nvSpPr>
-          <p:cNvPr id="84" name="Google Shape;84;p17"/>
+          <p:cNvPr id="85" name="Google Shape;85;p17"/>
           <p:cNvSpPr txBox="1"/>
           <p:nvPr>
             <p:ph idx="1" type="body"/>
@@ -10526,7 +11255,7 @@
                 <a:spcPts val="0"/>
               </a:spcAft>
               <a:buClr>
-                <a:srgbClr val="000000"/>
+                <a:srgbClr val="980000"/>
               </a:buClr>
               <a:buSzPts val="1900"/>
               <a:buFont typeface="Playfair Display"/>
@@ -10543,43 +11272,6 @@
                 <a:sym typeface="Playfair Display"/>
               </a:rPr>
               <a:t>Less time rewriting same code</a:t>
-            </a:r>
-            <a:endParaRPr sz="1900">
-              <a:solidFill>
-                <a:srgbClr val="000000"/>
-              </a:solidFill>
-              <a:latin typeface="Playfair Display"/>
-              <a:ea typeface="Playfair Display"/>
-              <a:cs typeface="Playfair Display"/>
-              <a:sym typeface="Playfair Display"/>
-            </a:endParaRPr>
-          </a:p>
-          <a:p>
-            <a:pPr indent="-349250" lvl="0" marL="457200" rtl="0" algn="l">
-              <a:spcBef>
-                <a:spcPts val="0"/>
-              </a:spcBef>
-              <a:spcAft>
-                <a:spcPts val="0"/>
-              </a:spcAft>
-              <a:buClr>
-                <a:srgbClr val="980000"/>
-              </a:buClr>
-              <a:buSzPts val="1900"/>
-              <a:buFont typeface="Playfair Display"/>
-              <a:buChar char="●"/>
-            </a:pPr>
-            <a:r>
-              <a:rPr lang="en" sz="1900">
-                <a:solidFill>
-                  <a:srgbClr val="000000"/>
-                </a:solidFill>
-                <a:latin typeface="Playfair Display"/>
-                <a:ea typeface="Playfair Display"/>
-                <a:cs typeface="Playfair Display"/>
-                <a:sym typeface="Playfair Display"/>
-              </a:rPr>
-              <a:t>Tested with Expo</a:t>
             </a:r>
             <a:endParaRPr sz="1900">
               <a:solidFill>
@@ -10606,7 +11298,7 @@
   <p:cSld>
     <p:spTree>
       <p:nvGrpSpPr>
-        <p:cNvPr id="88" name="Shape 88"/>
+        <p:cNvPr id="89" name="Shape 89"/>
         <p:cNvGrpSpPr/>
         <p:nvPr/>
       </p:nvGrpSpPr>
@@ -10620,7 +11312,7 @@
       </p:grpSpPr>
       <p:sp>
         <p:nvSpPr>
-          <p:cNvPr id="89" name="Google Shape;89;p18"/>
+          <p:cNvPr id="90" name="Google Shape;90;p18"/>
           <p:cNvSpPr txBox="1"/>
           <p:nvPr>
             <p:ph type="title"/>
@@ -10668,7 +11360,7 @@
       </p:sp>
       <p:sp>
         <p:nvSpPr>
-          <p:cNvPr id="90" name="Google Shape;90;p18"/>
+          <p:cNvPr id="91" name="Google Shape;91;p18"/>
           <p:cNvSpPr txBox="1"/>
           <p:nvPr>
             <p:ph idx="1" type="body"/>
@@ -10847,7 +11539,7 @@
       </p:sp>
       <p:sp>
         <p:nvSpPr>
-          <p:cNvPr id="91" name="Google Shape;91;p18"/>
+          <p:cNvPr id="92" name="Google Shape;92;p18"/>
           <p:cNvSpPr txBox="1"/>
           <p:nvPr>
             <p:ph idx="2" type="body"/>
@@ -10988,7 +11680,7 @@
   <p:cSld>
     <p:spTree>
       <p:nvGrpSpPr>
-        <p:cNvPr id="95" name="Shape 95"/>
+        <p:cNvPr id="96" name="Shape 96"/>
         <p:cNvGrpSpPr/>
         <p:nvPr/>
       </p:nvGrpSpPr>
@@ -11002,7 +11694,7 @@
       </p:grpSpPr>
       <p:sp>
         <p:nvSpPr>
-          <p:cNvPr id="96" name="Google Shape;96;p19"/>
+          <p:cNvPr id="97" name="Google Shape;97;p19"/>
           <p:cNvSpPr txBox="1"/>
           <p:nvPr>
             <p:ph type="title"/>
@@ -11039,15 +11731,6 @@
                 <a:cs typeface="Playfair Display"/>
                 <a:sym typeface="Playfair Display"/>
               </a:rPr>
-              <a:t>Analysis &amp; </a:t>
-            </a:r>
-            <a:r>
-              <a:rPr lang="en" sz="6000">
-                <a:latin typeface="Playfair Display"/>
-                <a:ea typeface="Playfair Display"/>
-                <a:cs typeface="Playfair Display"/>
-                <a:sym typeface="Playfair Display"/>
-              </a:rPr>
               <a:t>Design</a:t>
             </a:r>
             <a:endParaRPr sz="6000">
@@ -11072,7 +11755,7 @@
   <p:cSld>
     <p:spTree>
       <p:nvGrpSpPr>
-        <p:cNvPr id="100" name="Shape 100"/>
+        <p:cNvPr id="101" name="Shape 101"/>
         <p:cNvGrpSpPr/>
         <p:nvPr/>
       </p:nvGrpSpPr>
@@ -11086,7 +11769,7 @@
       </p:grpSpPr>
       <p:sp>
         <p:nvSpPr>
-          <p:cNvPr id="101" name="Google Shape;101;p20"/>
+          <p:cNvPr id="102" name="Google Shape;102;p20"/>
           <p:cNvSpPr txBox="1"/>
           <p:nvPr>
             <p:ph type="title"/>
@@ -11126,7 +11809,7 @@
       </p:sp>
       <p:sp>
         <p:nvSpPr>
-          <p:cNvPr id="102" name="Google Shape;102;p20"/>
+          <p:cNvPr id="103" name="Google Shape;103;p20"/>
           <p:cNvSpPr txBox="1"/>
           <p:nvPr>
             <p:ph idx="1" type="body"/>
@@ -11135,7 +11818,7 @@
         <p:spPr>
           <a:xfrm>
             <a:off x="311700" y="1152475"/>
-            <a:ext cx="4340100" cy="3416400"/>
+            <a:ext cx="3890400" cy="3416400"/>
           </a:xfrm>
           <a:prstGeom prst="rect">
             <a:avLst/>
@@ -11147,7 +11830,7 @@
           </a:bodyPr>
           <a:lstStyle/>
           <a:p>
-            <a:pPr indent="-387350" lvl="0" marL="457200" rtl="0" algn="l">
+            <a:pPr indent="-361950" lvl="0" marL="457200" rtl="0" algn="l">
               <a:spcBef>
                 <a:spcPts val="0"/>
               </a:spcBef>
@@ -11155,14 +11838,14 @@
                 <a:spcPts val="0"/>
               </a:spcAft>
               <a:buClr>
-                <a:srgbClr val="980000"/>
+                <a:srgbClr val="990000"/>
               </a:buClr>
-              <a:buSzPts val="2500"/>
+              <a:buSzPts val="2100"/>
               <a:buFont typeface="Playfair Display"/>
               <a:buChar char="●"/>
             </a:pPr>
             <a:r>
-              <a:rPr lang="en" sz="2500">
+              <a:rPr lang="en" sz="2100">
                 <a:solidFill>
                   <a:srgbClr val="000000"/>
                 </a:solidFill>
@@ -11173,7 +11856,7 @@
               </a:rPr>
               <a:t>Relational database</a:t>
             </a:r>
-            <a:endParaRPr sz="2500">
+            <a:endParaRPr sz="2100">
               <a:solidFill>
                 <a:srgbClr val="000000"/>
               </a:solidFill>
@@ -11184,7 +11867,7 @@
             </a:endParaRPr>
           </a:p>
           <a:p>
-            <a:pPr indent="-387350" lvl="0" marL="457200" rtl="0" algn="l">
+            <a:pPr indent="-361950" lvl="0" marL="457200" rtl="0" algn="l">
               <a:spcBef>
                 <a:spcPts val="0"/>
               </a:spcBef>
@@ -11192,27 +11875,27 @@
                 <a:spcPts val="0"/>
               </a:spcAft>
               <a:buClr>
-                <a:srgbClr val="980000"/>
+                <a:srgbClr val="990000"/>
               </a:buClr>
-              <a:buSzPts val="2500"/>
+              <a:buSzPts val="2100"/>
               <a:buFont typeface="Playfair Display"/>
               <a:buChar char="●"/>
             </a:pPr>
             <a:r>
-              <a:rPr lang="en" sz="2500">
-                <a:solidFill>
-                  <a:srgbClr val="000000"/>
+              <a:rPr lang="en" sz="2100">
+                <a:solidFill>
+                  <a:schemeClr val="accent1"/>
                 </a:solidFill>
                 <a:latin typeface="Playfair Display"/>
                 <a:ea typeface="Playfair Display"/>
                 <a:cs typeface="Playfair Display"/>
                 <a:sym typeface="Playfair Display"/>
               </a:rPr>
-              <a:t>Schema developed from domain diagram</a:t>
-            </a:r>
-            <a:endParaRPr sz="2500">
+              <a:t>Supports the 3 major “applets”</a:t>
+            </a:r>
+            <a:endParaRPr sz="2100">
               <a:solidFill>
-                <a:srgbClr val="000000"/>
+                <a:schemeClr val="accent1"/>
               </a:solidFill>
               <a:latin typeface="Playfair Display"/>
               <a:ea typeface="Playfair Display"/>
@@ -11221,6 +11904,40 @@
             </a:endParaRPr>
           </a:p>
           <a:p>
+            <a:pPr indent="-361950" lvl="1" marL="914400" rtl="0" algn="l">
+              <a:spcBef>
+                <a:spcPts val="0"/>
+              </a:spcBef>
+              <a:spcAft>
+                <a:spcPts val="0"/>
+              </a:spcAft>
+              <a:buSzPts val="2100"/>
+              <a:buFont typeface="Playfair Display"/>
+              <a:buChar char="○"/>
+            </a:pPr>
+            <a:r>
+              <a:rPr lang="en" sz="2100">
+                <a:solidFill>
+                  <a:schemeClr val="accent1"/>
+                </a:solidFill>
+                <a:latin typeface="Playfair Display"/>
+                <a:ea typeface="Playfair Display"/>
+                <a:cs typeface="Playfair Display"/>
+                <a:sym typeface="Playfair Display"/>
+              </a:rPr>
+              <a:t>Centered around user</a:t>
+            </a:r>
+            <a:endParaRPr sz="2100">
+              <a:solidFill>
+                <a:schemeClr val="accent1"/>
+              </a:solidFill>
+              <a:latin typeface="Playfair Display"/>
+              <a:ea typeface="Playfair Display"/>
+              <a:cs typeface="Playfair Display"/>
+              <a:sym typeface="Playfair Display"/>
+            </a:endParaRPr>
+          </a:p>
+          <a:p>
             <a:pPr indent="0" lvl="0" marL="0" rtl="0" algn="l">
               <a:spcBef>
                 <a:spcPts val="1200"/>
@@ -11233,13 +11950,13 @@
             <a:r>
               <a:t/>
             </a:r>
-            <a:endParaRPr/>
+            <a:endParaRPr sz="1400"/>
           </a:p>
         </p:txBody>
       </p:sp>
       <p:pic>
         <p:nvPicPr>
-          <p:cNvPr id="103" name="Google Shape;103;p20"/>
+          <p:cNvPr id="104" name="Google Shape;104;p20"/>
           <p:cNvPicPr preferRelativeResize="0"/>
           <p:nvPr/>
         </p:nvPicPr>
@@ -11253,8 +11970,8 @@
         </p:blipFill>
         <p:spPr>
           <a:xfrm>
-            <a:off x="4481050" y="1017450"/>
-            <a:ext cx="4436549" cy="3824075"/>
+            <a:off x="4443150" y="984775"/>
+            <a:ext cx="4631400" cy="3992025"/>
           </a:xfrm>
           <a:prstGeom prst="rect">
             <a:avLst/>
@@ -11278,7 +11995,7 @@
   <p:cSld>
     <p:spTree>
       <p:nvGrpSpPr>
-        <p:cNvPr id="107" name="Shape 107"/>
+        <p:cNvPr id="108" name="Shape 108"/>
         <p:cNvGrpSpPr/>
         <p:nvPr/>
       </p:nvGrpSpPr>
@@ -11292,7 +12009,7 @@
       </p:grpSpPr>
       <p:sp>
         <p:nvSpPr>
-          <p:cNvPr id="108" name="Google Shape;108;p21"/>
+          <p:cNvPr id="109" name="Google Shape;109;p21"/>
           <p:cNvSpPr txBox="1"/>
           <p:nvPr>
             <p:ph type="title"/>
@@ -11332,7 +12049,7 @@
       </p:sp>
       <p:sp>
         <p:nvSpPr>
-          <p:cNvPr id="109" name="Google Shape;109;p21"/>
+          <p:cNvPr id="110" name="Google Shape;110;p21"/>
           <p:cNvSpPr txBox="1"/>
           <p:nvPr>
             <p:ph idx="1" type="body"/>
@@ -11353,7 +12070,7 @@
           </a:bodyPr>
           <a:lstStyle/>
           <a:p>
-            <a:pPr indent="-342900" lvl="0" marL="457200" rtl="0" algn="l">
+            <a:pPr indent="-349250" lvl="0" marL="457200" rtl="0" algn="l">
               <a:spcBef>
                 <a:spcPts val="0"/>
               </a:spcBef>
@@ -11361,27 +12078,48 @@
                 <a:spcPts val="0"/>
               </a:spcAft>
               <a:buClr>
-                <a:schemeClr val="accent5"/>
+                <a:srgbClr val="990000"/>
               </a:buClr>
-              <a:buSzPts val="1800"/>
+              <a:buSzPts val="1900"/>
+              <a:buFont typeface="Playfair Display"/>
               <a:buChar char="●"/>
             </a:pPr>
             <a:r>
-              <a:rPr lang="en">
+              <a:rPr lang="en" sz="1900">
                 <a:solidFill>
                   <a:srgbClr val="000000"/>
                 </a:solidFill>
+                <a:latin typeface="Playfair Display"/>
+                <a:ea typeface="Playfair Display"/>
+                <a:cs typeface="Playfair Display"/>
+                <a:sym typeface="Playfair Display"/>
               </a:rPr>
-              <a:t>Mobile Client</a:t>
-            </a:r>
-            <a:endParaRPr>
+              <a:t>Keeps database </a:t>
+            </a:r>
+            <a:r>
+              <a:rPr lang="en" sz="1900">
+                <a:solidFill>
+                  <a:srgbClr val="000000"/>
+                </a:solidFill>
+                <a:latin typeface="Playfair Display"/>
+                <a:ea typeface="Playfair Display"/>
+                <a:cs typeface="Playfair Display"/>
+                <a:sym typeface="Playfair Display"/>
+              </a:rPr>
+              <a:t>separated</a:t>
+            </a:r>
+            <a:endParaRPr sz="1900">
               <a:solidFill>
                 <a:srgbClr val="000000"/>
               </a:solidFill>
+              <a:latin typeface="Playfair Display"/>
+              <a:ea typeface="Playfair Display"/>
+              <a:cs typeface="Playfair Display"/>
+              <a:sym typeface="Playfair Display"/>
             </a:endParaRPr>
           </a:p>
           <a:p>
-            <a:pPr indent="-342900" lvl="0" marL="457200" rtl="0" algn="l">
+            <a:pPr indent="-349250" lvl="0" marL="457200" rtl="0" algn="l">
               <a:spcBef>
                 <a:spcPts val="0"/>
               </a:spcBef>
@@ -11389,83 +12127,133 @@
                 <a:spcPts val="0"/>
               </a:spcAft>
               <a:buClr>
-                <a:schemeClr val="accent5"/>
+                <a:srgbClr val="990000"/>
               </a:buClr>
-              <a:buSzPts val="1800"/>
+              <a:buSzPts val="1900"/>
+              <a:buFont typeface="Playfair Display"/>
               <a:buChar char="●"/>
             </a:pPr>
             <a:r>
-              <a:rPr lang="en">
+              <a:rPr lang="en" sz="1900">
                 <a:solidFill>
                   <a:srgbClr val="000000"/>
                 </a:solidFill>
+                <a:latin typeface="Playfair Display"/>
+                <a:ea typeface="Playfair Display"/>
+                <a:cs typeface="Playfair Display"/>
+                <a:sym typeface="Playfair Display"/>
               </a:rPr>
-              <a:t>Data Service</a:t>
-            </a:r>
-            <a:endParaRPr>
+              <a:t>Utilize HTTP(S) infrastructure</a:t>
+            </a:r>
+            <a:endParaRPr sz="1900">
               <a:solidFill>
                 <a:srgbClr val="000000"/>
               </a:solidFill>
-            </a:endParaRPr>
-          </a:p>
-          <a:p>
-            <a:pPr indent="-342900" lvl="0" marL="457200" rtl="0" algn="l">
-              <a:spcBef>
-                <a:spcPts val="0"/>
-              </a:spcBef>
-              <a:spcAft>
-                <a:spcPts val="0"/>
-              </a:spcAft>
-              <a:buClr>
-                <a:schemeClr val="accent5"/>
-              </a:buClr>
-              <a:buSzPts val="1800"/>
-              <a:buChar char="●"/>
-            </a:pPr>
-            <a:r>
-              <a:rPr lang="en">
-                <a:solidFill>
-                  <a:srgbClr val="000000"/>
-                </a:solidFill>
-              </a:rPr>
-              <a:t>Data</a:t>
-            </a:r>
-            <a:endParaRPr>
-              <a:solidFill>
-                <a:srgbClr val="000000"/>
-              </a:solidFill>
+              <a:latin typeface="Playfair Display"/>
+              <a:ea typeface="Playfair Display"/>
+              <a:cs typeface="Playfair Display"/>
+              <a:sym typeface="Playfair Display"/>
             </a:endParaRPr>
           </a:p>
         </p:txBody>
       </p:sp>
-      <p:pic>
-        <p:nvPicPr>
-          <p:cNvPr id="110" name="Google Shape;110;p21"/>
-          <p:cNvPicPr preferRelativeResize="0"/>
+      <p:grpSp>
+        <p:nvGrpSpPr>
+          <p:cNvPr id="111" name="Google Shape;111;p21"/>
+          <p:cNvGrpSpPr/>
           <p:nvPr/>
-        </p:nvPicPr>
-        <p:blipFill>
-          <a:blip r:embed="rId3">
-            <a:alphaModFix/>
-          </a:blip>
-          <a:stretch>
-            <a:fillRect/>
-          </a:stretch>
-        </p:blipFill>
-        <p:spPr>
+        </p:nvGrpSpPr>
+        <p:grpSpPr>
           <a:xfrm>
-            <a:off x="4255675" y="453213"/>
-            <a:ext cx="4476450" cy="4237075"/>
+            <a:off x="4134440" y="780022"/>
+            <a:ext cx="4526259" cy="4068006"/>
+            <a:chOff x="5565225" y="918750"/>
+            <a:chExt cx="2959500" cy="2839200"/>
           </a:xfrm>
-          <a:prstGeom prst="rect">
-            <a:avLst/>
-          </a:prstGeom>
-          <a:noFill/>
-          <a:ln>
+        </p:grpSpPr>
+        <p:sp>
+          <p:nvSpPr>
+            <p:cNvPr id="112" name="Google Shape;112;p21"/>
+            <p:cNvSpPr/>
+            <p:nvPr/>
+          </p:nvSpPr>
+          <p:spPr>
+            <a:xfrm>
+              <a:off x="5565225" y="918750"/>
+              <a:ext cx="2959500" cy="2839200"/>
+            </a:xfrm>
+            <a:prstGeom prst="rect">
+              <a:avLst/>
+            </a:prstGeom>
+            <a:solidFill>
+              <a:srgbClr val="000000"/>
+            </a:solidFill>
+            <a:ln cap="flat" cmpd="sng" w="9525">
+              <a:solidFill>
+                <a:schemeClr val="dk2"/>
+              </a:solidFill>
+              <a:prstDash val="solid"/>
+              <a:round/>
+              <a:headEnd len="sm" w="sm" type="none"/>
+              <a:tailEnd len="sm" w="sm" type="none"/>
+            </a:ln>
+          </p:spPr>
+          <p:txBody>
+            <a:bodyPr anchorCtr="0" anchor="ctr" bIns="91425" lIns="91425" spcFirstLastPara="1" rIns="91425" wrap="square" tIns="91425">
+              <a:noAutofit/>
+            </a:bodyPr>
+            <a:lstStyle/>
+            <a:p>
+              <a:pPr indent="0" lvl="0" marL="0" rtl="0" algn="ctr">
+                <a:spcBef>
+                  <a:spcPts val="0"/>
+                </a:spcBef>
+                <a:spcAft>
+                  <a:spcPts val="0"/>
+                </a:spcAft>
+                <a:buNone/>
+              </a:pPr>
+              <a:r>
+                <a:t/>
+              </a:r>
+              <a:endParaRPr>
+                <a:latin typeface="Lato"/>
+                <a:ea typeface="Lato"/>
+                <a:cs typeface="Lato"/>
+                <a:sym typeface="Lato"/>
+              </a:endParaRPr>
+            </a:p>
+          </p:txBody>
+        </p:sp>
+        <p:pic>
+          <p:nvPicPr>
+            <p:cNvPr id="113" name="Google Shape;113;p21"/>
+            <p:cNvPicPr preferRelativeResize="0"/>
+            <p:nvPr/>
+          </p:nvPicPr>
+          <p:blipFill>
+            <a:blip r:embed="rId3">
+              <a:alphaModFix/>
+            </a:blip>
+            <a:stretch>
+              <a:fillRect/>
+            </a:stretch>
+          </p:blipFill>
+          <p:spPr>
+            <a:xfrm>
+              <a:off x="5652157" y="1006369"/>
+              <a:ext cx="2800626" cy="2650850"/>
+            </a:xfrm>
+            <a:prstGeom prst="rect">
+              <a:avLst/>
+            </a:prstGeom>
             <a:noFill/>
-          </a:ln>
-        </p:spPr>
-      </p:pic>
+            <a:ln>
+              <a:noFill/>
+            </a:ln>
+          </p:spPr>
+        </p:pic>
+      </p:grpSp>
     </p:spTree>
   </p:cSld>
   <p:clrMapOvr>
@@ -11475,6 +12263,285 @@
 </file>
 
 <file path=ppt/theme/theme1.xml><?xml version="1.0" encoding="utf-8"?>
+<a:theme xmlns:a="http://schemas.openxmlformats.org/drawingml/2006/main" xmlns:r="http://schemas.openxmlformats.org/officeDocument/2006/relationships">
+  <a:themeElements>
+    <a:clrScheme name="Default">
+      <a:dk1>
+        <a:srgbClr val="000000"/>
+      </a:dk1>
+      <a:lt1>
+        <a:srgbClr val="FFFFFF"/>
+      </a:lt1>
+      <a:dk2>
+        <a:srgbClr val="158158"/>
+      </a:dk2>
+      <a:lt2>
+        <a:srgbClr val="F3F3F3"/>
+      </a:lt2>
+      <a:accent1>
+        <a:srgbClr val="058DC7"/>
+      </a:accent1>
+      <a:accent2>
+        <a:srgbClr val="50B432"/>
+      </a:accent2>
+      <a:accent3>
+        <a:srgbClr val="ED561B"/>
+      </a:accent3>
+      <a:accent4>
+        <a:srgbClr val="EDEF00"/>
+      </a:accent4>
+      <a:accent5>
+        <a:srgbClr val="24CBE5"/>
+      </a:accent5>
+      <a:accent6>
+        <a:srgbClr val="64E572"/>
+      </a:accent6>
+      <a:hlink>
+        <a:srgbClr val="2200CC"/>
+      </a:hlink>
+      <a:folHlink>
+        <a:srgbClr val="551A8B"/>
+      </a:folHlink>
+    </a:clrScheme>
+    <a:fontScheme name="Office">
+      <a:majorFont>
+        <a:latin typeface="Arial"/>
+        <a:ea typeface=""/>
+        <a:cs typeface=""/>
+        <a:font script="Jpan" typeface="ＭＳ Ｐゴシック"/>
+        <a:font script="Hang" typeface="맑은 고딕"/>
+        <a:font script="Hans" typeface="宋体"/>
+        <a:font script="Hant" typeface="新細明體"/>
+        <a:font script="Arab" typeface="Times New Roman"/>
+        <a:font script="Hebr" typeface="Times New Roman"/>
+        <a:font script="Thai" typeface="Angsana New"/>
+        <a:font script="Ethi" typeface="Nyala"/>
+        <a:font script="Beng" typeface="Vrinda"/>
+        <a:font script="Gujr" typeface="Shruti"/>
+        <a:font script="Khmr" typeface="MoolBoran"/>
+        <a:font script="Knda" typeface="Tunga"/>
+        <a:font script="Guru" typeface="Raavi"/>
+        <a:font script="Cans" typeface="Euphemia"/>
+        <a:font script="Cher" typeface="Plantagenet Cherokee"/>
+        <a:font script="Yiii" typeface="Microsoft Yi Baiti"/>
+        <a:font script="Tibt" typeface="Microsoft Himalaya"/>
+        <a:font script="Thaa" typeface="MV Boli"/>
+        <a:font script="Deva" typeface="Mangal"/>
+        <a:font script="Telu" typeface="Gautami"/>
+        <a:font script="Taml" typeface="Latha"/>
+        <a:font script="Syrc" typeface="Estrangelo Edessa"/>
+        <a:font script="Orya" typeface="Kalinga"/>
+        <a:font script="Mlym" typeface="Kartika"/>
+        <a:font script="Laoo" typeface="DokChampa"/>
+        <a:font script="Sinh" typeface="Iskoola Pota"/>
+        <a:font script="Mong" typeface="Mongolian Baiti"/>
+        <a:font script="Viet" typeface="Times New Roman"/>
+        <a:font script="Uigh" typeface="Microsoft Uighur"/>
+        <a:font script="Geor" typeface="Sylfaen"/>
+      </a:majorFont>
+      <a:minorFont>
+        <a:latin typeface="Arial"/>
+        <a:ea typeface=""/>
+        <a:cs typeface=""/>
+        <a:font script="Jpan" typeface="ＭＳ Ｐゴシック"/>
+        <a:font script="Hang" typeface="맑은 고딕"/>
+        <a:font script="Hans" typeface="宋体"/>
+        <a:font script="Hant" typeface="新細明體"/>
+        <a:font script="Arab" typeface="Arial"/>
+        <a:font script="Hebr" typeface="Arial"/>
+        <a:font script="Thai" typeface="Cordia New"/>
+        <a:font script="Ethi" typeface="Nyala"/>
+        <a:font script="Beng" typeface="Vrinda"/>
+        <a:font script="Gujr" typeface="Shruti"/>
+        <a:font script="Khmr" typeface="DaunPenh"/>
+        <a:font script="Knda" typeface="Tunga"/>
+        <a:font script="Guru" typeface="Raavi"/>
+        <a:font script="Cans" typeface="Euphemia"/>
+        <a:font script="Cher" typeface="Plantagenet Cherokee"/>
+        <a:font script="Yiii" typeface="Microsoft Yi Baiti"/>
+        <a:font script="Tibt" typeface="Microsoft Himalaya"/>
+        <a:font script="Thaa" typeface="MV Boli"/>
+        <a:font script="Deva" typeface="Mangal"/>
+        <a:font script="Telu" typeface="Gautami"/>
+        <a:font script="Taml" typeface="Latha"/>
+        <a:font script="Syrc" typeface="Estrangelo Edessa"/>
+        <a:font script="Orya" typeface="Kalinga"/>
+        <a:font script="Mlym" typeface="Kartika"/>
+        <a:font script="Laoo" typeface="DokChampa"/>
+        <a:font script="Sinh" typeface="Iskoola Pota"/>
+        <a:font script="Mong" typeface="Mongolian Baiti"/>
+        <a:font script="Viet" typeface="Arial"/>
+        <a:font script="Uigh" typeface="Microsoft Uighur"/>
+        <a:font script="Geor" typeface="Sylfaen"/>
+      </a:minorFont>
+    </a:fontScheme>
+    <a:fmtScheme name="Office">
+      <a:fillStyleLst>
+        <a:solidFill>
+          <a:schemeClr val="phClr"/>
+        </a:solidFill>
+        <a:gradFill rotWithShape="1">
+          <a:gsLst>
+            <a:gs pos="0">
+              <a:schemeClr val="phClr">
+                <a:tint val="50000"/>
+                <a:satMod val="300000"/>
+              </a:schemeClr>
+            </a:gs>
+            <a:gs pos="35000">
+              <a:schemeClr val="phClr">
+                <a:tint val="37000"/>
+                <a:satMod val="300000"/>
+              </a:schemeClr>
+            </a:gs>
+            <a:gs pos="100000">
+              <a:schemeClr val="phClr">
+                <a:tint val="15000"/>
+                <a:satMod val="350000"/>
+              </a:schemeClr>
+            </a:gs>
+          </a:gsLst>
+          <a:lin ang="16200000" scaled="1"/>
+        </a:gradFill>
+        <a:gradFill rotWithShape="1">
+          <a:gsLst>
+            <a:gs pos="0">
+              <a:schemeClr val="phClr">
+                <a:tint val="100000"/>
+                <a:shade val="100000"/>
+                <a:satMod val="130000"/>
+              </a:schemeClr>
+            </a:gs>
+            <a:gs pos="100000">
+              <a:schemeClr val="phClr">
+                <a:tint val="50000"/>
+                <a:shade val="100000"/>
+                <a:satMod val="350000"/>
+              </a:schemeClr>
+            </a:gs>
+          </a:gsLst>
+          <a:lin ang="16200000" scaled="0"/>
+        </a:gradFill>
+      </a:fillStyleLst>
+      <a:lnStyleLst>
+        <a:ln w="9525" cap="flat" cmpd="sng" algn="ctr">
+          <a:solidFill>
+            <a:schemeClr val="phClr">
+              <a:shade val="95000"/>
+              <a:satMod val="105000"/>
+            </a:schemeClr>
+          </a:solidFill>
+          <a:prstDash val="solid"/>
+        </a:ln>
+        <a:ln w="25400" cap="flat" cmpd="sng" algn="ctr">
+          <a:solidFill>
+            <a:schemeClr val="phClr"/>
+          </a:solidFill>
+          <a:prstDash val="solid"/>
+        </a:ln>
+        <a:ln w="38100" cap="flat" cmpd="sng" algn="ctr">
+          <a:solidFill>
+            <a:schemeClr val="phClr"/>
+          </a:solidFill>
+          <a:prstDash val="solid"/>
+        </a:ln>
+      </a:lnStyleLst>
+      <a:effectStyleLst>
+        <a:effectStyle>
+          <a:effectLst>
+            <a:outerShdw blurRad="40000" dist="20000" dir="5400000" rotWithShape="0">
+              <a:srgbClr val="000000">
+                <a:alpha val="38000"/>
+              </a:srgbClr>
+            </a:outerShdw>
+          </a:effectLst>
+        </a:effectStyle>
+        <a:effectStyle>
+          <a:effectLst>
+            <a:outerShdw blurRad="40000" dist="23000" dir="5400000" rotWithShape="0">
+              <a:srgbClr val="000000">
+                <a:alpha val="35000"/>
+              </a:srgbClr>
+            </a:outerShdw>
+          </a:effectLst>
+        </a:effectStyle>
+        <a:effectStyle>
+          <a:effectLst>
+            <a:outerShdw blurRad="40000" dist="23000" dir="5400000" rotWithShape="0">
+              <a:srgbClr val="000000">
+                <a:alpha val="35000"/>
+              </a:srgbClr>
+            </a:outerShdw>
+          </a:effectLst>
+          <a:scene3d>
+            <a:camera prst="orthographicFront">
+              <a:rot lat="0" lon="0" rev="0"/>
+            </a:camera>
+            <a:lightRig rig="threePt" dir="t">
+              <a:rot lat="0" lon="0" rev="1200000"/>
+            </a:lightRig>
+          </a:scene3d>
+          <a:sp3d>
+            <a:bevelT w="63500" h="25400"/>
+          </a:sp3d>
+        </a:effectStyle>
+      </a:effectStyleLst>
+      <a:bgFillStyleLst>
+        <a:solidFill>
+          <a:schemeClr val="phClr"/>
+        </a:solidFill>
+        <a:gradFill rotWithShape="1">
+          <a:gsLst>
+            <a:gs pos="0">
+              <a:schemeClr val="phClr">
+                <a:tint val="40000"/>
+                <a:satMod val="350000"/>
+              </a:schemeClr>
+            </a:gs>
+            <a:gs pos="40000">
+              <a:schemeClr val="phClr">
+                <a:tint val="45000"/>
+                <a:shade val="99000"/>
+                <a:satMod val="350000"/>
+              </a:schemeClr>
+            </a:gs>
+            <a:gs pos="100000">
+              <a:schemeClr val="phClr">
+                <a:shade val="20000"/>
+                <a:satMod val="255000"/>
+              </a:schemeClr>
+            </a:gs>
+          </a:gsLst>
+          <a:path path="circle">
+            <a:fillToRect l="50000" t="-80000" r="50000" b="180000"/>
+          </a:path>
+        </a:gradFill>
+        <a:gradFill rotWithShape="1">
+          <a:gsLst>
+            <a:gs pos="0">
+              <a:schemeClr val="phClr">
+                <a:tint val="80000"/>
+                <a:satMod val="300000"/>
+              </a:schemeClr>
+            </a:gs>
+            <a:gs pos="100000">
+              <a:schemeClr val="phClr">
+                <a:shade val="30000"/>
+                <a:satMod val="200000"/>
+              </a:schemeClr>
+            </a:gs>
+          </a:gsLst>
+          <a:path path="circle">
+            <a:fillToRect l="50000" t="50000" r="50000" b="50000"/>
+          </a:path>
+        </a:gradFill>
+      </a:bgFillStyleLst>
+    </a:fmtScheme>
+  </a:themeElements>
+</a:theme>
+</file>
+
+<file path=ppt/theme/theme2.xml><?xml version="1.0" encoding="utf-8"?>
 <a:theme xmlns:a="http://schemas.openxmlformats.org/drawingml/2006/main" xmlns:r="http://schemas.openxmlformats.org/officeDocument/2006/relationships" name="Coral">
   <a:themeElements>
     <a:clrScheme name="Coral">
@@ -11751,283 +12818,4 @@
     </a:fmtScheme>
   </a:themeElements>
 </a:theme>
-</file>
-
-<file path=ppt/theme/theme2.xml><?xml version="1.0" encoding="utf-8"?>
-<a:theme xmlns:a="http://schemas.openxmlformats.org/drawingml/2006/main" xmlns:r="http://schemas.openxmlformats.org/officeDocument/2006/relationships">
-  <a:themeElements>
-    <a:clrScheme name="Default">
-      <a:dk1>
-        <a:srgbClr val="000000"/>
-      </a:dk1>
-      <a:lt1>
-        <a:srgbClr val="FFFFFF"/>
-      </a:lt1>
-      <a:dk2>
-        <a:srgbClr val="158158"/>
-      </a:dk2>
-      <a:lt2>
-        <a:srgbClr val="F3F3F3"/>
-      </a:lt2>
-      <a:accent1>
-        <a:srgbClr val="058DC7"/>
-      </a:accent1>
-      <a:accent2>
-        <a:srgbClr val="50B432"/>
-      </a:accent2>
-      <a:accent3>
-        <a:srgbClr val="ED561B"/>
-      </a:accent3>
-      <a:accent4>
-        <a:srgbClr val="EDEF00"/>
-      </a:accent4>
-      <a:accent5>
-        <a:srgbClr val="24CBE5"/>
-      </a:accent5>
-      <a:accent6>
-        <a:srgbClr val="64E572"/>
-      </a:accent6>
-      <a:hlink>
-        <a:srgbClr val="2200CC"/>
-      </a:hlink>
-      <a:folHlink>
-        <a:srgbClr val="551A8B"/>
-      </a:folHlink>
-    </a:clrScheme>
-    <a:fontScheme name="Office">
-      <a:majorFont>
-        <a:latin typeface="Arial"/>
-        <a:ea typeface=""/>
-        <a:cs typeface=""/>
-        <a:font script="Jpan" typeface="ＭＳ Ｐゴシック"/>
-        <a:font script="Hang" typeface="맑은 고딕"/>
-        <a:font script="Hans" typeface="宋体"/>
-        <a:font script="Hant" typeface="新細明體"/>
-        <a:font script="Arab" typeface="Times New Roman"/>
-        <a:font script="Hebr" typeface="Times New Roman"/>
-        <a:font script="Thai" typeface="Angsana New"/>
-        <a:font script="Ethi" typeface="Nyala"/>
-        <a:font script="Beng" typeface="Vrinda"/>
-        <a:font script="Gujr" typeface="Shruti"/>
-        <a:font script="Khmr" typeface="MoolBoran"/>
-        <a:font script="Knda" typeface="Tunga"/>
-        <a:font script="Guru" typeface="Raavi"/>
-        <a:font script="Cans" typeface="Euphemia"/>
-        <a:font script="Cher" typeface="Plantagenet Cherokee"/>
-        <a:font script="Yiii" typeface="Microsoft Yi Baiti"/>
-        <a:font script="Tibt" typeface="Microsoft Himalaya"/>
-        <a:font script="Thaa" typeface="MV Boli"/>
-        <a:font script="Deva" typeface="Mangal"/>
-        <a:font script="Telu" typeface="Gautami"/>
-        <a:font script="Taml" typeface="Latha"/>
-        <a:font script="Syrc" typeface="Estrangelo Edessa"/>
-        <a:font script="Orya" typeface="Kalinga"/>
-        <a:font script="Mlym" typeface="Kartika"/>
-        <a:font script="Laoo" typeface="DokChampa"/>
-        <a:font script="Sinh" typeface="Iskoola Pota"/>
-        <a:font script="Mong" typeface="Mongolian Baiti"/>
-        <a:font script="Viet" typeface="Times New Roman"/>
-        <a:font script="Uigh" typeface="Microsoft Uighur"/>
-        <a:font script="Geor" typeface="Sylfaen"/>
-      </a:majorFont>
-      <a:minorFont>
-        <a:latin typeface="Arial"/>
-        <a:ea typeface=""/>
-        <a:cs typeface=""/>
-        <a:font script="Jpan" typeface="ＭＳ Ｐゴシック"/>
-        <a:font script="Hang" typeface="맑은 고딕"/>
-        <a:font script="Hans" typeface="宋体"/>
-        <a:font script="Hant" typeface="新細明體"/>
-        <a:font script="Arab" typeface="Arial"/>
-        <a:font script="Hebr" typeface="Arial"/>
-        <a:font script="Thai" typeface="Cordia New"/>
-        <a:font script="Ethi" typeface="Nyala"/>
-        <a:font script="Beng" typeface="Vrinda"/>
-        <a:font script="Gujr" typeface="Shruti"/>
-        <a:font script="Khmr" typeface="DaunPenh"/>
-        <a:font script="Knda" typeface="Tunga"/>
-        <a:font script="Guru" typeface="Raavi"/>
-        <a:font script="Cans" typeface="Euphemia"/>
-        <a:font script="Cher" typeface="Plantagenet Cherokee"/>
-        <a:font script="Yiii" typeface="Microsoft Yi Baiti"/>
-        <a:font script="Tibt" typeface="Microsoft Himalaya"/>
-        <a:font script="Thaa" typeface="MV Boli"/>
-        <a:font script="Deva" typeface="Mangal"/>
-        <a:font script="Telu" typeface="Gautami"/>
-        <a:font script="Taml" typeface="Latha"/>
-        <a:font script="Syrc" typeface="Estrangelo Edessa"/>
-        <a:font script="Orya" typeface="Kalinga"/>
-        <a:font script="Mlym" typeface="Kartika"/>
-        <a:font script="Laoo" typeface="DokChampa"/>
-        <a:font script="Sinh" typeface="Iskoola Pota"/>
-        <a:font script="Mong" typeface="Mongolian Baiti"/>
-        <a:font script="Viet" typeface="Arial"/>
-        <a:font script="Uigh" typeface="Microsoft Uighur"/>
-        <a:font script="Geor" typeface="Sylfaen"/>
-      </a:minorFont>
-    </a:fontScheme>
-    <a:fmtScheme name="Office">
-      <a:fillStyleLst>
-        <a:solidFill>
-          <a:schemeClr val="phClr"/>
-        </a:solidFill>
-        <a:gradFill rotWithShape="1">
-          <a:gsLst>
-            <a:gs pos="0">
-              <a:schemeClr val="phClr">
-                <a:tint val="50000"/>
-                <a:satMod val="300000"/>
-              </a:schemeClr>
-            </a:gs>
-            <a:gs pos="35000">
-              <a:schemeClr val="phClr">
-                <a:tint val="37000"/>
-                <a:satMod val="300000"/>
-              </a:schemeClr>
-            </a:gs>
-            <a:gs pos="100000">
-              <a:schemeClr val="phClr">
-                <a:tint val="15000"/>
-                <a:satMod val="350000"/>
-              </a:schemeClr>
-            </a:gs>
-          </a:gsLst>
-          <a:lin ang="16200000" scaled="1"/>
-        </a:gradFill>
-        <a:gradFill rotWithShape="1">
-          <a:gsLst>
-            <a:gs pos="0">
-              <a:schemeClr val="phClr">
-                <a:tint val="100000"/>
-                <a:shade val="100000"/>
-                <a:satMod val="130000"/>
-              </a:schemeClr>
-            </a:gs>
-            <a:gs pos="100000">
-              <a:schemeClr val="phClr">
-                <a:tint val="50000"/>
-                <a:shade val="100000"/>
-                <a:satMod val="350000"/>
-              </a:schemeClr>
-            </a:gs>
-          </a:gsLst>
-          <a:lin ang="16200000" scaled="0"/>
-        </a:gradFill>
-      </a:fillStyleLst>
-      <a:lnStyleLst>
-        <a:ln w="9525" cap="flat" cmpd="sng" algn="ctr">
-          <a:solidFill>
-            <a:schemeClr val="phClr">
-              <a:shade val="95000"/>
-              <a:satMod val="105000"/>
-            </a:schemeClr>
-          </a:solidFill>
-          <a:prstDash val="solid"/>
-        </a:ln>
-        <a:ln w="25400" cap="flat" cmpd="sng" algn="ctr">
-          <a:solidFill>
-            <a:schemeClr val="phClr"/>
-          </a:solidFill>
-          <a:prstDash val="solid"/>
-        </a:ln>
-        <a:ln w="38100" cap="flat" cmpd="sng" algn="ctr">
-          <a:solidFill>
-            <a:schemeClr val="phClr"/>
-          </a:solidFill>
-          <a:prstDash val="solid"/>
-        </a:ln>
-      </a:lnStyleLst>
-      <a:effectStyleLst>
-        <a:effectStyle>
-          <a:effectLst>
-            <a:outerShdw blurRad="40000" dist="20000" dir="5400000" rotWithShape="0">
-              <a:srgbClr val="000000">
-                <a:alpha val="38000"/>
-              </a:srgbClr>
-            </a:outerShdw>
-          </a:effectLst>
-        </a:effectStyle>
-        <a:effectStyle>
-          <a:effectLst>
-            <a:outerShdw blurRad="40000" dist="23000" dir="5400000" rotWithShape="0">
-              <a:srgbClr val="000000">
-                <a:alpha val="35000"/>
-              </a:srgbClr>
-            </a:outerShdw>
-          </a:effectLst>
-        </a:effectStyle>
-        <a:effectStyle>
-          <a:effectLst>
-            <a:outerShdw blurRad="40000" dist="23000" dir="5400000" rotWithShape="0">
-              <a:srgbClr val="000000">
-                <a:alpha val="35000"/>
-              </a:srgbClr>
-            </a:outerShdw>
-          </a:effectLst>
-          <a:scene3d>
-            <a:camera prst="orthographicFront">
-              <a:rot lat="0" lon="0" rev="0"/>
-            </a:camera>
-            <a:lightRig rig="threePt" dir="t">
-              <a:rot lat="0" lon="0" rev="1200000"/>
-            </a:lightRig>
-          </a:scene3d>
-          <a:sp3d>
-            <a:bevelT w="63500" h="25400"/>
-          </a:sp3d>
-        </a:effectStyle>
-      </a:effectStyleLst>
-      <a:bgFillStyleLst>
-        <a:solidFill>
-          <a:schemeClr val="phClr"/>
-        </a:solidFill>
-        <a:gradFill rotWithShape="1">
-          <a:gsLst>
-            <a:gs pos="0">
-              <a:schemeClr val="phClr">
-                <a:tint val="40000"/>
-                <a:satMod val="350000"/>
-              </a:schemeClr>
-            </a:gs>
-            <a:gs pos="40000">
-              <a:schemeClr val="phClr">
-                <a:tint val="45000"/>
-                <a:shade val="99000"/>
-                <a:satMod val="350000"/>
-              </a:schemeClr>
-            </a:gs>
-            <a:gs pos="100000">
-              <a:schemeClr val="phClr">
-                <a:shade val="20000"/>
-                <a:satMod val="255000"/>
-              </a:schemeClr>
-            </a:gs>
-          </a:gsLst>
-          <a:path path="circle">
-            <a:fillToRect l="50000" t="-80000" r="50000" b="180000"/>
-          </a:path>
-        </a:gradFill>
-        <a:gradFill rotWithShape="1">
-          <a:gsLst>
-            <a:gs pos="0">
-              <a:schemeClr val="phClr">
-                <a:tint val="80000"/>
-                <a:satMod val="300000"/>
-              </a:schemeClr>
-            </a:gs>
-            <a:gs pos="100000">
-              <a:schemeClr val="phClr">
-                <a:shade val="30000"/>
-                <a:satMod val="200000"/>
-              </a:schemeClr>
-            </a:gs>
-          </a:gsLst>
-          <a:path path="circle">
-            <a:fillToRect l="50000" t="50000" r="50000" b="50000"/>
-          </a:path>
-        </a:gradFill>
-      </a:bgFillStyleLst>
-    </a:fmtScheme>
-  </a:themeElements>
-</a:theme>
 </file>